--- a/documents/T3-ShareList-Statusbericht_v1.0.pptx
+++ b/documents/T3-ShareList-Statusbericht_v1.0.pptx
@@ -391,7 +391,14 @@
                         </a:solidFill>
                       </a:rPr>
                       <a:pPr>
-                        <a:defRPr/>
+                        <a:defRPr sz="1330" b="1" i="0" u="none" strike="noStrike" kern="1200" spc="0" baseline="0">
+                          <a:solidFill>
+                            <a:schemeClr val="accent5"/>
+                          </a:solidFill>
+                          <a:latin typeface="+mn-lt"/>
+                          <a:ea typeface="+mn-ea"/>
+                          <a:cs typeface="+mn-cs"/>
+                        </a:defRPr>
                       </a:pPr>
                       <a:t>[RUBRIKENNAME]</a:t>
                     </a:fld>
@@ -422,9 +429,7 @@
                   <a:pPr>
                     <a:defRPr sz="1330" b="1" i="0" u="none" strike="noStrike" kern="1200" spc="0" baseline="0">
                       <a:solidFill>
-                        <a:schemeClr val="accent5">
-                          <a:shade val="53000"/>
-                        </a:schemeClr>
+                        <a:schemeClr val="accent5"/>
                       </a:solidFill>
                       <a:latin typeface="+mn-lt"/>
                       <a:ea typeface="+mn-ea"/>
@@ -477,7 +482,14 @@
                         </a:solidFill>
                       </a:rPr>
                       <a:pPr>
-                        <a:defRPr/>
+                        <a:defRPr sz="1330" b="1" i="0" u="none" strike="noStrike" kern="1200" spc="0" baseline="0">
+                          <a:solidFill>
+                            <a:schemeClr val="accent5"/>
+                          </a:solidFill>
+                          <a:latin typeface="+mn-lt"/>
+                          <a:ea typeface="+mn-ea"/>
+                          <a:cs typeface="+mn-cs"/>
+                        </a:defRPr>
                       </a:pPr>
                       <a:t>[RUBRIKENNAME]</a:t>
                     </a:fld>
@@ -508,9 +520,7 @@
                   <a:pPr>
                     <a:defRPr sz="1330" b="1" i="0" u="none" strike="noStrike" kern="1200" spc="0" baseline="0">
                       <a:solidFill>
-                        <a:schemeClr val="accent5">
-                          <a:shade val="76000"/>
-                        </a:schemeClr>
+                        <a:schemeClr val="accent5"/>
                       </a:solidFill>
                       <a:latin typeface="+mn-lt"/>
                       <a:ea typeface="+mn-ea"/>
@@ -559,7 +569,14 @@
                     <a:fld id="{9508014E-5E36-4EB6-9262-DFF8EF5D7C3B}" type="CATEGORYNAME">
                       <a:rPr lang="en-US" smtClean="0"/>
                       <a:pPr>
-                        <a:defRPr/>
+                        <a:defRPr sz="1330" b="1" i="0" u="none" strike="noStrike" kern="1200" spc="0" baseline="0">
+                          <a:solidFill>
+                            <a:schemeClr val="accent5"/>
+                          </a:solidFill>
+                          <a:latin typeface="+mn-lt"/>
+                          <a:ea typeface="+mn-ea"/>
+                          <a:cs typeface="+mn-cs"/>
+                        </a:defRPr>
                       </a:pPr>
                       <a:t>[RUBRIKENNAME]</a:t>
                     </a:fld>
@@ -639,7 +656,14 @@
                         </a:solidFill>
                       </a:rPr>
                       <a:pPr>
-                        <a:defRPr/>
+                        <a:defRPr sz="1330" b="1" i="0" u="none" strike="noStrike" kern="1200" spc="0" baseline="0">
+                          <a:solidFill>
+                            <a:schemeClr val="accent5"/>
+                          </a:solidFill>
+                          <a:latin typeface="+mn-lt"/>
+                          <a:ea typeface="+mn-ea"/>
+                          <a:cs typeface="+mn-cs"/>
+                        </a:defRPr>
                       </a:pPr>
                       <a:t>[RUBRIKENNAME]</a:t>
                     </a:fld>
@@ -670,9 +694,7 @@
                   <a:pPr>
                     <a:defRPr sz="1330" b="1" i="0" u="none" strike="noStrike" kern="1200" spc="0" baseline="0">
                       <a:solidFill>
-                        <a:schemeClr val="accent5">
-                          <a:tint val="77000"/>
-                        </a:schemeClr>
+                        <a:schemeClr val="accent5"/>
                       </a:solidFill>
                       <a:latin typeface="+mn-lt"/>
                       <a:ea typeface="+mn-ea"/>
@@ -725,7 +747,14 @@
                         </a:solidFill>
                       </a:rPr>
                       <a:pPr>
-                        <a:defRPr/>
+                        <a:defRPr sz="1330" b="1" i="0" u="none" strike="noStrike" kern="1200" spc="0" baseline="0">
+                          <a:solidFill>
+                            <a:schemeClr val="accent5"/>
+                          </a:solidFill>
+                          <a:latin typeface="+mn-lt"/>
+                          <a:ea typeface="+mn-ea"/>
+                          <a:cs typeface="+mn-cs"/>
+                        </a:defRPr>
                       </a:pPr>
                       <a:t>[RUBRIKENNAME]</a:t>
                     </a:fld>
@@ -756,9 +785,7 @@
                   <a:pPr>
                     <a:defRPr sz="1330" b="1" i="0" u="none" strike="noStrike" kern="1200" spc="0" baseline="0">
                       <a:solidFill>
-                        <a:schemeClr val="accent5">
-                          <a:tint val="54000"/>
-                        </a:schemeClr>
+                        <a:schemeClr val="accent5"/>
                       </a:solidFill>
                       <a:latin typeface="+mn-lt"/>
                       <a:ea typeface="+mn-ea"/>
@@ -785,6 +812,13 @@
                 </c:ext>
               </c:extLst>
             </c:dLbl>
+            <c:spPr>
+              <a:noFill/>
+              <a:ln>
+                <a:noFill/>
+              </a:ln>
+              <a:effectLst/>
+            </c:spPr>
             <c:dLblPos val="outEnd"/>
             <c:showLegendKey val="0"/>
             <c:showVal val="0"/>
@@ -16034,7 +16068,7 @@
             <a:pPr rtl="0"/>
             <a:fld id="{C3565ABF-7DEC-4ADF-BFD3-D6A26056D92F}" type="datetime1">
               <a:rPr lang="de-DE" smtClean="0"/>
-              <a:t>07.05.2022</a:t>
+              <a:t>09.05.2022</a:t>
             </a:fld>
             <a:endParaRPr lang="de-DE" dirty="0"/>
           </a:p>
@@ -16215,7 +16249,7 @@
             <a:fld id="{2AA45D96-2ECE-421E-8B9B-011F64847CD9}" type="datetime1">
               <a:rPr lang="de-DE" smtClean="0"/>
               <a:pPr/>
-              <a:t>07.05.2022</a:t>
+              <a:t>09.05.2022</a:t>
             </a:fld>
             <a:endParaRPr lang="de-DE" dirty="0"/>
           </a:p>
@@ -17963,7 +17997,7 @@
             <a:pPr rtl="0"/>
             <a:fld id="{E906B6B5-8AB2-4A19-98D0-2CD3F7945829}" type="datetime1">
               <a:rPr lang="de-DE" noProof="0" smtClean="0"/>
-              <a:t>07.05.2022</a:t>
+              <a:t>09.05.2022</a:t>
             </a:fld>
             <a:endParaRPr lang="de-DE" noProof="0" dirty="0"/>
           </a:p>
@@ -18185,7 +18219,7 @@
             <a:pPr rtl="0"/>
             <a:fld id="{FDEBEFDC-5157-4519-92EC-CF97DB3EF393}" type="datetime1">
               <a:rPr lang="de-DE" noProof="0" smtClean="0"/>
-              <a:t>07.05.2022</a:t>
+              <a:t>09.05.2022</a:t>
             </a:fld>
             <a:endParaRPr lang="de-DE" noProof="0" dirty="0"/>
           </a:p>
@@ -18397,7 +18431,7 @@
             <a:pPr rtl="0"/>
             <a:fld id="{66443C9B-CDA6-4222-82E3-B3E3F9120D5D}" type="datetime1">
               <a:rPr lang="de-DE" noProof="0" smtClean="0"/>
-              <a:t>07.05.2022</a:t>
+              <a:t>09.05.2022</a:t>
             </a:fld>
             <a:endParaRPr lang="de-DE" noProof="0" dirty="0"/>
           </a:p>
@@ -18685,7 +18719,7 @@
             <a:pPr rtl="0"/>
             <a:fld id="{323636EA-57E7-4E8C-9393-80C8D7EE3875}" type="datetime1">
               <a:rPr lang="de-DE" noProof="0" smtClean="0"/>
-              <a:t>07.05.2022</a:t>
+              <a:t>09.05.2022</a:t>
             </a:fld>
             <a:endParaRPr lang="de-DE" noProof="0" dirty="0"/>
           </a:p>
@@ -18965,7 +18999,7 @@
             <a:pPr rtl="0"/>
             <a:fld id="{87BC29F5-5EA1-4C84-9D53-4AEEA6A60824}" type="datetime1">
               <a:rPr lang="de-DE" noProof="0" smtClean="0"/>
-              <a:t>07.05.2022</a:t>
+              <a:t>09.05.2022</a:t>
             </a:fld>
             <a:endParaRPr lang="de-DE" noProof="0" dirty="0"/>
           </a:p>
@@ -19392,7 +19426,7 @@
             <a:pPr rtl="0"/>
             <a:fld id="{8AD8CC66-E39B-4613-B119-28958000DEBD}" type="datetime1">
               <a:rPr lang="de-DE" noProof="0" smtClean="0"/>
-              <a:t>07.05.2022</a:t>
+              <a:t>09.05.2022</a:t>
             </a:fld>
             <a:endParaRPr lang="de-DE" noProof="0" dirty="0"/>
           </a:p>
@@ -19546,7 +19580,7 @@
             <a:pPr rtl="0"/>
             <a:fld id="{1F552A58-86FE-44F3-9A4C-9F61F555D107}" type="datetime1">
               <a:rPr lang="de-DE" noProof="0" smtClean="0"/>
-              <a:t>07.05.2022</a:t>
+              <a:t>09.05.2022</a:t>
             </a:fld>
             <a:endParaRPr lang="de-DE" noProof="0" dirty="0"/>
           </a:p>
@@ -19685,7 +19719,7 @@
             <a:pPr rtl="0"/>
             <a:fld id="{194367B4-BE2D-481C-B552-9CE3E250F50F}" type="datetime1">
               <a:rPr lang="de-DE" noProof="0" smtClean="0"/>
-              <a:t>07.05.2022</a:t>
+              <a:t>09.05.2022</a:t>
             </a:fld>
             <a:endParaRPr lang="de-DE" noProof="0" dirty="0"/>
           </a:p>
@@ -20010,7 +20044,7 @@
             <a:pPr rtl="0"/>
             <a:fld id="{56335D05-433A-465C-AB25-80E15B4C8780}" type="datetime1">
               <a:rPr lang="de-DE" noProof="0" smtClean="0"/>
-              <a:t>07.05.2022</a:t>
+              <a:t>09.05.2022</a:t>
             </a:fld>
             <a:endParaRPr lang="de-DE" noProof="0" dirty="0"/>
           </a:p>
@@ -20316,7 +20350,7 @@
             <a:pPr rtl="0"/>
             <a:fld id="{E3B24122-B854-4AD3-BA95-E7564F834DBB}" type="datetime1">
               <a:rPr lang="de-DE" noProof="0" smtClean="0"/>
-              <a:t>07.05.2022</a:t>
+              <a:t>09.05.2022</a:t>
             </a:fld>
             <a:endParaRPr lang="de-DE" noProof="0" dirty="0"/>
           </a:p>
@@ -20942,7 +20976,7 @@
         </p:nvGrpSpPr>
         <p:grpSpPr>
           <a:xfrm>
-            <a:off x="4855953" y="-2833465"/>
+            <a:off x="4470400" y="-3573694"/>
             <a:ext cx="8948964" cy="12105059"/>
             <a:chOff x="4855953" y="-2833465"/>
             <a:chExt cx="8948964" cy="12105059"/>
@@ -21806,7 +21840,7 @@
         </p:nvGrpSpPr>
         <p:grpSpPr>
           <a:xfrm>
-            <a:off x="4855953" y="-2833465"/>
+            <a:off x="4421868" y="-3525563"/>
             <a:ext cx="8948964" cy="12105059"/>
             <a:chOff x="4855953" y="-2833465"/>
             <a:chExt cx="8948964" cy="12105059"/>
@@ -22552,7 +22586,7 @@
         </p:nvGrpSpPr>
         <p:grpSpPr>
           <a:xfrm rot="11059003">
-            <a:off x="6049754" y="-2833465"/>
+            <a:off x="6074366" y="-3834950"/>
             <a:ext cx="8948964" cy="12105059"/>
             <a:chOff x="4855953" y="-2833465"/>
             <a:chExt cx="8948964" cy="12105059"/>
@@ -23439,7 +23473,7 @@
         </p:nvGrpSpPr>
         <p:grpSpPr>
           <a:xfrm>
-            <a:off x="4720016" y="-596900"/>
+            <a:off x="4697925" y="-1310176"/>
             <a:ext cx="8739666" cy="8346238"/>
             <a:chOff x="4597682" y="-439156"/>
             <a:chExt cx="7594320" cy="7252450"/>
@@ -27510,7 +27544,7 @@
         </p:nvGrpSpPr>
         <p:grpSpPr>
           <a:xfrm rot="10315415">
-            <a:off x="7983449" y="-2919888"/>
+            <a:off x="7717519" y="-3776232"/>
             <a:ext cx="8948964" cy="12105059"/>
             <a:chOff x="4855953" y="-2833465"/>
             <a:chExt cx="8948964" cy="12105059"/>
@@ -28870,8 +28904,8 @@
           <p:nvPr/>
         </p:nvGrpSpPr>
         <p:grpSpPr>
-          <a:xfrm rot="1874155">
-            <a:off x="9881954" y="-1256775"/>
+          <a:xfrm rot="14840238">
+            <a:off x="10678364" y="-4361843"/>
             <a:ext cx="8948964" cy="12105059"/>
             <a:chOff x="4855953" y="-2833465"/>
             <a:chExt cx="8948964" cy="12105059"/>
@@ -29490,7 +29524,7 @@
             </a:extLst>
           </p:cNvPr>
           <p:cNvGraphicFramePr>
-            <a:graphicFrameLocks/>
+            <a:graphicFrameLocks noGrp="1"/>
           </p:cNvGraphicFramePr>
           <p:nvPr>
             <p:ph idx="1"/>
@@ -29795,7 +29829,7 @@
         </p:nvGrpSpPr>
         <p:grpSpPr>
           <a:xfrm>
-            <a:off x="4720016" y="-596900"/>
+            <a:off x="4697925" y="-1488238"/>
             <a:ext cx="8739666" cy="8346238"/>
             <a:chOff x="4597682" y="-439156"/>
             <a:chExt cx="7594320" cy="7252450"/>
@@ -34088,7 +34122,7 @@
         </p:nvGrpSpPr>
         <p:grpSpPr>
           <a:xfrm>
-            <a:off x="4720016" y="-596900"/>
+            <a:off x="4697925" y="-1488238"/>
             <a:ext cx="8739666" cy="8346238"/>
             <a:chOff x="4597682" y="-439156"/>
             <a:chExt cx="7594320" cy="7252450"/>
@@ -38155,7 +38189,7 @@
         </p:nvGrpSpPr>
         <p:grpSpPr>
           <a:xfrm rot="14841267">
-            <a:off x="7787230" y="-3441260"/>
+            <a:off x="8708118" y="-4736913"/>
             <a:ext cx="8948964" cy="12105059"/>
             <a:chOff x="4855953" y="-2833465"/>
             <a:chExt cx="8948964" cy="12105059"/>

--- a/documents/T3-ShareList-Statusbericht_v1.0.pptx
+++ b/documents/T3-ShareList-Statusbericht_v1.0.pptx
@@ -5858,7 +5858,7 @@
         <a:p>
           <a:r>
             <a:rPr lang="de-DE" dirty="0"/>
-            <a:t>Alles läuft planmäßig</a:t>
+            <a:t>Projekt in Schwierigkeiten</a:t>
           </a:r>
         </a:p>
       </dgm:t>
@@ -7480,7 +7480,7 @@
           </a:pPr>
           <a:r>
             <a:rPr lang="de-DE" sz="2500" kern="1200" dirty="0"/>
-            <a:t>Alles läuft planmäßig</a:t>
+            <a:t>Projekt in Schwierigkeiten</a:t>
           </a:r>
         </a:p>
       </dsp:txBody>
@@ -23142,7 +23142,7 @@
             <p:ph idx="1"/>
             <p:extLst>
               <p:ext uri="{D42A27DB-BD31-4B8C-83A1-F6EECF244321}">
-                <p14:modId xmlns:p14="http://schemas.microsoft.com/office/powerpoint/2010/main" val="4090634285"/>
+                <p14:modId xmlns:p14="http://schemas.microsoft.com/office/powerpoint/2010/main" val="2509415872"/>
               </p:ext>
             </p:extLst>
           </p:nvPr>

--- a/documents/T3-ShareList-Statusbericht_v1.0.pptx
+++ b/documents/T3-ShareList-Statusbericht_v1.0.pptx
@@ -5,10 +5,10 @@
     <p:sldMasterId id="2147483648" r:id="rId1"/>
   </p:sldMasterIdLst>
   <p:notesMasterIdLst>
-    <p:notesMasterId r:id="rId12"/>
+    <p:notesMasterId r:id="rId13"/>
   </p:notesMasterIdLst>
   <p:handoutMasterIdLst>
-    <p:handoutMasterId r:id="rId13"/>
+    <p:handoutMasterId r:id="rId14"/>
   </p:handoutMasterIdLst>
   <p:sldIdLst>
     <p:sldId id="257" r:id="rId2"/>
@@ -16,11 +16,12 @@
     <p:sldId id="278" r:id="rId4"/>
     <p:sldId id="272" r:id="rId5"/>
     <p:sldId id="269" r:id="rId6"/>
-    <p:sldId id="270" r:id="rId7"/>
-    <p:sldId id="277" r:id="rId8"/>
-    <p:sldId id="275" r:id="rId9"/>
-    <p:sldId id="271" r:id="rId10"/>
-    <p:sldId id="266" r:id="rId11"/>
+    <p:sldId id="262" r:id="rId7"/>
+    <p:sldId id="270" r:id="rId8"/>
+    <p:sldId id="277" r:id="rId9"/>
+    <p:sldId id="275" r:id="rId10"/>
+    <p:sldId id="271" r:id="rId11"/>
+    <p:sldId id="266" r:id="rId12"/>
   </p:sldIdLst>
   <p:sldSz cx="12192000" cy="6858000"/>
   <p:notesSz cx="6858000" cy="9144000"/>
@@ -5763,6 +5764,753 @@
 </dgm:colorsDef>
 </file>
 
+<file path=ppt/diagrams/colors5.xml><?xml version="1.0" encoding="utf-8"?>
+<dgm:colorsDef xmlns:dgm="http://schemas.openxmlformats.org/drawingml/2006/diagram" xmlns:a="http://schemas.openxmlformats.org/drawingml/2006/main" uniqueId="urn:microsoft.com/office/officeart/2005/8/colors/accent1_2">
+  <dgm:title val=""/>
+  <dgm:desc val=""/>
+  <dgm:catLst>
+    <dgm:cat type="accent1" pri="11200"/>
+  </dgm:catLst>
+  <dgm:styleLbl name="node0">
+    <dgm:fillClrLst meth="repeat">
+      <a:schemeClr val="accent1"/>
+    </dgm:fillClrLst>
+    <dgm:linClrLst meth="repeat">
+      <a:schemeClr val="lt1"/>
+    </dgm:linClrLst>
+    <dgm:effectClrLst/>
+    <dgm:txLinClrLst/>
+    <dgm:txFillClrLst/>
+    <dgm:txEffectClrLst/>
+  </dgm:styleLbl>
+  <dgm:styleLbl name="alignNode1">
+    <dgm:fillClrLst meth="repeat">
+      <a:schemeClr val="accent1"/>
+    </dgm:fillClrLst>
+    <dgm:linClrLst meth="repeat">
+      <a:schemeClr val="accent1"/>
+    </dgm:linClrLst>
+    <dgm:effectClrLst/>
+    <dgm:txLinClrLst/>
+    <dgm:txFillClrLst/>
+    <dgm:txEffectClrLst/>
+  </dgm:styleLbl>
+  <dgm:styleLbl name="node1">
+    <dgm:fillClrLst meth="repeat">
+      <a:schemeClr val="accent1"/>
+    </dgm:fillClrLst>
+    <dgm:linClrLst meth="repeat">
+      <a:schemeClr val="lt1"/>
+    </dgm:linClrLst>
+    <dgm:effectClrLst/>
+    <dgm:txLinClrLst/>
+    <dgm:txFillClrLst/>
+    <dgm:txEffectClrLst/>
+  </dgm:styleLbl>
+  <dgm:styleLbl name="lnNode1">
+    <dgm:fillClrLst meth="repeat">
+      <a:schemeClr val="accent1"/>
+    </dgm:fillClrLst>
+    <dgm:linClrLst meth="repeat">
+      <a:schemeClr val="lt1"/>
+    </dgm:linClrLst>
+    <dgm:effectClrLst/>
+    <dgm:txLinClrLst/>
+    <dgm:txFillClrLst/>
+    <dgm:txEffectClrLst/>
+  </dgm:styleLbl>
+  <dgm:styleLbl name="vennNode1">
+    <dgm:fillClrLst meth="repeat">
+      <a:schemeClr val="accent1">
+        <a:alpha val="50000"/>
+      </a:schemeClr>
+    </dgm:fillClrLst>
+    <dgm:linClrLst meth="repeat">
+      <a:schemeClr val="lt1"/>
+    </dgm:linClrLst>
+    <dgm:effectClrLst/>
+    <dgm:txLinClrLst/>
+    <dgm:txFillClrLst/>
+    <dgm:txEffectClrLst/>
+  </dgm:styleLbl>
+  <dgm:styleLbl name="node2">
+    <dgm:fillClrLst meth="repeat">
+      <a:schemeClr val="accent1"/>
+    </dgm:fillClrLst>
+    <dgm:linClrLst meth="repeat">
+      <a:schemeClr val="lt1"/>
+    </dgm:linClrLst>
+    <dgm:effectClrLst/>
+    <dgm:txLinClrLst/>
+    <dgm:txFillClrLst/>
+    <dgm:txEffectClrLst/>
+  </dgm:styleLbl>
+  <dgm:styleLbl name="node3">
+    <dgm:fillClrLst meth="repeat">
+      <a:schemeClr val="accent1"/>
+    </dgm:fillClrLst>
+    <dgm:linClrLst meth="repeat">
+      <a:schemeClr val="lt1"/>
+    </dgm:linClrLst>
+    <dgm:effectClrLst/>
+    <dgm:txLinClrLst/>
+    <dgm:txFillClrLst/>
+    <dgm:txEffectClrLst/>
+  </dgm:styleLbl>
+  <dgm:styleLbl name="node4">
+    <dgm:fillClrLst meth="repeat">
+      <a:schemeClr val="accent1"/>
+    </dgm:fillClrLst>
+    <dgm:linClrLst meth="repeat">
+      <a:schemeClr val="lt1"/>
+    </dgm:linClrLst>
+    <dgm:effectClrLst/>
+    <dgm:txLinClrLst/>
+    <dgm:txFillClrLst/>
+    <dgm:txEffectClrLst/>
+  </dgm:styleLbl>
+  <dgm:styleLbl name="fgImgPlace1">
+    <dgm:fillClrLst meth="repeat">
+      <a:schemeClr val="accent1">
+        <a:tint val="50000"/>
+      </a:schemeClr>
+    </dgm:fillClrLst>
+    <dgm:linClrLst meth="repeat">
+      <a:schemeClr val="lt1"/>
+    </dgm:linClrLst>
+    <dgm:effectClrLst/>
+    <dgm:txLinClrLst/>
+    <dgm:txFillClrLst meth="repeat">
+      <a:schemeClr val="lt1"/>
+    </dgm:txFillClrLst>
+    <dgm:txEffectClrLst/>
+  </dgm:styleLbl>
+  <dgm:styleLbl name="alignImgPlace1">
+    <dgm:fillClrLst meth="repeat">
+      <a:schemeClr val="accent1">
+        <a:tint val="50000"/>
+      </a:schemeClr>
+    </dgm:fillClrLst>
+    <dgm:linClrLst meth="repeat">
+      <a:schemeClr val="lt1"/>
+    </dgm:linClrLst>
+    <dgm:effectClrLst/>
+    <dgm:txLinClrLst/>
+    <dgm:txFillClrLst meth="repeat">
+      <a:schemeClr val="lt1"/>
+    </dgm:txFillClrLst>
+    <dgm:txEffectClrLst/>
+  </dgm:styleLbl>
+  <dgm:styleLbl name="bgImgPlace1">
+    <dgm:fillClrLst meth="repeat">
+      <a:schemeClr val="accent1">
+        <a:tint val="50000"/>
+      </a:schemeClr>
+    </dgm:fillClrLst>
+    <dgm:linClrLst meth="repeat">
+      <a:schemeClr val="lt1"/>
+    </dgm:linClrLst>
+    <dgm:effectClrLst/>
+    <dgm:txLinClrLst/>
+    <dgm:txFillClrLst meth="repeat">
+      <a:schemeClr val="lt1"/>
+    </dgm:txFillClrLst>
+    <dgm:txEffectClrLst/>
+  </dgm:styleLbl>
+  <dgm:styleLbl name="sibTrans2D1">
+    <dgm:fillClrLst meth="repeat">
+      <a:schemeClr val="accent1">
+        <a:tint val="60000"/>
+      </a:schemeClr>
+    </dgm:fillClrLst>
+    <dgm:linClrLst meth="repeat">
+      <a:schemeClr val="accent1">
+        <a:tint val="60000"/>
+      </a:schemeClr>
+    </dgm:linClrLst>
+    <dgm:effectClrLst/>
+    <dgm:txLinClrLst/>
+    <dgm:txFillClrLst/>
+    <dgm:txEffectClrLst/>
+  </dgm:styleLbl>
+  <dgm:styleLbl name="fgSibTrans2D1">
+    <dgm:fillClrLst meth="repeat">
+      <a:schemeClr val="accent1">
+        <a:tint val="60000"/>
+      </a:schemeClr>
+    </dgm:fillClrLst>
+    <dgm:linClrLst meth="repeat">
+      <a:schemeClr val="accent1">
+        <a:tint val="60000"/>
+      </a:schemeClr>
+    </dgm:linClrLst>
+    <dgm:effectClrLst/>
+    <dgm:txLinClrLst/>
+    <dgm:txFillClrLst/>
+    <dgm:txEffectClrLst/>
+  </dgm:styleLbl>
+  <dgm:styleLbl name="bgSibTrans2D1">
+    <dgm:fillClrLst meth="repeat">
+      <a:schemeClr val="accent1">
+        <a:tint val="60000"/>
+      </a:schemeClr>
+    </dgm:fillClrLst>
+    <dgm:linClrLst meth="repeat">
+      <a:schemeClr val="accent1">
+        <a:tint val="60000"/>
+      </a:schemeClr>
+    </dgm:linClrLst>
+    <dgm:effectClrLst/>
+    <dgm:txLinClrLst/>
+    <dgm:txFillClrLst/>
+    <dgm:txEffectClrLst/>
+  </dgm:styleLbl>
+  <dgm:styleLbl name="sibTrans1D1">
+    <dgm:fillClrLst meth="repeat">
+      <a:schemeClr val="accent1"/>
+    </dgm:fillClrLst>
+    <dgm:linClrLst meth="repeat">
+      <a:schemeClr val="accent1"/>
+    </dgm:linClrLst>
+    <dgm:effectClrLst/>
+    <dgm:txLinClrLst/>
+    <dgm:txFillClrLst meth="repeat">
+      <a:schemeClr val="tx1"/>
+    </dgm:txFillClrLst>
+    <dgm:txEffectClrLst/>
+  </dgm:styleLbl>
+  <dgm:styleLbl name="callout">
+    <dgm:fillClrLst meth="repeat">
+      <a:schemeClr val="accent1"/>
+    </dgm:fillClrLst>
+    <dgm:linClrLst meth="repeat">
+      <a:schemeClr val="accent1">
+        <a:tint val="50000"/>
+      </a:schemeClr>
+    </dgm:linClrLst>
+    <dgm:effectClrLst/>
+    <dgm:txLinClrLst/>
+    <dgm:txFillClrLst meth="repeat">
+      <a:schemeClr val="tx1"/>
+    </dgm:txFillClrLst>
+    <dgm:txEffectClrLst/>
+  </dgm:styleLbl>
+  <dgm:styleLbl name="asst0">
+    <dgm:fillClrLst meth="repeat">
+      <a:schemeClr val="accent1"/>
+    </dgm:fillClrLst>
+    <dgm:linClrLst meth="repeat">
+      <a:schemeClr val="lt1"/>
+    </dgm:linClrLst>
+    <dgm:effectClrLst/>
+    <dgm:txLinClrLst/>
+    <dgm:txFillClrLst/>
+    <dgm:txEffectClrLst/>
+  </dgm:styleLbl>
+  <dgm:styleLbl name="asst1">
+    <dgm:fillClrLst meth="repeat">
+      <a:schemeClr val="accent1"/>
+    </dgm:fillClrLst>
+    <dgm:linClrLst meth="repeat">
+      <a:schemeClr val="lt1"/>
+    </dgm:linClrLst>
+    <dgm:effectClrLst/>
+    <dgm:txLinClrLst/>
+    <dgm:txFillClrLst/>
+    <dgm:txEffectClrLst/>
+  </dgm:styleLbl>
+  <dgm:styleLbl name="asst2">
+    <dgm:fillClrLst meth="repeat">
+      <a:schemeClr val="accent1"/>
+    </dgm:fillClrLst>
+    <dgm:linClrLst meth="repeat">
+      <a:schemeClr val="lt1"/>
+    </dgm:linClrLst>
+    <dgm:effectClrLst/>
+    <dgm:txLinClrLst/>
+    <dgm:txFillClrLst/>
+    <dgm:txEffectClrLst/>
+  </dgm:styleLbl>
+  <dgm:styleLbl name="asst3">
+    <dgm:fillClrLst meth="repeat">
+      <a:schemeClr val="accent1"/>
+    </dgm:fillClrLst>
+    <dgm:linClrLst meth="repeat">
+      <a:schemeClr val="lt1"/>
+    </dgm:linClrLst>
+    <dgm:effectClrLst/>
+    <dgm:txLinClrLst/>
+    <dgm:txFillClrLst/>
+    <dgm:txEffectClrLst/>
+  </dgm:styleLbl>
+  <dgm:styleLbl name="asst4">
+    <dgm:fillClrLst meth="repeat">
+      <a:schemeClr val="accent1"/>
+    </dgm:fillClrLst>
+    <dgm:linClrLst meth="repeat">
+      <a:schemeClr val="lt1"/>
+    </dgm:linClrLst>
+    <dgm:effectClrLst/>
+    <dgm:txLinClrLst/>
+    <dgm:txFillClrLst/>
+    <dgm:txEffectClrLst/>
+  </dgm:styleLbl>
+  <dgm:styleLbl name="parChTrans2D1">
+    <dgm:fillClrLst meth="repeat">
+      <a:schemeClr val="accent1">
+        <a:tint val="60000"/>
+      </a:schemeClr>
+    </dgm:fillClrLst>
+    <dgm:linClrLst meth="repeat">
+      <a:schemeClr val="accent1">
+        <a:tint val="60000"/>
+      </a:schemeClr>
+    </dgm:linClrLst>
+    <dgm:effectClrLst/>
+    <dgm:txLinClrLst/>
+    <dgm:txFillClrLst meth="repeat">
+      <a:schemeClr val="lt1"/>
+    </dgm:txFillClrLst>
+    <dgm:txEffectClrLst/>
+  </dgm:styleLbl>
+  <dgm:styleLbl name="parChTrans2D2">
+    <dgm:fillClrLst meth="repeat">
+      <a:schemeClr val="accent1"/>
+    </dgm:fillClrLst>
+    <dgm:linClrLst meth="repeat">
+      <a:schemeClr val="accent1"/>
+    </dgm:linClrLst>
+    <dgm:effectClrLst/>
+    <dgm:txLinClrLst/>
+    <dgm:txFillClrLst meth="repeat">
+      <a:schemeClr val="lt1"/>
+    </dgm:txFillClrLst>
+    <dgm:txEffectClrLst/>
+  </dgm:styleLbl>
+  <dgm:styleLbl name="parChTrans2D3">
+    <dgm:fillClrLst meth="repeat">
+      <a:schemeClr val="accent1"/>
+    </dgm:fillClrLst>
+    <dgm:linClrLst meth="repeat">
+      <a:schemeClr val="accent1"/>
+    </dgm:linClrLst>
+    <dgm:effectClrLst/>
+    <dgm:txLinClrLst/>
+    <dgm:txFillClrLst meth="repeat">
+      <a:schemeClr val="lt1"/>
+    </dgm:txFillClrLst>
+    <dgm:txEffectClrLst/>
+  </dgm:styleLbl>
+  <dgm:styleLbl name="parChTrans2D4">
+    <dgm:fillClrLst meth="repeat">
+      <a:schemeClr val="accent1"/>
+    </dgm:fillClrLst>
+    <dgm:linClrLst meth="repeat">
+      <a:schemeClr val="accent1"/>
+    </dgm:linClrLst>
+    <dgm:effectClrLst/>
+    <dgm:txLinClrLst/>
+    <dgm:txFillClrLst meth="repeat">
+      <a:schemeClr val="lt1"/>
+    </dgm:txFillClrLst>
+    <dgm:txEffectClrLst/>
+  </dgm:styleLbl>
+  <dgm:styleLbl name="parChTrans1D1">
+    <dgm:fillClrLst meth="repeat">
+      <a:schemeClr val="accent1"/>
+    </dgm:fillClrLst>
+    <dgm:linClrLst meth="repeat">
+      <a:schemeClr val="accent1">
+        <a:shade val="60000"/>
+      </a:schemeClr>
+    </dgm:linClrLst>
+    <dgm:effectClrLst/>
+    <dgm:txLinClrLst/>
+    <dgm:txFillClrLst meth="repeat">
+      <a:schemeClr val="tx1"/>
+    </dgm:txFillClrLst>
+    <dgm:txEffectClrLst/>
+  </dgm:styleLbl>
+  <dgm:styleLbl name="parChTrans1D2">
+    <dgm:fillClrLst meth="repeat">
+      <a:schemeClr val="accent1"/>
+    </dgm:fillClrLst>
+    <dgm:linClrLst meth="repeat">
+      <a:schemeClr val="accent1">
+        <a:shade val="60000"/>
+      </a:schemeClr>
+    </dgm:linClrLst>
+    <dgm:effectClrLst/>
+    <dgm:txLinClrLst/>
+    <dgm:txFillClrLst meth="repeat">
+      <a:schemeClr val="tx1"/>
+    </dgm:txFillClrLst>
+    <dgm:txEffectClrLst/>
+  </dgm:styleLbl>
+  <dgm:styleLbl name="parChTrans1D3">
+    <dgm:fillClrLst meth="repeat">
+      <a:schemeClr val="accent1"/>
+    </dgm:fillClrLst>
+    <dgm:linClrLst meth="repeat">
+      <a:schemeClr val="accent1">
+        <a:shade val="80000"/>
+      </a:schemeClr>
+    </dgm:linClrLst>
+    <dgm:effectClrLst/>
+    <dgm:txLinClrLst/>
+    <dgm:txFillClrLst meth="repeat">
+      <a:schemeClr val="tx1"/>
+    </dgm:txFillClrLst>
+    <dgm:txEffectClrLst/>
+  </dgm:styleLbl>
+  <dgm:styleLbl name="parChTrans1D4">
+    <dgm:fillClrLst meth="repeat">
+      <a:schemeClr val="accent1"/>
+    </dgm:fillClrLst>
+    <dgm:linClrLst meth="repeat">
+      <a:schemeClr val="accent1">
+        <a:shade val="80000"/>
+      </a:schemeClr>
+    </dgm:linClrLst>
+    <dgm:effectClrLst/>
+    <dgm:txLinClrLst/>
+    <dgm:txFillClrLst meth="repeat">
+      <a:schemeClr val="tx1"/>
+    </dgm:txFillClrLst>
+    <dgm:txEffectClrLst/>
+  </dgm:styleLbl>
+  <dgm:styleLbl name="fgAcc1">
+    <dgm:fillClrLst meth="repeat">
+      <a:schemeClr val="lt1">
+        <a:alpha val="90000"/>
+      </a:schemeClr>
+    </dgm:fillClrLst>
+    <dgm:linClrLst meth="repeat">
+      <a:schemeClr val="accent1"/>
+    </dgm:linClrLst>
+    <dgm:effectClrLst/>
+    <dgm:txLinClrLst/>
+    <dgm:txFillClrLst meth="repeat">
+      <a:schemeClr val="dk1"/>
+    </dgm:txFillClrLst>
+    <dgm:txEffectClrLst/>
+  </dgm:styleLbl>
+  <dgm:styleLbl name="conFgAcc1">
+    <dgm:fillClrLst meth="repeat">
+      <a:schemeClr val="lt1">
+        <a:alpha val="90000"/>
+      </a:schemeClr>
+    </dgm:fillClrLst>
+    <dgm:linClrLst meth="repeat">
+      <a:schemeClr val="accent1"/>
+    </dgm:linClrLst>
+    <dgm:effectClrLst/>
+    <dgm:txLinClrLst/>
+    <dgm:txFillClrLst meth="repeat">
+      <a:schemeClr val="dk1"/>
+    </dgm:txFillClrLst>
+    <dgm:txEffectClrLst/>
+  </dgm:styleLbl>
+  <dgm:styleLbl name="alignAcc1">
+    <dgm:fillClrLst meth="repeat">
+      <a:schemeClr val="lt1">
+        <a:alpha val="90000"/>
+      </a:schemeClr>
+    </dgm:fillClrLst>
+    <dgm:linClrLst meth="repeat">
+      <a:schemeClr val="accent1"/>
+    </dgm:linClrLst>
+    <dgm:effectClrLst/>
+    <dgm:txLinClrLst/>
+    <dgm:txFillClrLst meth="repeat">
+      <a:schemeClr val="dk1"/>
+    </dgm:txFillClrLst>
+    <dgm:txEffectClrLst/>
+  </dgm:styleLbl>
+  <dgm:styleLbl name="trAlignAcc1">
+    <dgm:fillClrLst meth="repeat">
+      <a:schemeClr val="lt1">
+        <a:alpha val="40000"/>
+      </a:schemeClr>
+    </dgm:fillClrLst>
+    <dgm:linClrLst meth="repeat">
+      <a:schemeClr val="accent1"/>
+    </dgm:linClrLst>
+    <dgm:effectClrLst/>
+    <dgm:txLinClrLst/>
+    <dgm:txFillClrLst meth="repeat">
+      <a:schemeClr val="dk1"/>
+    </dgm:txFillClrLst>
+    <dgm:txEffectClrLst/>
+  </dgm:styleLbl>
+  <dgm:styleLbl name="bgAcc1">
+    <dgm:fillClrLst meth="repeat">
+      <a:schemeClr val="lt1">
+        <a:alpha val="90000"/>
+      </a:schemeClr>
+    </dgm:fillClrLst>
+    <dgm:linClrLst meth="repeat">
+      <a:schemeClr val="accent1"/>
+    </dgm:linClrLst>
+    <dgm:effectClrLst/>
+    <dgm:txLinClrLst/>
+    <dgm:txFillClrLst meth="repeat">
+      <a:schemeClr val="dk1"/>
+    </dgm:txFillClrLst>
+    <dgm:txEffectClrLst/>
+  </dgm:styleLbl>
+  <dgm:styleLbl name="solidFgAcc1">
+    <dgm:fillClrLst meth="repeat">
+      <a:schemeClr val="lt1"/>
+    </dgm:fillClrLst>
+    <dgm:linClrLst meth="repeat">
+      <a:schemeClr val="accent1"/>
+    </dgm:linClrLst>
+    <dgm:effectClrLst/>
+    <dgm:txLinClrLst/>
+    <dgm:txFillClrLst meth="repeat">
+      <a:schemeClr val="dk1"/>
+    </dgm:txFillClrLst>
+    <dgm:txEffectClrLst/>
+  </dgm:styleLbl>
+  <dgm:styleLbl name="solidAlignAcc1">
+    <dgm:fillClrLst meth="repeat">
+      <a:schemeClr val="lt1"/>
+    </dgm:fillClrLst>
+    <dgm:linClrLst meth="repeat">
+      <a:schemeClr val="accent1"/>
+    </dgm:linClrLst>
+    <dgm:effectClrLst/>
+    <dgm:txLinClrLst/>
+    <dgm:txFillClrLst meth="repeat">
+      <a:schemeClr val="dk1"/>
+    </dgm:txFillClrLst>
+    <dgm:txEffectClrLst/>
+  </dgm:styleLbl>
+  <dgm:styleLbl name="solidBgAcc1">
+    <dgm:fillClrLst meth="repeat">
+      <a:schemeClr val="lt1"/>
+    </dgm:fillClrLst>
+    <dgm:linClrLst meth="repeat">
+      <a:schemeClr val="accent1"/>
+    </dgm:linClrLst>
+    <dgm:effectClrLst/>
+    <dgm:txLinClrLst/>
+    <dgm:txFillClrLst meth="repeat">
+      <a:schemeClr val="dk1"/>
+    </dgm:txFillClrLst>
+    <dgm:txEffectClrLst/>
+  </dgm:styleLbl>
+  <dgm:styleLbl name="fgAccFollowNode1">
+    <dgm:fillClrLst meth="repeat">
+      <a:schemeClr val="accent1">
+        <a:alpha val="90000"/>
+        <a:tint val="40000"/>
+      </a:schemeClr>
+    </dgm:fillClrLst>
+    <dgm:linClrLst meth="repeat">
+      <a:schemeClr val="accent1">
+        <a:alpha val="90000"/>
+        <a:tint val="40000"/>
+      </a:schemeClr>
+    </dgm:linClrLst>
+    <dgm:effectClrLst/>
+    <dgm:txLinClrLst/>
+    <dgm:txFillClrLst meth="repeat">
+      <a:schemeClr val="dk1"/>
+    </dgm:txFillClrLst>
+    <dgm:txEffectClrLst/>
+  </dgm:styleLbl>
+  <dgm:styleLbl name="alignAccFollowNode1">
+    <dgm:fillClrLst meth="repeat">
+      <a:schemeClr val="accent1">
+        <a:alpha val="90000"/>
+        <a:tint val="40000"/>
+      </a:schemeClr>
+    </dgm:fillClrLst>
+    <dgm:linClrLst meth="repeat">
+      <a:schemeClr val="accent1">
+        <a:alpha val="90000"/>
+        <a:tint val="40000"/>
+      </a:schemeClr>
+    </dgm:linClrLst>
+    <dgm:effectClrLst/>
+    <dgm:txLinClrLst/>
+    <dgm:txFillClrLst meth="repeat">
+      <a:schemeClr val="dk1"/>
+    </dgm:txFillClrLst>
+    <dgm:txEffectClrLst/>
+  </dgm:styleLbl>
+  <dgm:styleLbl name="bgAccFollowNode1">
+    <dgm:fillClrLst meth="repeat">
+      <a:schemeClr val="accent1">
+        <a:alpha val="90000"/>
+        <a:tint val="40000"/>
+      </a:schemeClr>
+    </dgm:fillClrLst>
+    <dgm:linClrLst meth="repeat">
+      <a:schemeClr val="accent1">
+        <a:alpha val="90000"/>
+        <a:tint val="40000"/>
+      </a:schemeClr>
+    </dgm:linClrLst>
+    <dgm:effectClrLst/>
+    <dgm:txLinClrLst/>
+    <dgm:txFillClrLst meth="repeat">
+      <a:schemeClr val="dk1"/>
+    </dgm:txFillClrLst>
+    <dgm:txEffectClrLst/>
+  </dgm:styleLbl>
+  <dgm:styleLbl name="fgAcc0">
+    <dgm:fillClrLst meth="repeat">
+      <a:schemeClr val="lt1">
+        <a:alpha val="90000"/>
+      </a:schemeClr>
+    </dgm:fillClrLst>
+    <dgm:linClrLst meth="repeat">
+      <a:schemeClr val="accent1"/>
+    </dgm:linClrLst>
+    <dgm:effectClrLst/>
+    <dgm:txLinClrLst/>
+    <dgm:txFillClrLst meth="repeat">
+      <a:schemeClr val="dk1"/>
+    </dgm:txFillClrLst>
+    <dgm:txEffectClrLst/>
+  </dgm:styleLbl>
+  <dgm:styleLbl name="fgAcc2">
+    <dgm:fillClrLst meth="repeat">
+      <a:schemeClr val="lt1">
+        <a:alpha val="90000"/>
+      </a:schemeClr>
+    </dgm:fillClrLst>
+    <dgm:linClrLst meth="repeat">
+      <a:schemeClr val="accent1"/>
+    </dgm:linClrLst>
+    <dgm:effectClrLst/>
+    <dgm:txLinClrLst/>
+    <dgm:txFillClrLst meth="repeat">
+      <a:schemeClr val="dk1"/>
+    </dgm:txFillClrLst>
+    <dgm:txEffectClrLst/>
+  </dgm:styleLbl>
+  <dgm:styleLbl name="fgAcc3">
+    <dgm:fillClrLst meth="repeat">
+      <a:schemeClr val="lt1">
+        <a:alpha val="90000"/>
+      </a:schemeClr>
+    </dgm:fillClrLst>
+    <dgm:linClrLst meth="repeat">
+      <a:schemeClr val="accent1"/>
+    </dgm:linClrLst>
+    <dgm:effectClrLst/>
+    <dgm:txLinClrLst/>
+    <dgm:txFillClrLst meth="repeat">
+      <a:schemeClr val="dk1"/>
+    </dgm:txFillClrLst>
+    <dgm:txEffectClrLst/>
+  </dgm:styleLbl>
+  <dgm:styleLbl name="fgAcc4">
+    <dgm:fillClrLst meth="repeat">
+      <a:schemeClr val="lt1">
+        <a:alpha val="90000"/>
+      </a:schemeClr>
+    </dgm:fillClrLst>
+    <dgm:linClrLst meth="repeat">
+      <a:schemeClr val="accent1"/>
+    </dgm:linClrLst>
+    <dgm:effectClrLst/>
+    <dgm:txLinClrLst/>
+    <dgm:txFillClrLst meth="repeat">
+      <a:schemeClr val="dk1"/>
+    </dgm:txFillClrLst>
+    <dgm:txEffectClrLst/>
+  </dgm:styleLbl>
+  <dgm:styleLbl name="bgShp">
+    <dgm:fillClrLst meth="repeat">
+      <a:schemeClr val="accent1">
+        <a:tint val="40000"/>
+      </a:schemeClr>
+    </dgm:fillClrLst>
+    <dgm:linClrLst meth="repeat">
+      <a:schemeClr val="accent1"/>
+    </dgm:linClrLst>
+    <dgm:effectClrLst/>
+    <dgm:txLinClrLst/>
+    <dgm:txFillClrLst meth="repeat">
+      <a:schemeClr val="dk1"/>
+    </dgm:txFillClrLst>
+    <dgm:txEffectClrLst/>
+  </dgm:styleLbl>
+  <dgm:styleLbl name="dkBgShp">
+    <dgm:fillClrLst meth="repeat">
+      <a:schemeClr val="accent1">
+        <a:shade val="80000"/>
+      </a:schemeClr>
+    </dgm:fillClrLst>
+    <dgm:linClrLst meth="repeat">
+      <a:schemeClr val="accent1"/>
+    </dgm:linClrLst>
+    <dgm:effectClrLst/>
+    <dgm:txLinClrLst/>
+    <dgm:txFillClrLst meth="repeat">
+      <a:schemeClr val="lt1"/>
+    </dgm:txFillClrLst>
+    <dgm:txEffectClrLst/>
+  </dgm:styleLbl>
+  <dgm:styleLbl name="trBgShp">
+    <dgm:fillClrLst meth="repeat">
+      <a:schemeClr val="accent1">
+        <a:tint val="50000"/>
+        <a:alpha val="40000"/>
+      </a:schemeClr>
+    </dgm:fillClrLst>
+    <dgm:linClrLst meth="repeat">
+      <a:schemeClr val="accent1"/>
+    </dgm:linClrLst>
+    <dgm:effectClrLst/>
+    <dgm:txLinClrLst/>
+    <dgm:txFillClrLst meth="repeat">
+      <a:schemeClr val="lt1"/>
+    </dgm:txFillClrLst>
+    <dgm:txEffectClrLst/>
+  </dgm:styleLbl>
+  <dgm:styleLbl name="fgShp">
+    <dgm:fillClrLst meth="repeat">
+      <a:schemeClr val="accent1">
+        <a:tint val="60000"/>
+      </a:schemeClr>
+    </dgm:fillClrLst>
+    <dgm:linClrLst meth="repeat">
+      <a:schemeClr val="lt1"/>
+    </dgm:linClrLst>
+    <dgm:effectClrLst/>
+    <dgm:txLinClrLst/>
+    <dgm:txFillClrLst meth="repeat">
+      <a:schemeClr val="dk1"/>
+    </dgm:txFillClrLst>
+    <dgm:txEffectClrLst/>
+  </dgm:styleLbl>
+  <dgm:styleLbl name="revTx">
+    <dgm:fillClrLst meth="repeat">
+      <a:schemeClr val="lt1">
+        <a:alpha val="0"/>
+      </a:schemeClr>
+    </dgm:fillClrLst>
+    <dgm:linClrLst meth="repeat">
+      <a:schemeClr val="dk1">
+        <a:alpha val="0"/>
+      </a:schemeClr>
+    </dgm:linClrLst>
+    <dgm:effectClrLst/>
+    <dgm:txLinClrLst/>
+    <dgm:txFillClrLst meth="repeat">
+      <a:schemeClr val="tx1"/>
+    </dgm:txFillClrLst>
+    <dgm:txEffectClrLst/>
+  </dgm:styleLbl>
+</dgm:colorsDef>
+</file>
+
 <file path=ppt/diagrams/data1.xml><?xml version="1.0" encoding="utf-8"?>
 <dgm:dataModel xmlns:dgm="http://schemas.openxmlformats.org/drawingml/2006/diagram" xmlns:a="http://schemas.openxmlformats.org/drawingml/2006/main">
   <dgm:ptLst>
@@ -6720,7 +7468,7 @@
         <a:p>
           <a:r>
             <a:rPr lang="de-AT" sz="2800" noProof="0" dirty="0"/>
-            <a:t>Nicht erreicht</a:t>
+            <a:t>Nicht alle Zeitgemäß erreicht</a:t>
           </a:r>
         </a:p>
       </dgm:t>
@@ -6737,42 +7485,6 @@
       </dgm:t>
     </dgm:pt>
     <dgm:pt modelId="{9C6EE94B-D39A-4A95-97CA-20F10C4758F9}" type="sibTrans" cxnId="{36D9E4DF-D4AD-4355-AC2E-06CE021E69B9}">
-      <dgm:prSet/>
-      <dgm:spPr/>
-      <dgm:t>
-        <a:bodyPr/>
-        <a:lstStyle/>
-        <a:p>
-          <a:endParaRPr lang="de-DE"/>
-        </a:p>
-      </dgm:t>
-    </dgm:pt>
-    <dgm:pt modelId="{382B3537-5D2F-41BD-9F6F-BBD854BA5319}">
-      <dgm:prSet phldrT="[Text]" custT="1"/>
-      <dgm:spPr/>
-      <dgm:t>
-        <a:bodyPr/>
-        <a:lstStyle/>
-        <a:p>
-          <a:r>
-            <a:rPr lang="de-AT" sz="2000" noProof="0" dirty="0"/>
-            <a:t>Meilenstein: Website-Design fertiggestellt</a:t>
-          </a:r>
-        </a:p>
-      </dgm:t>
-    </dgm:pt>
-    <dgm:pt modelId="{8DEA7673-71B9-483C-A8BA-691134C9047F}" type="parTrans" cxnId="{D07D04D1-5FE4-46A3-8928-63C33F5B37A0}">
-      <dgm:prSet/>
-      <dgm:spPr/>
-      <dgm:t>
-        <a:bodyPr/>
-        <a:lstStyle/>
-        <a:p>
-          <a:endParaRPr lang="de-DE"/>
-        </a:p>
-      </dgm:t>
-    </dgm:pt>
-    <dgm:pt modelId="{7F311A3B-DB12-4199-A42D-94A0DC8DADC4}" type="sibTrans" cxnId="{D07D04D1-5FE4-46A3-8928-63C33F5B37A0}">
       <dgm:prSet/>
       <dgm:spPr/>
       <dgm:t>
@@ -6807,7 +7519,7 @@
       <dgm:spPr/>
     </dgm:pt>
     <dgm:pt modelId="{1F181204-0FAD-45FA-8C99-A65B2F17FA6F}" type="pres">
-      <dgm:prSet presAssocID="{0F33270D-158F-4711-86F5-2DE526841565}" presName="node" presStyleLbl="alignAccFollowNode1" presStyleIdx="0" presStyleCnt="3">
+      <dgm:prSet presAssocID="{0F33270D-158F-4711-86F5-2DE526841565}" presName="node" presStyleLbl="alignAccFollowNode1" presStyleIdx="0" presStyleCnt="2">
         <dgm:presLayoutVars>
           <dgm:bulletEnabled val="1"/>
         </dgm:presLayoutVars>
@@ -6831,19 +7543,7 @@
       <dgm:spPr/>
     </dgm:pt>
     <dgm:pt modelId="{2AA43FC8-DB3A-4251-B770-7B9DEA4DA5E2}" type="pres">
-      <dgm:prSet presAssocID="{8DE9AE7B-ADFA-4D06-8CCD-0AB033BC8A92}" presName="node" presStyleLbl="alignAccFollowNode1" presStyleIdx="1" presStyleCnt="3">
-        <dgm:presLayoutVars>
-          <dgm:bulletEnabled val="1"/>
-        </dgm:presLayoutVars>
-      </dgm:prSet>
-      <dgm:spPr/>
-    </dgm:pt>
-    <dgm:pt modelId="{07D164EE-F433-4E9A-B6CB-6EC961F99EA3}" type="pres">
-      <dgm:prSet presAssocID="{9C6EE94B-D39A-4A95-97CA-20F10C4758F9}" presName="sibTrans" presStyleCnt="0"/>
-      <dgm:spPr/>
-    </dgm:pt>
-    <dgm:pt modelId="{487192F6-F070-49C3-A9CB-D75F367AC7EB}" type="pres">
-      <dgm:prSet presAssocID="{382B3537-5D2F-41BD-9F6F-BBD854BA5319}" presName="node" presStyleLbl="alignAccFollowNode1" presStyleIdx="2" presStyleCnt="3">
+      <dgm:prSet presAssocID="{8DE9AE7B-ADFA-4D06-8CCD-0AB033BC8A92}" presName="node" presStyleLbl="alignAccFollowNode1" presStyleIdx="1" presStyleCnt="2">
         <dgm:presLayoutVars>
           <dgm:bulletEnabled val="1"/>
         </dgm:presLayoutVars>
@@ -6857,9 +7557,7 @@
     <dgm:cxn modelId="{E670A572-87E2-429B-9E12-405CFCF15CD4}" srcId="{1704D9D9-0C62-4A2B-9780-A08268298DFE}" destId="{5BB7004C-7EE1-4B82-9164-BBBDE19DFC3C}" srcOrd="1" destOrd="0" parTransId="{2D5FA4F5-6861-4914-98B9-9ABB94E7C3A1}" sibTransId="{DEB97AF7-54DF-406C-923B-15DFA9AD2915}"/>
     <dgm:cxn modelId="{610DFA7F-4827-4F2E-BEBD-C155626541E0}" srcId="{7BE43E1D-9FB6-4487-9246-61F73D2F9B42}" destId="{0F33270D-158F-4711-86F5-2DE526841565}" srcOrd="0" destOrd="0" parTransId="{38ECF234-B8BE-4882-A97B-148507A3E0C2}" sibTransId="{9435E25D-D97A-4853-B354-E3453ED16CA1}"/>
     <dgm:cxn modelId="{2746B7A0-1E26-4349-92EC-18E4BE9B8195}" type="presOf" srcId="{1704D9D9-0C62-4A2B-9780-A08268298DFE}" destId="{7ECAF6D5-0BB4-4CCE-B7D1-A4D5DDF5C1BE}" srcOrd="0" destOrd="0" presId="urn:microsoft.com/office/officeart/2005/8/layout/lProcess3"/>
-    <dgm:cxn modelId="{9B0888AB-4813-4D63-A572-2FAF831043AC}" type="presOf" srcId="{382B3537-5D2F-41BD-9F6F-BBD854BA5319}" destId="{487192F6-F070-49C3-A9CB-D75F367AC7EB}" srcOrd="0" destOrd="0" presId="urn:microsoft.com/office/officeart/2005/8/layout/lProcess3"/>
     <dgm:cxn modelId="{E7B635B1-6F51-4389-AF8D-7F066F1B20AB}" type="presOf" srcId="{8DE9AE7B-ADFA-4D06-8CCD-0AB033BC8A92}" destId="{2AA43FC8-DB3A-4251-B770-7B9DEA4DA5E2}" srcOrd="0" destOrd="0" presId="urn:microsoft.com/office/officeart/2005/8/layout/lProcess3"/>
-    <dgm:cxn modelId="{D07D04D1-5FE4-46A3-8928-63C33F5B37A0}" srcId="{5BB7004C-7EE1-4B82-9164-BBBDE19DFC3C}" destId="{382B3537-5D2F-41BD-9F6F-BBD854BA5319}" srcOrd="1" destOrd="0" parTransId="{8DEA7673-71B9-483C-A8BA-691134C9047F}" sibTransId="{7F311A3B-DB12-4199-A42D-94A0DC8DADC4}"/>
     <dgm:cxn modelId="{E5C597D3-ACC5-44F0-AE19-7A47B44B508C}" srcId="{1704D9D9-0C62-4A2B-9780-A08268298DFE}" destId="{7BE43E1D-9FB6-4487-9246-61F73D2F9B42}" srcOrd="0" destOrd="0" parTransId="{44EBDE1B-CBFB-4A44-973D-57C27A412252}" sibTransId="{109D2BA0-D655-41FE-A970-41185C486485}"/>
     <dgm:cxn modelId="{06F001D6-F4C0-41A1-BACC-490B9001285C}" type="presOf" srcId="{5BB7004C-7EE1-4B82-9164-BBBDE19DFC3C}" destId="{C7959153-1996-4907-9A2D-E9A2BF2C1437}" srcOrd="0" destOrd="0" presId="urn:microsoft.com/office/officeart/2005/8/layout/lProcess3"/>
     <dgm:cxn modelId="{36D9E4DF-D4AD-4355-AC2E-06CE021E69B9}" srcId="{5BB7004C-7EE1-4B82-9164-BBBDE19DFC3C}" destId="{8DE9AE7B-ADFA-4D06-8CCD-0AB033BC8A92}" srcOrd="0" destOrd="0" parTransId="{7C53C289-1246-4EC7-8190-7D52D27AA9D8}" sibTransId="{9C6EE94B-D39A-4A95-97CA-20F10C4758F9}"/>
@@ -6872,8 +7570,6 @@
     <dgm:cxn modelId="{955BB948-635F-4A24-9257-271C185E45D9}" type="presParOf" srcId="{FF6B67AB-471C-40BC-A6E1-72309B50A98A}" destId="{C7959153-1996-4907-9A2D-E9A2BF2C1437}" srcOrd="0" destOrd="0" presId="urn:microsoft.com/office/officeart/2005/8/layout/lProcess3"/>
     <dgm:cxn modelId="{2BBA409C-C666-49CD-930D-25A95CC15361}" type="presParOf" srcId="{FF6B67AB-471C-40BC-A6E1-72309B50A98A}" destId="{62CEC900-4FFE-4E9D-9D1C-DC8A89FA827C}" srcOrd="1" destOrd="0" presId="urn:microsoft.com/office/officeart/2005/8/layout/lProcess3"/>
     <dgm:cxn modelId="{BC99E78B-9B48-405B-A695-51ECC1D3B353}" type="presParOf" srcId="{FF6B67AB-471C-40BC-A6E1-72309B50A98A}" destId="{2AA43FC8-DB3A-4251-B770-7B9DEA4DA5E2}" srcOrd="2" destOrd="0" presId="urn:microsoft.com/office/officeart/2005/8/layout/lProcess3"/>
-    <dgm:cxn modelId="{F6F6B446-B563-4DFE-B0B5-47F7B64B3903}" type="presParOf" srcId="{FF6B67AB-471C-40BC-A6E1-72309B50A98A}" destId="{07D164EE-F433-4E9A-B6CB-6EC961F99EA3}" srcOrd="3" destOrd="0" presId="urn:microsoft.com/office/officeart/2005/8/layout/lProcess3"/>
-    <dgm:cxn modelId="{A367228A-18D8-492C-A88C-B6B4B5D02F93}" type="presParOf" srcId="{FF6B67AB-471C-40BC-A6E1-72309B50A98A}" destId="{487192F6-F070-49C3-A9CB-D75F367AC7EB}" srcOrd="4" destOrd="0" presId="urn:microsoft.com/office/officeart/2005/8/layout/lProcess3"/>
   </dgm:cxnLst>
   <dgm:bg/>
   <dgm:whole/>
@@ -6886,6 +7582,356 @@
 </file>
 
 <file path=ppt/diagrams/data4.xml><?xml version="1.0" encoding="utf-8"?>
+<dgm:dataModel xmlns:dgm="http://schemas.openxmlformats.org/drawingml/2006/diagram" xmlns:a="http://schemas.openxmlformats.org/drawingml/2006/main">
+  <dgm:ptLst>
+    <dgm:pt modelId="{D56771A1-7715-444F-891C-A91388DE1C86}" type="doc">
+      <dgm:prSet loTypeId="urn:microsoft.com/office/officeart/2005/8/layout/vList2" loCatId="list" qsTypeId="urn:microsoft.com/office/officeart/2005/8/quickstyle/simple1" qsCatId="simple" csTypeId="urn:microsoft.com/office/officeart/2005/8/colors/accent1_2" csCatId="accent1" phldr="1"/>
+      <dgm:spPr/>
+      <dgm:t>
+        <a:bodyPr/>
+        <a:lstStyle/>
+        <a:p>
+          <a:endParaRPr lang="en-GB"/>
+        </a:p>
+      </dgm:t>
+    </dgm:pt>
+    <dgm:pt modelId="{22713857-A046-4FDC-B7EE-82EE45BDD990}">
+      <dgm:prSet/>
+      <dgm:spPr/>
+      <dgm:t>
+        <a:bodyPr/>
+        <a:lstStyle/>
+        <a:p>
+          <a:r>
+            <a:rPr lang="de-AT" dirty="0"/>
+            <a:t>Datenbank implementiert (Soll: 1.4.2022) (Ist: 15.3.2022)</a:t>
+          </a:r>
+        </a:p>
+      </dgm:t>
+    </dgm:pt>
+    <dgm:pt modelId="{575572B7-3B95-4B2B-94AF-1192DAFC2BFF}" type="parTrans" cxnId="{3D95DF38-DDCB-4F27-A66E-49BC504D5374}">
+      <dgm:prSet/>
+      <dgm:spPr/>
+      <dgm:t>
+        <a:bodyPr/>
+        <a:lstStyle/>
+        <a:p>
+          <a:endParaRPr lang="en-GB"/>
+        </a:p>
+      </dgm:t>
+    </dgm:pt>
+    <dgm:pt modelId="{C4AE44C3-56F4-475A-8131-3BC090FDF449}" type="sibTrans" cxnId="{3D95DF38-DDCB-4F27-A66E-49BC504D5374}">
+      <dgm:prSet/>
+      <dgm:spPr/>
+      <dgm:t>
+        <a:bodyPr/>
+        <a:lstStyle/>
+        <a:p>
+          <a:endParaRPr lang="en-GB"/>
+        </a:p>
+      </dgm:t>
+    </dgm:pt>
+    <dgm:pt modelId="{A6D26CA9-2886-4254-8C54-63BE927C41E6}">
+      <dgm:prSet/>
+      <dgm:spPr/>
+      <dgm:t>
+        <a:bodyPr/>
+        <a:lstStyle/>
+        <a:p>
+          <a:r>
+            <a:rPr lang="de-AT" dirty="0"/>
+            <a:t>API-Anfragen Handling integriert (Soll: 20.4.2022) (Ist: 17.4.2022)</a:t>
+          </a:r>
+        </a:p>
+      </dgm:t>
+    </dgm:pt>
+    <dgm:pt modelId="{7798CDB3-5805-4752-92B0-CFAD8691B78B}" type="parTrans" cxnId="{F44F14C2-F88F-4F20-9F16-3AB6CDBCB308}">
+      <dgm:prSet/>
+      <dgm:spPr/>
+      <dgm:t>
+        <a:bodyPr/>
+        <a:lstStyle/>
+        <a:p>
+          <a:endParaRPr lang="en-GB"/>
+        </a:p>
+      </dgm:t>
+    </dgm:pt>
+    <dgm:pt modelId="{DD2E26D0-6D4C-4DED-8427-C67B4BE0BDAF}" type="sibTrans" cxnId="{F44F14C2-F88F-4F20-9F16-3AB6CDBCB308}">
+      <dgm:prSet/>
+      <dgm:spPr/>
+      <dgm:t>
+        <a:bodyPr/>
+        <a:lstStyle/>
+        <a:p>
+          <a:endParaRPr lang="en-GB"/>
+        </a:p>
+      </dgm:t>
+    </dgm:pt>
+    <dgm:pt modelId="{5BBBFFD2-65E9-45FE-A5C6-6E3BB62379C5}">
+      <dgm:prSet/>
+      <dgm:spPr/>
+      <dgm:t>
+        <a:bodyPr/>
+        <a:lstStyle/>
+        <a:p>
+          <a:r>
+            <a:rPr lang="de-AT" dirty="0"/>
+            <a:t>Website-Design fertiggestellt (Soll: 1.5.2022)</a:t>
+          </a:r>
+        </a:p>
+      </dgm:t>
+    </dgm:pt>
+    <dgm:pt modelId="{583C5C66-1550-4953-A1E0-8F7DAACE8528}" type="parTrans" cxnId="{395FF82B-E5C8-49B0-BD7E-F0715203949F}">
+      <dgm:prSet/>
+      <dgm:spPr/>
+      <dgm:t>
+        <a:bodyPr/>
+        <a:lstStyle/>
+        <a:p>
+          <a:endParaRPr lang="en-GB"/>
+        </a:p>
+      </dgm:t>
+    </dgm:pt>
+    <dgm:pt modelId="{E5EC3F9E-2A0F-4F0C-9BB1-08059AC42F53}" type="sibTrans" cxnId="{395FF82B-E5C8-49B0-BD7E-F0715203949F}">
+      <dgm:prSet/>
+      <dgm:spPr/>
+      <dgm:t>
+        <a:bodyPr/>
+        <a:lstStyle/>
+        <a:p>
+          <a:endParaRPr lang="en-GB"/>
+        </a:p>
+      </dgm:t>
+    </dgm:pt>
+    <dgm:pt modelId="{8DABA947-5BDE-4BB1-BA1D-3194604FDDBF}">
+      <dgm:prSet/>
+      <dgm:spPr/>
+      <dgm:t>
+        <a:bodyPr/>
+        <a:lstStyle/>
+        <a:p>
+          <a:r>
+            <a:rPr lang="de-AT" dirty="0"/>
+            <a:t>API-Integration fertiggestellt (Soll: 5.5.2022)</a:t>
+          </a:r>
+        </a:p>
+      </dgm:t>
+    </dgm:pt>
+    <dgm:pt modelId="{FD68C9D2-6243-4442-AA7F-57B97F201F8F}" type="parTrans" cxnId="{93E0FF55-C495-4239-B018-203ED2CBE0B2}">
+      <dgm:prSet/>
+      <dgm:spPr/>
+      <dgm:t>
+        <a:bodyPr/>
+        <a:lstStyle/>
+        <a:p>
+          <a:endParaRPr lang="en-GB"/>
+        </a:p>
+      </dgm:t>
+    </dgm:pt>
+    <dgm:pt modelId="{22108A77-052E-407A-A4F0-941C5FE12FEE}" type="sibTrans" cxnId="{93E0FF55-C495-4239-B018-203ED2CBE0B2}">
+      <dgm:prSet/>
+      <dgm:spPr/>
+      <dgm:t>
+        <a:bodyPr/>
+        <a:lstStyle/>
+        <a:p>
+          <a:endParaRPr lang="en-GB"/>
+        </a:p>
+      </dgm:t>
+    </dgm:pt>
+    <dgm:pt modelId="{91D8185A-A158-46E3-8C6A-AF219C3B1436}">
+      <dgm:prSet/>
+      <dgm:spPr/>
+      <dgm:t>
+        <a:bodyPr/>
+        <a:lstStyle/>
+        <a:p>
+          <a:r>
+            <a:rPr lang="de-AT" dirty="0"/>
+            <a:t>Testen abgeschlossen (Soll: 7.6.2022)</a:t>
+          </a:r>
+        </a:p>
+      </dgm:t>
+    </dgm:pt>
+    <dgm:pt modelId="{B5EA8DAD-225E-411E-9E10-052DA0496CDA}" type="parTrans" cxnId="{615405BD-5803-4345-92EF-36E1A7A010FE}">
+      <dgm:prSet/>
+      <dgm:spPr/>
+      <dgm:t>
+        <a:bodyPr/>
+        <a:lstStyle/>
+        <a:p>
+          <a:endParaRPr lang="en-GB"/>
+        </a:p>
+      </dgm:t>
+    </dgm:pt>
+    <dgm:pt modelId="{9EFEB30A-A70C-4166-867D-FABBCC0F352D}" type="sibTrans" cxnId="{615405BD-5803-4345-92EF-36E1A7A010FE}">
+      <dgm:prSet/>
+      <dgm:spPr/>
+      <dgm:t>
+        <a:bodyPr/>
+        <a:lstStyle/>
+        <a:p>
+          <a:endParaRPr lang="en-GB"/>
+        </a:p>
+      </dgm:t>
+    </dgm:pt>
+    <dgm:pt modelId="{5EFDD985-9EFF-4A43-92FF-BE0C3D2DEEB1}">
+      <dgm:prSet/>
+      <dgm:spPr/>
+      <dgm:t>
+        <a:bodyPr/>
+        <a:lstStyle/>
+        <a:p>
+          <a:r>
+            <a:rPr lang="de-AT" dirty="0"/>
+            <a:t>Projekt abgeschlossen (Soll: 7.6.2022)</a:t>
+          </a:r>
+        </a:p>
+      </dgm:t>
+    </dgm:pt>
+    <dgm:pt modelId="{34161D3B-0178-473F-A33E-1562C4CEEFA6}" type="parTrans" cxnId="{15555CD8-41B7-4A1E-A1FD-2A95B8FFD865}">
+      <dgm:prSet/>
+      <dgm:spPr/>
+      <dgm:t>
+        <a:bodyPr/>
+        <a:lstStyle/>
+        <a:p>
+          <a:endParaRPr lang="en-GB"/>
+        </a:p>
+      </dgm:t>
+    </dgm:pt>
+    <dgm:pt modelId="{31EE4CAB-A422-41C7-9B1E-D835D30E728D}" type="sibTrans" cxnId="{15555CD8-41B7-4A1E-A1FD-2A95B8FFD865}">
+      <dgm:prSet/>
+      <dgm:spPr/>
+      <dgm:t>
+        <a:bodyPr/>
+        <a:lstStyle/>
+        <a:p>
+          <a:endParaRPr lang="en-GB"/>
+        </a:p>
+      </dgm:t>
+    </dgm:pt>
+    <dgm:pt modelId="{51C3048C-4BBA-49BD-9AB9-E70D1E0125D3}" type="pres">
+      <dgm:prSet presAssocID="{D56771A1-7715-444F-891C-A91388DE1C86}" presName="linear" presStyleCnt="0">
+        <dgm:presLayoutVars>
+          <dgm:animLvl val="lvl"/>
+          <dgm:resizeHandles val="exact"/>
+        </dgm:presLayoutVars>
+      </dgm:prSet>
+      <dgm:spPr/>
+    </dgm:pt>
+    <dgm:pt modelId="{95A1C6EC-5919-433D-84D4-0D8D6A6A55B3}" type="pres">
+      <dgm:prSet presAssocID="{22713857-A046-4FDC-B7EE-82EE45BDD990}" presName="parentText" presStyleLbl="node1" presStyleIdx="0" presStyleCnt="6">
+        <dgm:presLayoutVars>
+          <dgm:chMax val="0"/>
+          <dgm:bulletEnabled val="1"/>
+        </dgm:presLayoutVars>
+      </dgm:prSet>
+      <dgm:spPr/>
+    </dgm:pt>
+    <dgm:pt modelId="{992F5643-7EA1-4883-85CA-70E251EBE886}" type="pres">
+      <dgm:prSet presAssocID="{C4AE44C3-56F4-475A-8131-3BC090FDF449}" presName="spacer" presStyleCnt="0"/>
+      <dgm:spPr/>
+    </dgm:pt>
+    <dgm:pt modelId="{0EA61DFF-C202-4424-9AE1-4187A0DEC141}" type="pres">
+      <dgm:prSet presAssocID="{A6D26CA9-2886-4254-8C54-63BE927C41E6}" presName="parentText" presStyleLbl="node1" presStyleIdx="1" presStyleCnt="6">
+        <dgm:presLayoutVars>
+          <dgm:chMax val="0"/>
+          <dgm:bulletEnabled val="1"/>
+        </dgm:presLayoutVars>
+      </dgm:prSet>
+      <dgm:spPr/>
+    </dgm:pt>
+    <dgm:pt modelId="{F1CD0F95-35C3-42C4-A1F5-0A64BA152271}" type="pres">
+      <dgm:prSet presAssocID="{DD2E26D0-6D4C-4DED-8427-C67B4BE0BDAF}" presName="spacer" presStyleCnt="0"/>
+      <dgm:spPr/>
+    </dgm:pt>
+    <dgm:pt modelId="{98BCF8AB-A323-4DA2-BC30-CF55F6F4BE17}" type="pres">
+      <dgm:prSet presAssocID="{5BBBFFD2-65E9-45FE-A5C6-6E3BB62379C5}" presName="parentText" presStyleLbl="node1" presStyleIdx="2" presStyleCnt="6">
+        <dgm:presLayoutVars>
+          <dgm:chMax val="0"/>
+          <dgm:bulletEnabled val="1"/>
+        </dgm:presLayoutVars>
+      </dgm:prSet>
+      <dgm:spPr/>
+    </dgm:pt>
+    <dgm:pt modelId="{FD9504DA-DC9C-452E-B324-85E4DF0537B0}" type="pres">
+      <dgm:prSet presAssocID="{E5EC3F9E-2A0F-4F0C-9BB1-08059AC42F53}" presName="spacer" presStyleCnt="0"/>
+      <dgm:spPr/>
+    </dgm:pt>
+    <dgm:pt modelId="{CAF3FE53-0727-4BBC-85C3-52B3AA06C012}" type="pres">
+      <dgm:prSet presAssocID="{8DABA947-5BDE-4BB1-BA1D-3194604FDDBF}" presName="parentText" presStyleLbl="node1" presStyleIdx="3" presStyleCnt="6">
+        <dgm:presLayoutVars>
+          <dgm:chMax val="0"/>
+          <dgm:bulletEnabled val="1"/>
+        </dgm:presLayoutVars>
+      </dgm:prSet>
+      <dgm:spPr/>
+    </dgm:pt>
+    <dgm:pt modelId="{96BA6EC0-61A7-450D-8378-568E839E5BA6}" type="pres">
+      <dgm:prSet presAssocID="{22108A77-052E-407A-A4F0-941C5FE12FEE}" presName="spacer" presStyleCnt="0"/>
+      <dgm:spPr/>
+    </dgm:pt>
+    <dgm:pt modelId="{5F553FD2-87CE-4B5F-A6CD-4A8E2B5FFB23}" type="pres">
+      <dgm:prSet presAssocID="{91D8185A-A158-46E3-8C6A-AF219C3B1436}" presName="parentText" presStyleLbl="node1" presStyleIdx="4" presStyleCnt="6">
+        <dgm:presLayoutVars>
+          <dgm:chMax val="0"/>
+          <dgm:bulletEnabled val="1"/>
+        </dgm:presLayoutVars>
+      </dgm:prSet>
+      <dgm:spPr/>
+    </dgm:pt>
+    <dgm:pt modelId="{84CCBCEE-F7AB-40CD-9951-8CD49FA4D9B8}" type="pres">
+      <dgm:prSet presAssocID="{9EFEB30A-A70C-4166-867D-FABBCC0F352D}" presName="spacer" presStyleCnt="0"/>
+      <dgm:spPr/>
+    </dgm:pt>
+    <dgm:pt modelId="{D1300371-36FF-4C6B-8D52-8F175D5C1A0D}" type="pres">
+      <dgm:prSet presAssocID="{5EFDD985-9EFF-4A43-92FF-BE0C3D2DEEB1}" presName="parentText" presStyleLbl="node1" presStyleIdx="5" presStyleCnt="6">
+        <dgm:presLayoutVars>
+          <dgm:chMax val="0"/>
+          <dgm:bulletEnabled val="1"/>
+        </dgm:presLayoutVars>
+      </dgm:prSet>
+      <dgm:spPr/>
+    </dgm:pt>
+  </dgm:ptLst>
+  <dgm:cxnLst>
+    <dgm:cxn modelId="{A0624913-BD49-4F63-92DE-EE8DD4674E07}" type="presOf" srcId="{8DABA947-5BDE-4BB1-BA1D-3194604FDDBF}" destId="{CAF3FE53-0727-4BBC-85C3-52B3AA06C012}" srcOrd="0" destOrd="0" presId="urn:microsoft.com/office/officeart/2005/8/layout/vList2"/>
+    <dgm:cxn modelId="{29353B1D-963D-4890-AED7-C22A5859DBDE}" type="presOf" srcId="{5EFDD985-9EFF-4A43-92FF-BE0C3D2DEEB1}" destId="{D1300371-36FF-4C6B-8D52-8F175D5C1A0D}" srcOrd="0" destOrd="0" presId="urn:microsoft.com/office/officeart/2005/8/layout/vList2"/>
+    <dgm:cxn modelId="{395FF82B-E5C8-49B0-BD7E-F0715203949F}" srcId="{D56771A1-7715-444F-891C-A91388DE1C86}" destId="{5BBBFFD2-65E9-45FE-A5C6-6E3BB62379C5}" srcOrd="2" destOrd="0" parTransId="{583C5C66-1550-4953-A1E0-8F7DAACE8528}" sibTransId="{E5EC3F9E-2A0F-4F0C-9BB1-08059AC42F53}"/>
+    <dgm:cxn modelId="{D3FAF92C-5FEC-41C5-A323-0BB1A7852DD7}" type="presOf" srcId="{A6D26CA9-2886-4254-8C54-63BE927C41E6}" destId="{0EA61DFF-C202-4424-9AE1-4187A0DEC141}" srcOrd="0" destOrd="0" presId="urn:microsoft.com/office/officeart/2005/8/layout/vList2"/>
+    <dgm:cxn modelId="{3D95DF38-DDCB-4F27-A66E-49BC504D5374}" srcId="{D56771A1-7715-444F-891C-A91388DE1C86}" destId="{22713857-A046-4FDC-B7EE-82EE45BDD990}" srcOrd="0" destOrd="0" parTransId="{575572B7-3B95-4B2B-94AF-1192DAFC2BFF}" sibTransId="{C4AE44C3-56F4-475A-8131-3BC090FDF449}"/>
+    <dgm:cxn modelId="{45FE803E-58AE-4E8E-A114-8B3BD6B16210}" type="presOf" srcId="{5BBBFFD2-65E9-45FE-A5C6-6E3BB62379C5}" destId="{98BCF8AB-A323-4DA2-BC30-CF55F6F4BE17}" srcOrd="0" destOrd="0" presId="urn:microsoft.com/office/officeart/2005/8/layout/vList2"/>
+    <dgm:cxn modelId="{1FB61960-D02A-4BAF-ACCB-1D64B35EA88E}" type="presOf" srcId="{22713857-A046-4FDC-B7EE-82EE45BDD990}" destId="{95A1C6EC-5919-433D-84D4-0D8D6A6A55B3}" srcOrd="0" destOrd="0" presId="urn:microsoft.com/office/officeart/2005/8/layout/vList2"/>
+    <dgm:cxn modelId="{93E0FF55-C495-4239-B018-203ED2CBE0B2}" srcId="{D56771A1-7715-444F-891C-A91388DE1C86}" destId="{8DABA947-5BDE-4BB1-BA1D-3194604FDDBF}" srcOrd="3" destOrd="0" parTransId="{FD68C9D2-6243-4442-AA7F-57B97F201F8F}" sibTransId="{22108A77-052E-407A-A4F0-941C5FE12FEE}"/>
+    <dgm:cxn modelId="{615405BD-5803-4345-92EF-36E1A7A010FE}" srcId="{D56771A1-7715-444F-891C-A91388DE1C86}" destId="{91D8185A-A158-46E3-8C6A-AF219C3B1436}" srcOrd="4" destOrd="0" parTransId="{B5EA8DAD-225E-411E-9E10-052DA0496CDA}" sibTransId="{9EFEB30A-A70C-4166-867D-FABBCC0F352D}"/>
+    <dgm:cxn modelId="{F44F14C2-F88F-4F20-9F16-3AB6CDBCB308}" srcId="{D56771A1-7715-444F-891C-A91388DE1C86}" destId="{A6D26CA9-2886-4254-8C54-63BE927C41E6}" srcOrd="1" destOrd="0" parTransId="{7798CDB3-5805-4752-92B0-CFAD8691B78B}" sibTransId="{DD2E26D0-6D4C-4DED-8427-C67B4BE0BDAF}"/>
+    <dgm:cxn modelId="{15555CD8-41B7-4A1E-A1FD-2A95B8FFD865}" srcId="{D56771A1-7715-444F-891C-A91388DE1C86}" destId="{5EFDD985-9EFF-4A43-92FF-BE0C3D2DEEB1}" srcOrd="5" destOrd="0" parTransId="{34161D3B-0178-473F-A33E-1562C4CEEFA6}" sibTransId="{31EE4CAB-A422-41C7-9B1E-D835D30E728D}"/>
+    <dgm:cxn modelId="{D436FBE3-00D9-4B8A-AD20-8B0AE2CE36E2}" type="presOf" srcId="{91D8185A-A158-46E3-8C6A-AF219C3B1436}" destId="{5F553FD2-87CE-4B5F-A6CD-4A8E2B5FFB23}" srcOrd="0" destOrd="0" presId="urn:microsoft.com/office/officeart/2005/8/layout/vList2"/>
+    <dgm:cxn modelId="{6A9FAEFC-BB68-400A-9AA4-443A25ABDF0D}" type="presOf" srcId="{D56771A1-7715-444F-891C-A91388DE1C86}" destId="{51C3048C-4BBA-49BD-9AB9-E70D1E0125D3}" srcOrd="0" destOrd="0" presId="urn:microsoft.com/office/officeart/2005/8/layout/vList2"/>
+    <dgm:cxn modelId="{CAD9C8EB-0E8E-4820-8EC0-8246FB5CAFF8}" type="presParOf" srcId="{51C3048C-4BBA-49BD-9AB9-E70D1E0125D3}" destId="{95A1C6EC-5919-433D-84D4-0D8D6A6A55B3}" srcOrd="0" destOrd="0" presId="urn:microsoft.com/office/officeart/2005/8/layout/vList2"/>
+    <dgm:cxn modelId="{3048BB18-07BC-4C53-9D5D-5238A6DB82E1}" type="presParOf" srcId="{51C3048C-4BBA-49BD-9AB9-E70D1E0125D3}" destId="{992F5643-7EA1-4883-85CA-70E251EBE886}" srcOrd="1" destOrd="0" presId="urn:microsoft.com/office/officeart/2005/8/layout/vList2"/>
+    <dgm:cxn modelId="{EFEBE3D2-FD8D-4275-8727-9CB8103C4353}" type="presParOf" srcId="{51C3048C-4BBA-49BD-9AB9-E70D1E0125D3}" destId="{0EA61DFF-C202-4424-9AE1-4187A0DEC141}" srcOrd="2" destOrd="0" presId="urn:microsoft.com/office/officeart/2005/8/layout/vList2"/>
+    <dgm:cxn modelId="{1BA89BF5-2992-4E90-96A6-FB8ED2D5D446}" type="presParOf" srcId="{51C3048C-4BBA-49BD-9AB9-E70D1E0125D3}" destId="{F1CD0F95-35C3-42C4-A1F5-0A64BA152271}" srcOrd="3" destOrd="0" presId="urn:microsoft.com/office/officeart/2005/8/layout/vList2"/>
+    <dgm:cxn modelId="{7E1D5C32-AC8A-459B-811B-B611F9C6A658}" type="presParOf" srcId="{51C3048C-4BBA-49BD-9AB9-E70D1E0125D3}" destId="{98BCF8AB-A323-4DA2-BC30-CF55F6F4BE17}" srcOrd="4" destOrd="0" presId="urn:microsoft.com/office/officeart/2005/8/layout/vList2"/>
+    <dgm:cxn modelId="{AAF6AB42-33AB-4C50-B3A2-9A386DE6011C}" type="presParOf" srcId="{51C3048C-4BBA-49BD-9AB9-E70D1E0125D3}" destId="{FD9504DA-DC9C-452E-B324-85E4DF0537B0}" srcOrd="5" destOrd="0" presId="urn:microsoft.com/office/officeart/2005/8/layout/vList2"/>
+    <dgm:cxn modelId="{FFE263C6-8DE2-404B-A920-D12F1E59E797}" type="presParOf" srcId="{51C3048C-4BBA-49BD-9AB9-E70D1E0125D3}" destId="{CAF3FE53-0727-4BBC-85C3-52B3AA06C012}" srcOrd="6" destOrd="0" presId="urn:microsoft.com/office/officeart/2005/8/layout/vList2"/>
+    <dgm:cxn modelId="{EEDF67DF-FD12-44C2-A147-EAF28D8F26AA}" type="presParOf" srcId="{51C3048C-4BBA-49BD-9AB9-E70D1E0125D3}" destId="{96BA6EC0-61A7-450D-8378-568E839E5BA6}" srcOrd="7" destOrd="0" presId="urn:microsoft.com/office/officeart/2005/8/layout/vList2"/>
+    <dgm:cxn modelId="{BF3B61AA-7AD5-4F82-B403-F8861BB6BB85}" type="presParOf" srcId="{51C3048C-4BBA-49BD-9AB9-E70D1E0125D3}" destId="{5F553FD2-87CE-4B5F-A6CD-4A8E2B5FFB23}" srcOrd="8" destOrd="0" presId="urn:microsoft.com/office/officeart/2005/8/layout/vList2"/>
+    <dgm:cxn modelId="{9912ED19-D8E0-43E7-B968-4A7623750A35}" type="presParOf" srcId="{51C3048C-4BBA-49BD-9AB9-E70D1E0125D3}" destId="{84CCBCEE-F7AB-40CD-9951-8CD49FA4D9B8}" srcOrd="9" destOrd="0" presId="urn:microsoft.com/office/officeart/2005/8/layout/vList2"/>
+    <dgm:cxn modelId="{A3578B75-1E37-4ACF-905B-8D2BA4655F5C}" type="presParOf" srcId="{51C3048C-4BBA-49BD-9AB9-E70D1E0125D3}" destId="{D1300371-36FF-4C6B-8D52-8F175D5C1A0D}" srcOrd="10" destOrd="0" presId="urn:microsoft.com/office/officeart/2005/8/layout/vList2"/>
+  </dgm:cxnLst>
+  <dgm:bg/>
+  <dgm:whole/>
+  <dgm:extLst>
+    <a:ext uri="http://schemas.microsoft.com/office/drawing/2008/diagram">
+      <dsp:dataModelExt xmlns:dsp="http://schemas.microsoft.com/office/drawing/2008/diagram" relId="rId7" minVer="http://schemas.openxmlformats.org/drawingml/2006/diagram"/>
+    </a:ext>
+  </dgm:extLst>
+</dgm:dataModel>
+</file>
+
+<file path=ppt/diagrams/data5.xml><?xml version="1.0" encoding="utf-8"?>
 <dgm:dataModel xmlns:dgm="http://schemas.openxmlformats.org/drawingml/2006/diagram" xmlns:a="http://schemas.openxmlformats.org/drawingml/2006/main">
   <dgm:ptLst>
     <dgm:pt modelId="{E2776965-8A1C-4161-953B-16A5A871BEF1}" type="doc">
@@ -8446,8 +9492,8 @@
       </dsp:nvSpPr>
       <dsp:spPr>
         <a:xfrm>
-          <a:off x="2501" y="777008"/>
-          <a:ext cx="3865066" cy="1546026"/>
+          <a:off x="2734" y="82535"/>
+          <a:ext cx="5487665" cy="2195066"/>
         </a:xfrm>
         <a:prstGeom prst="chevron">
           <a:avLst/>
@@ -8489,12 +9535,12 @@
         </a:fontRef>
       </dsp:style>
       <dsp:txBody>
-        <a:bodyPr spcFirstLastPara="0" vert="horz" wrap="square" lIns="41910" tIns="20955" rIns="0" bIns="20955" numCol="1" spcCol="1270" anchor="ctr" anchorCtr="0">
+        <a:bodyPr spcFirstLastPara="0" vert="horz" wrap="square" lIns="60960" tIns="30480" rIns="0" bIns="30480" numCol="1" spcCol="1270" anchor="ctr" anchorCtr="0">
           <a:noAutofit/>
         </a:bodyPr>
         <a:lstStyle/>
         <a:p>
-          <a:pPr marL="0" lvl="0" indent="0" algn="ctr" defTabSz="1466850">
+          <a:pPr marL="0" lvl="0" indent="0" algn="ctr" defTabSz="2133600">
             <a:lnSpc>
               <a:spcPct val="90000"/>
             </a:lnSpc>
@@ -8507,14 +9553,14 @@
             <a:buNone/>
           </a:pPr>
           <a:r>
-            <a:rPr lang="de-AT" sz="3300" kern="1200" noProof="0" dirty="0"/>
+            <a:rPr lang="de-AT" sz="4800" kern="1200" noProof="0" dirty="0"/>
             <a:t>Dokumente</a:t>
           </a:r>
         </a:p>
       </dsp:txBody>
       <dsp:txXfrm>
-        <a:off x="775514" y="777008"/>
-        <a:ext cx="2319040" cy="1546026"/>
+        <a:off x="1100267" y="82535"/>
+        <a:ext cx="3292599" cy="2195066"/>
       </dsp:txXfrm>
     </dsp:sp>
     <dsp:sp modelId="{1F181204-0FAD-45FA-8C99-A65B2F17FA6F}">
@@ -8524,8 +9570,8 @@
       </dsp:nvSpPr>
       <dsp:spPr>
         <a:xfrm>
-          <a:off x="3365109" y="908420"/>
-          <a:ext cx="3208005" cy="1283202"/>
+          <a:off x="4777003" y="269116"/>
+          <a:ext cx="4554761" cy="1821904"/>
         </a:xfrm>
         <a:prstGeom prst="chevron">
           <a:avLst/>
@@ -8569,12 +9615,12 @@
         <a:fontRef idx="minor"/>
       </dsp:style>
       <dsp:txBody>
-        <a:bodyPr spcFirstLastPara="0" vert="horz" wrap="square" lIns="31750" tIns="15875" rIns="0" bIns="15875" numCol="1" spcCol="1270" anchor="ctr" anchorCtr="0">
+        <a:bodyPr spcFirstLastPara="0" vert="horz" wrap="square" lIns="45720" tIns="22860" rIns="0" bIns="22860" numCol="1" spcCol="1270" anchor="ctr" anchorCtr="0">
           <a:noAutofit/>
         </a:bodyPr>
         <a:lstStyle/>
         <a:p>
-          <a:pPr marL="0" lvl="0" indent="0" algn="ctr" defTabSz="1111250">
+          <a:pPr marL="0" lvl="0" indent="0" algn="ctr" defTabSz="1600200">
             <a:lnSpc>
               <a:spcPct val="90000"/>
             </a:lnSpc>
@@ -8587,14 +9633,14 @@
             <a:buNone/>
           </a:pPr>
           <a:r>
-            <a:rPr lang="de-AT" sz="2500" kern="1200" noProof="0" dirty="0"/>
+            <a:rPr lang="de-AT" sz="3600" kern="1200" noProof="0" dirty="0"/>
             <a:t>Termingerecht abgegeben</a:t>
           </a:r>
         </a:p>
       </dsp:txBody>
       <dsp:txXfrm>
-        <a:off x="4006710" y="908420"/>
-        <a:ext cx="1924803" cy="1283202"/>
+        <a:off x="5687955" y="269116"/>
+        <a:ext cx="2732857" cy="1821904"/>
       </dsp:txXfrm>
     </dsp:sp>
     <dsp:sp modelId="{C7959153-1996-4907-9A2D-E9A2BF2C1437}">
@@ -8604,8 +9650,8 @@
       </dsp:nvSpPr>
       <dsp:spPr>
         <a:xfrm>
-          <a:off x="2501" y="2539478"/>
-          <a:ext cx="3865066" cy="1546026"/>
+          <a:off x="2734" y="2584911"/>
+          <a:ext cx="5487665" cy="2195066"/>
         </a:xfrm>
         <a:prstGeom prst="chevron">
           <a:avLst/>
@@ -8647,12 +9693,12 @@
         </a:fontRef>
       </dsp:style>
       <dsp:txBody>
-        <a:bodyPr spcFirstLastPara="0" vert="horz" wrap="square" lIns="41910" tIns="20955" rIns="0" bIns="20955" numCol="1" spcCol="1270" anchor="ctr" anchorCtr="0">
+        <a:bodyPr spcFirstLastPara="0" vert="horz" wrap="square" lIns="60960" tIns="30480" rIns="0" bIns="30480" numCol="1" spcCol="1270" anchor="ctr" anchorCtr="0">
           <a:noAutofit/>
         </a:bodyPr>
         <a:lstStyle/>
         <a:p>
-          <a:pPr marL="0" lvl="0" indent="0" algn="ctr" defTabSz="1466850">
+          <a:pPr marL="0" lvl="0" indent="0" algn="ctr" defTabSz="2133600">
             <a:lnSpc>
               <a:spcPct val="90000"/>
             </a:lnSpc>
@@ -8665,14 +9711,14 @@
             <a:buNone/>
           </a:pPr>
           <a:r>
-            <a:rPr lang="de-AT" sz="3300" kern="1200" noProof="0" dirty="0"/>
+            <a:rPr lang="de-AT" sz="4800" kern="1200" noProof="0" dirty="0"/>
             <a:t>Meilensteine</a:t>
           </a:r>
         </a:p>
       </dsp:txBody>
       <dsp:txXfrm>
-        <a:off x="775514" y="2539478"/>
-        <a:ext cx="2319040" cy="1546026"/>
+        <a:off x="1100267" y="2584911"/>
+        <a:ext cx="3292599" cy="2195066"/>
       </dsp:txXfrm>
     </dsp:sp>
     <dsp:sp modelId="{2AA43FC8-DB3A-4251-B770-7B9DEA4DA5E2}">
@@ -8682,8 +9728,8 @@
       </dsp:nvSpPr>
       <dsp:spPr>
         <a:xfrm>
-          <a:off x="3365109" y="2670890"/>
-          <a:ext cx="3208005" cy="1283202"/>
+          <a:off x="4777003" y="2771491"/>
+          <a:ext cx="4554761" cy="1821904"/>
         </a:xfrm>
         <a:prstGeom prst="chevron">
           <a:avLst/>
@@ -8746,32 +9792,42 @@
           </a:pPr>
           <a:r>
             <a:rPr lang="de-AT" sz="2800" kern="1200" noProof="0" dirty="0"/>
-            <a:t>Nicht erreicht</a:t>
+            <a:t>Nicht alle Zeitgemäß erreicht</a:t>
           </a:r>
         </a:p>
       </dsp:txBody>
       <dsp:txXfrm>
-        <a:off x="4006710" y="2670890"/>
-        <a:ext cx="1924803" cy="1283202"/>
+        <a:off x="5687955" y="2771491"/>
+        <a:ext cx="2732857" cy="1821904"/>
       </dsp:txXfrm>
     </dsp:sp>
-    <dsp:sp modelId="{487192F6-F070-49C3-A9CB-D75F367AC7EB}">
+  </dsp:spTree>
+</dsp:drawing>
+</file>
+
+<file path=ppt/diagrams/drawing4.xml><?xml version="1.0" encoding="utf-8"?>
+<dsp:drawing xmlns:dgm="http://schemas.openxmlformats.org/drawingml/2006/diagram" xmlns:dsp="http://schemas.microsoft.com/office/drawing/2008/diagram" xmlns:a="http://schemas.openxmlformats.org/drawingml/2006/main">
+  <dsp:spTree>
+    <dsp:nvGrpSpPr>
+      <dsp:cNvPr id="0" name=""/>
+      <dsp:cNvGrpSpPr/>
+    </dsp:nvGrpSpPr>
+    <dsp:grpSpPr/>
+    <dsp:sp modelId="{95A1C6EC-5919-433D-84D4-0D8D6A6A55B3}">
       <dsp:nvSpPr>
         <dsp:cNvPr id="0" name=""/>
         <dsp:cNvSpPr/>
       </dsp:nvSpPr>
       <dsp:spPr>
         <a:xfrm>
-          <a:off x="6123993" y="2670890"/>
-          <a:ext cx="3208005" cy="1283202"/>
+          <a:off x="0" y="506150"/>
+          <a:ext cx="6485913" cy="431730"/>
         </a:xfrm>
-        <a:prstGeom prst="chevron">
+        <a:prstGeom prst="roundRect">
           <a:avLst/>
         </a:prstGeom>
         <a:solidFill>
           <a:schemeClr val="accent1">
-            <a:alpha val="90000"/>
-            <a:tint val="40000"/>
             <a:hueOff val="0"/>
             <a:satOff val="0"/>
             <a:lumOff val="0"/>
@@ -8780,9 +9836,7 @@
         </a:solidFill>
         <a:ln w="12700" cap="flat" cmpd="sng" algn="ctr">
           <a:solidFill>
-            <a:schemeClr val="accent1">
-              <a:alpha val="90000"/>
-              <a:tint val="40000"/>
+            <a:schemeClr val="lt1">
               <a:hueOff val="0"/>
               <a:satOff val="0"/>
               <a:lumOff val="0"/>
@@ -8804,15 +9858,17 @@
         <a:effectRef idx="0">
           <a:scrgbClr r="0" g="0" b="0"/>
         </a:effectRef>
-        <a:fontRef idx="minor"/>
+        <a:fontRef idx="minor">
+          <a:schemeClr val="lt1"/>
+        </a:fontRef>
       </dsp:style>
       <dsp:txBody>
-        <a:bodyPr spcFirstLastPara="0" vert="horz" wrap="square" lIns="25400" tIns="12700" rIns="0" bIns="12700" numCol="1" spcCol="1270" anchor="ctr" anchorCtr="0">
+        <a:bodyPr spcFirstLastPara="0" vert="horz" wrap="square" lIns="68580" tIns="68580" rIns="68580" bIns="68580" numCol="1" spcCol="1270" anchor="ctr" anchorCtr="0">
           <a:noAutofit/>
         </a:bodyPr>
         <a:lstStyle/>
         <a:p>
-          <a:pPr marL="0" lvl="0" indent="0" algn="ctr" defTabSz="889000">
+          <a:pPr marL="0" lvl="0" indent="0" algn="l" defTabSz="800100">
             <a:lnSpc>
               <a:spcPct val="90000"/>
             </a:lnSpc>
@@ -8825,21 +9881,411 @@
             <a:buNone/>
           </a:pPr>
           <a:r>
-            <a:rPr lang="de-AT" sz="2000" kern="1200" noProof="0" dirty="0"/>
-            <a:t>Meilenstein: Website-Design fertiggestellt</a:t>
+            <a:rPr lang="de-AT" sz="1800" kern="1200" dirty="0"/>
+            <a:t>Datenbank implementiert (Soll: 1.4.2022) (Ist: 15.3.2022)</a:t>
           </a:r>
         </a:p>
       </dsp:txBody>
       <dsp:txXfrm>
-        <a:off x="6765594" y="2670890"/>
-        <a:ext cx="1924803" cy="1283202"/>
+        <a:off x="21075" y="527225"/>
+        <a:ext cx="6443763" cy="389580"/>
+      </dsp:txXfrm>
+    </dsp:sp>
+    <dsp:sp modelId="{0EA61DFF-C202-4424-9AE1-4187A0DEC141}">
+      <dsp:nvSpPr>
+        <dsp:cNvPr id="0" name=""/>
+        <dsp:cNvSpPr/>
+      </dsp:nvSpPr>
+      <dsp:spPr>
+        <a:xfrm>
+          <a:off x="0" y="989720"/>
+          <a:ext cx="6485913" cy="431730"/>
+        </a:xfrm>
+        <a:prstGeom prst="roundRect">
+          <a:avLst/>
+        </a:prstGeom>
+        <a:solidFill>
+          <a:schemeClr val="accent1">
+            <a:hueOff val="0"/>
+            <a:satOff val="0"/>
+            <a:lumOff val="0"/>
+            <a:alphaOff val="0"/>
+          </a:schemeClr>
+        </a:solidFill>
+        <a:ln w="12700" cap="flat" cmpd="sng" algn="ctr">
+          <a:solidFill>
+            <a:schemeClr val="lt1">
+              <a:hueOff val="0"/>
+              <a:satOff val="0"/>
+              <a:lumOff val="0"/>
+              <a:alphaOff val="0"/>
+            </a:schemeClr>
+          </a:solidFill>
+          <a:prstDash val="solid"/>
+          <a:miter lim="800000"/>
+        </a:ln>
+        <a:effectLst/>
+      </dsp:spPr>
+      <dsp:style>
+        <a:lnRef idx="2">
+          <a:scrgbClr r="0" g="0" b="0"/>
+        </a:lnRef>
+        <a:fillRef idx="1">
+          <a:scrgbClr r="0" g="0" b="0"/>
+        </a:fillRef>
+        <a:effectRef idx="0">
+          <a:scrgbClr r="0" g="0" b="0"/>
+        </a:effectRef>
+        <a:fontRef idx="minor">
+          <a:schemeClr val="lt1"/>
+        </a:fontRef>
+      </dsp:style>
+      <dsp:txBody>
+        <a:bodyPr spcFirstLastPara="0" vert="horz" wrap="square" lIns="68580" tIns="68580" rIns="68580" bIns="68580" numCol="1" spcCol="1270" anchor="ctr" anchorCtr="0">
+          <a:noAutofit/>
+        </a:bodyPr>
+        <a:lstStyle/>
+        <a:p>
+          <a:pPr marL="0" lvl="0" indent="0" algn="l" defTabSz="800100">
+            <a:lnSpc>
+              <a:spcPct val="90000"/>
+            </a:lnSpc>
+            <a:spcBef>
+              <a:spcPct val="0"/>
+            </a:spcBef>
+            <a:spcAft>
+              <a:spcPct val="35000"/>
+            </a:spcAft>
+            <a:buNone/>
+          </a:pPr>
+          <a:r>
+            <a:rPr lang="de-AT" sz="1800" kern="1200" dirty="0"/>
+            <a:t>API-Anfragen Handling integriert (Soll: 20.4.2022) (Ist: 17.4.2022)</a:t>
+          </a:r>
+        </a:p>
+      </dsp:txBody>
+      <dsp:txXfrm>
+        <a:off x="21075" y="1010795"/>
+        <a:ext cx="6443763" cy="389580"/>
+      </dsp:txXfrm>
+    </dsp:sp>
+    <dsp:sp modelId="{98BCF8AB-A323-4DA2-BC30-CF55F6F4BE17}">
+      <dsp:nvSpPr>
+        <dsp:cNvPr id="0" name=""/>
+        <dsp:cNvSpPr/>
+      </dsp:nvSpPr>
+      <dsp:spPr>
+        <a:xfrm>
+          <a:off x="0" y="1473290"/>
+          <a:ext cx="6485913" cy="431730"/>
+        </a:xfrm>
+        <a:prstGeom prst="roundRect">
+          <a:avLst/>
+        </a:prstGeom>
+        <a:solidFill>
+          <a:schemeClr val="accent1">
+            <a:hueOff val="0"/>
+            <a:satOff val="0"/>
+            <a:lumOff val="0"/>
+            <a:alphaOff val="0"/>
+          </a:schemeClr>
+        </a:solidFill>
+        <a:ln w="12700" cap="flat" cmpd="sng" algn="ctr">
+          <a:solidFill>
+            <a:schemeClr val="lt1">
+              <a:hueOff val="0"/>
+              <a:satOff val="0"/>
+              <a:lumOff val="0"/>
+              <a:alphaOff val="0"/>
+            </a:schemeClr>
+          </a:solidFill>
+          <a:prstDash val="solid"/>
+          <a:miter lim="800000"/>
+        </a:ln>
+        <a:effectLst/>
+      </dsp:spPr>
+      <dsp:style>
+        <a:lnRef idx="2">
+          <a:scrgbClr r="0" g="0" b="0"/>
+        </a:lnRef>
+        <a:fillRef idx="1">
+          <a:scrgbClr r="0" g="0" b="0"/>
+        </a:fillRef>
+        <a:effectRef idx="0">
+          <a:scrgbClr r="0" g="0" b="0"/>
+        </a:effectRef>
+        <a:fontRef idx="minor">
+          <a:schemeClr val="lt1"/>
+        </a:fontRef>
+      </dsp:style>
+      <dsp:txBody>
+        <a:bodyPr spcFirstLastPara="0" vert="horz" wrap="square" lIns="68580" tIns="68580" rIns="68580" bIns="68580" numCol="1" spcCol="1270" anchor="ctr" anchorCtr="0">
+          <a:noAutofit/>
+        </a:bodyPr>
+        <a:lstStyle/>
+        <a:p>
+          <a:pPr marL="0" lvl="0" indent="0" algn="l" defTabSz="800100">
+            <a:lnSpc>
+              <a:spcPct val="90000"/>
+            </a:lnSpc>
+            <a:spcBef>
+              <a:spcPct val="0"/>
+            </a:spcBef>
+            <a:spcAft>
+              <a:spcPct val="35000"/>
+            </a:spcAft>
+            <a:buNone/>
+          </a:pPr>
+          <a:r>
+            <a:rPr lang="de-AT" sz="1800" kern="1200" dirty="0"/>
+            <a:t>Website-Design fertiggestellt (Soll: 1.5.2022)</a:t>
+          </a:r>
+        </a:p>
+      </dsp:txBody>
+      <dsp:txXfrm>
+        <a:off x="21075" y="1494365"/>
+        <a:ext cx="6443763" cy="389580"/>
+      </dsp:txXfrm>
+    </dsp:sp>
+    <dsp:sp modelId="{CAF3FE53-0727-4BBC-85C3-52B3AA06C012}">
+      <dsp:nvSpPr>
+        <dsp:cNvPr id="0" name=""/>
+        <dsp:cNvSpPr/>
+      </dsp:nvSpPr>
+      <dsp:spPr>
+        <a:xfrm>
+          <a:off x="0" y="1956860"/>
+          <a:ext cx="6485913" cy="431730"/>
+        </a:xfrm>
+        <a:prstGeom prst="roundRect">
+          <a:avLst/>
+        </a:prstGeom>
+        <a:solidFill>
+          <a:schemeClr val="accent1">
+            <a:hueOff val="0"/>
+            <a:satOff val="0"/>
+            <a:lumOff val="0"/>
+            <a:alphaOff val="0"/>
+          </a:schemeClr>
+        </a:solidFill>
+        <a:ln w="12700" cap="flat" cmpd="sng" algn="ctr">
+          <a:solidFill>
+            <a:schemeClr val="lt1">
+              <a:hueOff val="0"/>
+              <a:satOff val="0"/>
+              <a:lumOff val="0"/>
+              <a:alphaOff val="0"/>
+            </a:schemeClr>
+          </a:solidFill>
+          <a:prstDash val="solid"/>
+          <a:miter lim="800000"/>
+        </a:ln>
+        <a:effectLst/>
+      </dsp:spPr>
+      <dsp:style>
+        <a:lnRef idx="2">
+          <a:scrgbClr r="0" g="0" b="0"/>
+        </a:lnRef>
+        <a:fillRef idx="1">
+          <a:scrgbClr r="0" g="0" b="0"/>
+        </a:fillRef>
+        <a:effectRef idx="0">
+          <a:scrgbClr r="0" g="0" b="0"/>
+        </a:effectRef>
+        <a:fontRef idx="minor">
+          <a:schemeClr val="lt1"/>
+        </a:fontRef>
+      </dsp:style>
+      <dsp:txBody>
+        <a:bodyPr spcFirstLastPara="0" vert="horz" wrap="square" lIns="68580" tIns="68580" rIns="68580" bIns="68580" numCol="1" spcCol="1270" anchor="ctr" anchorCtr="0">
+          <a:noAutofit/>
+        </a:bodyPr>
+        <a:lstStyle/>
+        <a:p>
+          <a:pPr marL="0" lvl="0" indent="0" algn="l" defTabSz="800100">
+            <a:lnSpc>
+              <a:spcPct val="90000"/>
+            </a:lnSpc>
+            <a:spcBef>
+              <a:spcPct val="0"/>
+            </a:spcBef>
+            <a:spcAft>
+              <a:spcPct val="35000"/>
+            </a:spcAft>
+            <a:buNone/>
+          </a:pPr>
+          <a:r>
+            <a:rPr lang="de-AT" sz="1800" kern="1200" dirty="0"/>
+            <a:t>API-Integration fertiggestellt (Soll: 5.5.2022)</a:t>
+          </a:r>
+        </a:p>
+      </dsp:txBody>
+      <dsp:txXfrm>
+        <a:off x="21075" y="1977935"/>
+        <a:ext cx="6443763" cy="389580"/>
+      </dsp:txXfrm>
+    </dsp:sp>
+    <dsp:sp modelId="{5F553FD2-87CE-4B5F-A6CD-4A8E2B5FFB23}">
+      <dsp:nvSpPr>
+        <dsp:cNvPr id="0" name=""/>
+        <dsp:cNvSpPr/>
+      </dsp:nvSpPr>
+      <dsp:spPr>
+        <a:xfrm>
+          <a:off x="0" y="2440430"/>
+          <a:ext cx="6485913" cy="431730"/>
+        </a:xfrm>
+        <a:prstGeom prst="roundRect">
+          <a:avLst/>
+        </a:prstGeom>
+        <a:solidFill>
+          <a:schemeClr val="accent1">
+            <a:hueOff val="0"/>
+            <a:satOff val="0"/>
+            <a:lumOff val="0"/>
+            <a:alphaOff val="0"/>
+          </a:schemeClr>
+        </a:solidFill>
+        <a:ln w="12700" cap="flat" cmpd="sng" algn="ctr">
+          <a:solidFill>
+            <a:schemeClr val="lt1">
+              <a:hueOff val="0"/>
+              <a:satOff val="0"/>
+              <a:lumOff val="0"/>
+              <a:alphaOff val="0"/>
+            </a:schemeClr>
+          </a:solidFill>
+          <a:prstDash val="solid"/>
+          <a:miter lim="800000"/>
+        </a:ln>
+        <a:effectLst/>
+      </dsp:spPr>
+      <dsp:style>
+        <a:lnRef idx="2">
+          <a:scrgbClr r="0" g="0" b="0"/>
+        </a:lnRef>
+        <a:fillRef idx="1">
+          <a:scrgbClr r="0" g="0" b="0"/>
+        </a:fillRef>
+        <a:effectRef idx="0">
+          <a:scrgbClr r="0" g="0" b="0"/>
+        </a:effectRef>
+        <a:fontRef idx="minor">
+          <a:schemeClr val="lt1"/>
+        </a:fontRef>
+      </dsp:style>
+      <dsp:txBody>
+        <a:bodyPr spcFirstLastPara="0" vert="horz" wrap="square" lIns="68580" tIns="68580" rIns="68580" bIns="68580" numCol="1" spcCol="1270" anchor="ctr" anchorCtr="0">
+          <a:noAutofit/>
+        </a:bodyPr>
+        <a:lstStyle/>
+        <a:p>
+          <a:pPr marL="0" lvl="0" indent="0" algn="l" defTabSz="800100">
+            <a:lnSpc>
+              <a:spcPct val="90000"/>
+            </a:lnSpc>
+            <a:spcBef>
+              <a:spcPct val="0"/>
+            </a:spcBef>
+            <a:spcAft>
+              <a:spcPct val="35000"/>
+            </a:spcAft>
+            <a:buNone/>
+          </a:pPr>
+          <a:r>
+            <a:rPr lang="de-AT" sz="1800" kern="1200" dirty="0"/>
+            <a:t>Testen abgeschlossen (Soll: 7.6.2022)</a:t>
+          </a:r>
+        </a:p>
+      </dsp:txBody>
+      <dsp:txXfrm>
+        <a:off x="21075" y="2461505"/>
+        <a:ext cx="6443763" cy="389580"/>
+      </dsp:txXfrm>
+    </dsp:sp>
+    <dsp:sp modelId="{D1300371-36FF-4C6B-8D52-8F175D5C1A0D}">
+      <dsp:nvSpPr>
+        <dsp:cNvPr id="0" name=""/>
+        <dsp:cNvSpPr/>
+      </dsp:nvSpPr>
+      <dsp:spPr>
+        <a:xfrm>
+          <a:off x="0" y="2924000"/>
+          <a:ext cx="6485913" cy="431730"/>
+        </a:xfrm>
+        <a:prstGeom prst="roundRect">
+          <a:avLst/>
+        </a:prstGeom>
+        <a:solidFill>
+          <a:schemeClr val="accent1">
+            <a:hueOff val="0"/>
+            <a:satOff val="0"/>
+            <a:lumOff val="0"/>
+            <a:alphaOff val="0"/>
+          </a:schemeClr>
+        </a:solidFill>
+        <a:ln w="12700" cap="flat" cmpd="sng" algn="ctr">
+          <a:solidFill>
+            <a:schemeClr val="lt1">
+              <a:hueOff val="0"/>
+              <a:satOff val="0"/>
+              <a:lumOff val="0"/>
+              <a:alphaOff val="0"/>
+            </a:schemeClr>
+          </a:solidFill>
+          <a:prstDash val="solid"/>
+          <a:miter lim="800000"/>
+        </a:ln>
+        <a:effectLst/>
+      </dsp:spPr>
+      <dsp:style>
+        <a:lnRef idx="2">
+          <a:scrgbClr r="0" g="0" b="0"/>
+        </a:lnRef>
+        <a:fillRef idx="1">
+          <a:scrgbClr r="0" g="0" b="0"/>
+        </a:fillRef>
+        <a:effectRef idx="0">
+          <a:scrgbClr r="0" g="0" b="0"/>
+        </a:effectRef>
+        <a:fontRef idx="minor">
+          <a:schemeClr val="lt1"/>
+        </a:fontRef>
+      </dsp:style>
+      <dsp:txBody>
+        <a:bodyPr spcFirstLastPara="0" vert="horz" wrap="square" lIns="68580" tIns="68580" rIns="68580" bIns="68580" numCol="1" spcCol="1270" anchor="ctr" anchorCtr="0">
+          <a:noAutofit/>
+        </a:bodyPr>
+        <a:lstStyle/>
+        <a:p>
+          <a:pPr marL="0" lvl="0" indent="0" algn="l" defTabSz="800100">
+            <a:lnSpc>
+              <a:spcPct val="90000"/>
+            </a:lnSpc>
+            <a:spcBef>
+              <a:spcPct val="0"/>
+            </a:spcBef>
+            <a:spcAft>
+              <a:spcPct val="35000"/>
+            </a:spcAft>
+            <a:buNone/>
+          </a:pPr>
+          <a:r>
+            <a:rPr lang="de-AT" sz="1800" kern="1200" dirty="0"/>
+            <a:t>Projekt abgeschlossen (Soll: 7.6.2022)</a:t>
+          </a:r>
+        </a:p>
+      </dsp:txBody>
+      <dsp:txXfrm>
+        <a:off x="21075" y="2945075"/>
+        <a:ext cx="6443763" cy="389580"/>
       </dsp:txXfrm>
     </dsp:sp>
   </dsp:spTree>
 </dsp:drawing>
 </file>
 
-<file path=ppt/diagrams/drawing4.xml><?xml version="1.0" encoding="utf-8"?>
+<file path=ppt/diagrams/drawing5.xml><?xml version="1.0" encoding="utf-8"?>
 <dsp:drawing xmlns:dgm="http://schemas.openxmlformats.org/drawingml/2006/diagram" xmlns:dsp="http://schemas.microsoft.com/office/drawing/2008/diagram" xmlns:a="http://schemas.openxmlformats.org/drawingml/2006/main">
   <dsp:spTree>
     <dsp:nvGrpSpPr>
@@ -11575,6 +13021,173 @@
 </file>
 
 <file path=ppt/diagrams/layout4.xml><?xml version="1.0" encoding="utf-8"?>
+<dgm:layoutDef xmlns:dgm="http://schemas.openxmlformats.org/drawingml/2006/diagram" xmlns:a="http://schemas.openxmlformats.org/drawingml/2006/main" uniqueId="urn:microsoft.com/office/officeart/2005/8/layout/vList2">
+  <dgm:title val=""/>
+  <dgm:desc val=""/>
+  <dgm:catLst>
+    <dgm:cat type="list" pri="3000"/>
+    <dgm:cat type="convert" pri="1000"/>
+  </dgm:catLst>
+  <dgm:sampData>
+    <dgm:dataModel>
+      <dgm:ptLst>
+        <dgm:pt modelId="0" type="doc"/>
+        <dgm:pt modelId="1">
+          <dgm:prSet phldr="1"/>
+        </dgm:pt>
+        <dgm:pt modelId="11">
+          <dgm:prSet phldr="1"/>
+        </dgm:pt>
+        <dgm:pt modelId="2">
+          <dgm:prSet phldr="1"/>
+        </dgm:pt>
+        <dgm:pt modelId="21">
+          <dgm:prSet phldr="1"/>
+        </dgm:pt>
+      </dgm:ptLst>
+      <dgm:cxnLst>
+        <dgm:cxn modelId="4" srcId="0" destId="1" srcOrd="0" destOrd="0"/>
+        <dgm:cxn modelId="5" srcId="0" destId="2" srcOrd="1" destOrd="0"/>
+        <dgm:cxn modelId="12" srcId="1" destId="11" srcOrd="0" destOrd="0"/>
+        <dgm:cxn modelId="23" srcId="2" destId="21" srcOrd="0" destOrd="0"/>
+      </dgm:cxnLst>
+      <dgm:bg/>
+      <dgm:whole/>
+    </dgm:dataModel>
+  </dgm:sampData>
+  <dgm:styleData>
+    <dgm:dataModel>
+      <dgm:ptLst>
+        <dgm:pt modelId="0" type="doc"/>
+        <dgm:pt modelId="1"/>
+        <dgm:pt modelId="2"/>
+      </dgm:ptLst>
+      <dgm:cxnLst>
+        <dgm:cxn modelId="3" srcId="0" destId="1" srcOrd="0" destOrd="0"/>
+        <dgm:cxn modelId="4" srcId="0" destId="2" srcOrd="1" destOrd="0"/>
+      </dgm:cxnLst>
+      <dgm:bg/>
+      <dgm:whole/>
+    </dgm:dataModel>
+  </dgm:styleData>
+  <dgm:clrData>
+    <dgm:dataModel>
+      <dgm:ptLst>
+        <dgm:pt modelId="0" type="doc"/>
+        <dgm:pt modelId="1"/>
+        <dgm:pt modelId="2"/>
+        <dgm:pt modelId="3"/>
+        <dgm:pt modelId="4"/>
+      </dgm:ptLst>
+      <dgm:cxnLst>
+        <dgm:cxn modelId="5" srcId="0" destId="1" srcOrd="0" destOrd="0"/>
+        <dgm:cxn modelId="6" srcId="0" destId="2" srcOrd="1" destOrd="0"/>
+        <dgm:cxn modelId="7" srcId="0" destId="3" srcOrd="2" destOrd="0"/>
+        <dgm:cxn modelId="8" srcId="0" destId="4" srcOrd="3" destOrd="0"/>
+      </dgm:cxnLst>
+      <dgm:bg/>
+      <dgm:whole/>
+    </dgm:dataModel>
+  </dgm:clrData>
+  <dgm:layoutNode name="linear">
+    <dgm:varLst>
+      <dgm:animLvl val="lvl"/>
+      <dgm:resizeHandles val="exact"/>
+    </dgm:varLst>
+    <dgm:alg type="lin">
+      <dgm:param type="linDir" val="fromT"/>
+      <dgm:param type="vertAlign" val="mid"/>
+    </dgm:alg>
+    <dgm:shape xmlns:r="http://schemas.openxmlformats.org/officeDocument/2006/relationships" r:blip="">
+      <dgm:adjLst/>
+    </dgm:shape>
+    <dgm:presOf/>
+    <dgm:constrLst>
+      <dgm:constr type="w" for="ch" forName="parentText" refType="w"/>
+      <dgm:constr type="h" for="ch" forName="parentText" refType="primFontSz" refFor="ch" refForName="parentText" fact="0.52"/>
+      <dgm:constr type="w" for="ch" forName="childText" refType="w"/>
+      <dgm:constr type="h" for="ch" forName="childText" refType="primFontSz" refFor="ch" refForName="parentText" fact="0.46"/>
+      <dgm:constr type="h" for="ch" forName="parentText" op="equ"/>
+      <dgm:constr type="primFontSz" for="ch" forName="parentText" op="equ" val="65"/>
+      <dgm:constr type="primFontSz" for="ch" forName="childText" refType="primFontSz" refFor="ch" refForName="parentText" op="equ"/>
+      <dgm:constr type="h" for="ch" forName="spacer" refType="primFontSz" refFor="ch" refForName="parentText" fact="0.08"/>
+    </dgm:constrLst>
+    <dgm:ruleLst>
+      <dgm:rule type="primFontSz" for="ch" forName="parentText" val="5" fact="NaN" max="NaN"/>
+    </dgm:ruleLst>
+    <dgm:forEach name="Name0" axis="ch" ptType="node">
+      <dgm:layoutNode name="parentText" styleLbl="node1">
+        <dgm:varLst>
+          <dgm:chMax val="0"/>
+          <dgm:bulletEnabled val="1"/>
+        </dgm:varLst>
+        <dgm:alg type="tx">
+          <dgm:param type="parTxLTRAlign" val="l"/>
+          <dgm:param type="parTxRTLAlign" val="r"/>
+        </dgm:alg>
+        <dgm:shape xmlns:r="http://schemas.openxmlformats.org/officeDocument/2006/relationships" type="roundRect" r:blip="">
+          <dgm:adjLst/>
+        </dgm:shape>
+        <dgm:presOf axis="self"/>
+        <dgm:constrLst>
+          <dgm:constr type="tMarg" refType="primFontSz" fact="0.3"/>
+          <dgm:constr type="bMarg" refType="primFontSz" fact="0.3"/>
+          <dgm:constr type="lMarg" refType="primFontSz" fact="0.3"/>
+          <dgm:constr type="rMarg" refType="primFontSz" fact="0.3"/>
+        </dgm:constrLst>
+        <dgm:ruleLst>
+          <dgm:rule type="h" val="INF" fact="NaN" max="NaN"/>
+        </dgm:ruleLst>
+      </dgm:layoutNode>
+      <dgm:choose name="Name1">
+        <dgm:if name="Name2" axis="ch" ptType="node" func="cnt" op="gte" val="1">
+          <dgm:layoutNode name="childText" styleLbl="revTx">
+            <dgm:varLst>
+              <dgm:bulletEnabled val="1"/>
+            </dgm:varLst>
+            <dgm:alg type="tx">
+              <dgm:param type="stBulletLvl" val="1"/>
+              <dgm:param type="lnSpAfChP" val="20"/>
+            </dgm:alg>
+            <dgm:shape xmlns:r="http://schemas.openxmlformats.org/officeDocument/2006/relationships" type="rect" r:blip="">
+              <dgm:adjLst/>
+            </dgm:shape>
+            <dgm:presOf axis="des" ptType="node"/>
+            <dgm:constrLst>
+              <dgm:constr type="tMarg" refType="primFontSz" fact="0.1"/>
+              <dgm:constr type="bMarg" refType="primFontSz" fact="0.1"/>
+              <dgm:constr type="lMarg" refType="w" fact="0.09"/>
+            </dgm:constrLst>
+            <dgm:ruleLst>
+              <dgm:rule type="h" val="INF" fact="NaN" max="NaN"/>
+            </dgm:ruleLst>
+          </dgm:layoutNode>
+        </dgm:if>
+        <dgm:else name="Name3">
+          <dgm:choose name="Name4">
+            <dgm:if name="Name5" axis="par ch" ptType="doc node" func="cnt" op="gte" val="2">
+              <dgm:forEach name="Name6" axis="followSib" ptType="sibTrans" cnt="1">
+                <dgm:layoutNode name="spacer">
+                  <dgm:alg type="sp"/>
+                  <dgm:shape xmlns:r="http://schemas.openxmlformats.org/officeDocument/2006/relationships" r:blip="">
+                    <dgm:adjLst/>
+                  </dgm:shape>
+                  <dgm:presOf/>
+                  <dgm:constrLst/>
+                  <dgm:ruleLst/>
+                </dgm:layoutNode>
+              </dgm:forEach>
+            </dgm:if>
+            <dgm:else name="Name7"/>
+          </dgm:choose>
+        </dgm:else>
+      </dgm:choose>
+    </dgm:forEach>
+  </dgm:layoutNode>
+</dgm:layoutDef>
+</file>
+
+<file path=ppt/diagrams/layout5.xml><?xml version="1.0" encoding="utf-8"?>
 <dgm:layoutDef xmlns:dgm="http://schemas.openxmlformats.org/drawingml/2006/diagram" xmlns:a="http://schemas.openxmlformats.org/drawingml/2006/main" uniqueId="urn:microsoft.com/office/officeart/2005/8/layout/lProcess1">
   <dgm:title val=""/>
   <dgm:desc val=""/>
@@ -14939,6 +16552,1040 @@
 </file>
 
 <file path=ppt/diagrams/quickStyle4.xml><?xml version="1.0" encoding="utf-8"?>
+<dgm:styleDef xmlns:dgm="http://schemas.openxmlformats.org/drawingml/2006/diagram" xmlns:a="http://schemas.openxmlformats.org/drawingml/2006/main" uniqueId="urn:microsoft.com/office/officeart/2005/8/quickstyle/simple1">
+  <dgm:title val=""/>
+  <dgm:desc val=""/>
+  <dgm:catLst>
+    <dgm:cat type="simple" pri="10100"/>
+  </dgm:catLst>
+  <dgm:scene3d>
+    <a:camera prst="orthographicFront"/>
+    <a:lightRig rig="threePt" dir="t"/>
+  </dgm:scene3d>
+  <dgm:styleLbl name="node0">
+    <dgm:scene3d>
+      <a:camera prst="orthographicFront"/>
+      <a:lightRig rig="threePt" dir="t"/>
+    </dgm:scene3d>
+    <dgm:sp3d/>
+    <dgm:txPr/>
+    <dgm:style>
+      <a:lnRef idx="2">
+        <a:scrgbClr r="0" g="0" b="0"/>
+      </a:lnRef>
+      <a:fillRef idx="1">
+        <a:scrgbClr r="0" g="0" b="0"/>
+      </a:fillRef>
+      <a:effectRef idx="0">
+        <a:scrgbClr r="0" g="0" b="0"/>
+      </a:effectRef>
+      <a:fontRef idx="minor">
+        <a:schemeClr val="lt1"/>
+      </a:fontRef>
+    </dgm:style>
+  </dgm:styleLbl>
+  <dgm:styleLbl name="lnNode1">
+    <dgm:scene3d>
+      <a:camera prst="orthographicFront"/>
+      <a:lightRig rig="threePt" dir="t"/>
+    </dgm:scene3d>
+    <dgm:sp3d/>
+    <dgm:txPr/>
+    <dgm:style>
+      <a:lnRef idx="2">
+        <a:scrgbClr r="0" g="0" b="0"/>
+      </a:lnRef>
+      <a:fillRef idx="1">
+        <a:scrgbClr r="0" g="0" b="0"/>
+      </a:fillRef>
+      <a:effectRef idx="0">
+        <a:scrgbClr r="0" g="0" b="0"/>
+      </a:effectRef>
+      <a:fontRef idx="minor">
+        <a:schemeClr val="lt1"/>
+      </a:fontRef>
+    </dgm:style>
+  </dgm:styleLbl>
+  <dgm:styleLbl name="vennNode1">
+    <dgm:scene3d>
+      <a:camera prst="orthographicFront"/>
+      <a:lightRig rig="threePt" dir="t"/>
+    </dgm:scene3d>
+    <dgm:sp3d/>
+    <dgm:txPr/>
+    <dgm:style>
+      <a:lnRef idx="2">
+        <a:scrgbClr r="0" g="0" b="0"/>
+      </a:lnRef>
+      <a:fillRef idx="1">
+        <a:scrgbClr r="0" g="0" b="0"/>
+      </a:fillRef>
+      <a:effectRef idx="0">
+        <a:scrgbClr r="0" g="0" b="0"/>
+      </a:effectRef>
+      <a:fontRef idx="minor">
+        <a:schemeClr val="tx1"/>
+      </a:fontRef>
+    </dgm:style>
+  </dgm:styleLbl>
+  <dgm:styleLbl name="alignNode1">
+    <dgm:scene3d>
+      <a:camera prst="orthographicFront"/>
+      <a:lightRig rig="threePt" dir="t"/>
+    </dgm:scene3d>
+    <dgm:sp3d/>
+    <dgm:txPr/>
+    <dgm:style>
+      <a:lnRef idx="2">
+        <a:scrgbClr r="0" g="0" b="0"/>
+      </a:lnRef>
+      <a:fillRef idx="1">
+        <a:scrgbClr r="0" g="0" b="0"/>
+      </a:fillRef>
+      <a:effectRef idx="0">
+        <a:scrgbClr r="0" g="0" b="0"/>
+      </a:effectRef>
+      <a:fontRef idx="minor">
+        <a:schemeClr val="lt1"/>
+      </a:fontRef>
+    </dgm:style>
+  </dgm:styleLbl>
+  <dgm:styleLbl name="node1">
+    <dgm:scene3d>
+      <a:camera prst="orthographicFront"/>
+      <a:lightRig rig="threePt" dir="t"/>
+    </dgm:scene3d>
+    <dgm:sp3d/>
+    <dgm:txPr/>
+    <dgm:style>
+      <a:lnRef idx="2">
+        <a:scrgbClr r="0" g="0" b="0"/>
+      </a:lnRef>
+      <a:fillRef idx="1">
+        <a:scrgbClr r="0" g="0" b="0"/>
+      </a:fillRef>
+      <a:effectRef idx="0">
+        <a:scrgbClr r="0" g="0" b="0"/>
+      </a:effectRef>
+      <a:fontRef idx="minor">
+        <a:schemeClr val="lt1"/>
+      </a:fontRef>
+    </dgm:style>
+  </dgm:styleLbl>
+  <dgm:styleLbl name="node2">
+    <dgm:scene3d>
+      <a:camera prst="orthographicFront"/>
+      <a:lightRig rig="threePt" dir="t"/>
+    </dgm:scene3d>
+    <dgm:sp3d/>
+    <dgm:txPr/>
+    <dgm:style>
+      <a:lnRef idx="2">
+        <a:scrgbClr r="0" g="0" b="0"/>
+      </a:lnRef>
+      <a:fillRef idx="1">
+        <a:scrgbClr r="0" g="0" b="0"/>
+      </a:fillRef>
+      <a:effectRef idx="0">
+        <a:scrgbClr r="0" g="0" b="0"/>
+      </a:effectRef>
+      <a:fontRef idx="minor">
+        <a:schemeClr val="lt1"/>
+      </a:fontRef>
+    </dgm:style>
+  </dgm:styleLbl>
+  <dgm:styleLbl name="node3">
+    <dgm:scene3d>
+      <a:camera prst="orthographicFront"/>
+      <a:lightRig rig="threePt" dir="t"/>
+    </dgm:scene3d>
+    <dgm:sp3d/>
+    <dgm:txPr/>
+    <dgm:style>
+      <a:lnRef idx="2">
+        <a:scrgbClr r="0" g="0" b="0"/>
+      </a:lnRef>
+      <a:fillRef idx="1">
+        <a:scrgbClr r="0" g="0" b="0"/>
+      </a:fillRef>
+      <a:effectRef idx="0">
+        <a:scrgbClr r="0" g="0" b="0"/>
+      </a:effectRef>
+      <a:fontRef idx="minor">
+        <a:schemeClr val="lt1"/>
+      </a:fontRef>
+    </dgm:style>
+  </dgm:styleLbl>
+  <dgm:styleLbl name="node4">
+    <dgm:scene3d>
+      <a:camera prst="orthographicFront"/>
+      <a:lightRig rig="threePt" dir="t"/>
+    </dgm:scene3d>
+    <dgm:sp3d/>
+    <dgm:txPr/>
+    <dgm:style>
+      <a:lnRef idx="2">
+        <a:scrgbClr r="0" g="0" b="0"/>
+      </a:lnRef>
+      <a:fillRef idx="1">
+        <a:scrgbClr r="0" g="0" b="0"/>
+      </a:fillRef>
+      <a:effectRef idx="0">
+        <a:scrgbClr r="0" g="0" b="0"/>
+      </a:effectRef>
+      <a:fontRef idx="minor">
+        <a:schemeClr val="lt1"/>
+      </a:fontRef>
+    </dgm:style>
+  </dgm:styleLbl>
+  <dgm:styleLbl name="fgImgPlace1">
+    <dgm:scene3d>
+      <a:camera prst="orthographicFront"/>
+      <a:lightRig rig="threePt" dir="t"/>
+    </dgm:scene3d>
+    <dgm:sp3d/>
+    <dgm:txPr/>
+    <dgm:style>
+      <a:lnRef idx="2">
+        <a:scrgbClr r="0" g="0" b="0"/>
+      </a:lnRef>
+      <a:fillRef idx="1">
+        <a:scrgbClr r="0" g="0" b="0"/>
+      </a:fillRef>
+      <a:effectRef idx="0">
+        <a:scrgbClr r="0" g="0" b="0"/>
+      </a:effectRef>
+      <a:fontRef idx="minor"/>
+    </dgm:style>
+  </dgm:styleLbl>
+  <dgm:styleLbl name="alignImgPlace1">
+    <dgm:scene3d>
+      <a:camera prst="orthographicFront"/>
+      <a:lightRig rig="threePt" dir="t"/>
+    </dgm:scene3d>
+    <dgm:sp3d/>
+    <dgm:txPr/>
+    <dgm:style>
+      <a:lnRef idx="2">
+        <a:scrgbClr r="0" g="0" b="0"/>
+      </a:lnRef>
+      <a:fillRef idx="1">
+        <a:scrgbClr r="0" g="0" b="0"/>
+      </a:fillRef>
+      <a:effectRef idx="0">
+        <a:scrgbClr r="0" g="0" b="0"/>
+      </a:effectRef>
+      <a:fontRef idx="minor"/>
+    </dgm:style>
+  </dgm:styleLbl>
+  <dgm:styleLbl name="bgImgPlace1">
+    <dgm:scene3d>
+      <a:camera prst="orthographicFront"/>
+      <a:lightRig rig="threePt" dir="t"/>
+    </dgm:scene3d>
+    <dgm:sp3d/>
+    <dgm:txPr/>
+    <dgm:style>
+      <a:lnRef idx="2">
+        <a:scrgbClr r="0" g="0" b="0"/>
+      </a:lnRef>
+      <a:fillRef idx="1">
+        <a:scrgbClr r="0" g="0" b="0"/>
+      </a:fillRef>
+      <a:effectRef idx="0">
+        <a:scrgbClr r="0" g="0" b="0"/>
+      </a:effectRef>
+      <a:fontRef idx="minor"/>
+    </dgm:style>
+  </dgm:styleLbl>
+  <dgm:styleLbl name="sibTrans2D1">
+    <dgm:scene3d>
+      <a:camera prst="orthographicFront"/>
+      <a:lightRig rig="threePt" dir="t"/>
+    </dgm:scene3d>
+    <dgm:sp3d/>
+    <dgm:txPr/>
+    <dgm:style>
+      <a:lnRef idx="0">
+        <a:scrgbClr r="0" g="0" b="0"/>
+      </a:lnRef>
+      <a:fillRef idx="1">
+        <a:scrgbClr r="0" g="0" b="0"/>
+      </a:fillRef>
+      <a:effectRef idx="0">
+        <a:scrgbClr r="0" g="0" b="0"/>
+      </a:effectRef>
+      <a:fontRef idx="minor">
+        <a:schemeClr val="lt1"/>
+      </a:fontRef>
+    </dgm:style>
+  </dgm:styleLbl>
+  <dgm:styleLbl name="fgSibTrans2D1">
+    <dgm:scene3d>
+      <a:camera prst="orthographicFront"/>
+      <a:lightRig rig="threePt" dir="t"/>
+    </dgm:scene3d>
+    <dgm:sp3d/>
+    <dgm:txPr/>
+    <dgm:style>
+      <a:lnRef idx="0">
+        <a:scrgbClr r="0" g="0" b="0"/>
+      </a:lnRef>
+      <a:fillRef idx="1">
+        <a:scrgbClr r="0" g="0" b="0"/>
+      </a:fillRef>
+      <a:effectRef idx="0">
+        <a:scrgbClr r="0" g="0" b="0"/>
+      </a:effectRef>
+      <a:fontRef idx="minor">
+        <a:schemeClr val="lt1"/>
+      </a:fontRef>
+    </dgm:style>
+  </dgm:styleLbl>
+  <dgm:styleLbl name="bgSibTrans2D1">
+    <dgm:scene3d>
+      <a:camera prst="orthographicFront"/>
+      <a:lightRig rig="threePt" dir="t"/>
+    </dgm:scene3d>
+    <dgm:sp3d/>
+    <dgm:txPr/>
+    <dgm:style>
+      <a:lnRef idx="0">
+        <a:scrgbClr r="0" g="0" b="0"/>
+      </a:lnRef>
+      <a:fillRef idx="1">
+        <a:scrgbClr r="0" g="0" b="0"/>
+      </a:fillRef>
+      <a:effectRef idx="0">
+        <a:scrgbClr r="0" g="0" b="0"/>
+      </a:effectRef>
+      <a:fontRef idx="minor">
+        <a:schemeClr val="lt1"/>
+      </a:fontRef>
+    </dgm:style>
+  </dgm:styleLbl>
+  <dgm:styleLbl name="sibTrans1D1">
+    <dgm:scene3d>
+      <a:camera prst="orthographicFront"/>
+      <a:lightRig rig="threePt" dir="t"/>
+    </dgm:scene3d>
+    <dgm:sp3d/>
+    <dgm:txPr/>
+    <dgm:style>
+      <a:lnRef idx="1">
+        <a:scrgbClr r="0" g="0" b="0"/>
+      </a:lnRef>
+      <a:fillRef idx="0">
+        <a:scrgbClr r="0" g="0" b="0"/>
+      </a:fillRef>
+      <a:effectRef idx="0">
+        <a:scrgbClr r="0" g="0" b="0"/>
+      </a:effectRef>
+      <a:fontRef idx="minor"/>
+    </dgm:style>
+  </dgm:styleLbl>
+  <dgm:styleLbl name="callout">
+    <dgm:scene3d>
+      <a:camera prst="orthographicFront"/>
+      <a:lightRig rig="threePt" dir="t"/>
+    </dgm:scene3d>
+    <dgm:sp3d/>
+    <dgm:txPr/>
+    <dgm:style>
+      <a:lnRef idx="2">
+        <a:scrgbClr r="0" g="0" b="0"/>
+      </a:lnRef>
+      <a:fillRef idx="1">
+        <a:scrgbClr r="0" g="0" b="0"/>
+      </a:fillRef>
+      <a:effectRef idx="0">
+        <a:scrgbClr r="0" g="0" b="0"/>
+      </a:effectRef>
+      <a:fontRef idx="minor"/>
+    </dgm:style>
+  </dgm:styleLbl>
+  <dgm:styleLbl name="asst0">
+    <dgm:scene3d>
+      <a:camera prst="orthographicFront"/>
+      <a:lightRig rig="threePt" dir="t"/>
+    </dgm:scene3d>
+    <dgm:sp3d/>
+    <dgm:txPr/>
+    <dgm:style>
+      <a:lnRef idx="2">
+        <a:scrgbClr r="0" g="0" b="0"/>
+      </a:lnRef>
+      <a:fillRef idx="1">
+        <a:scrgbClr r="0" g="0" b="0"/>
+      </a:fillRef>
+      <a:effectRef idx="0">
+        <a:scrgbClr r="0" g="0" b="0"/>
+      </a:effectRef>
+      <a:fontRef idx="minor">
+        <a:schemeClr val="lt1"/>
+      </a:fontRef>
+    </dgm:style>
+  </dgm:styleLbl>
+  <dgm:styleLbl name="asst1">
+    <dgm:scene3d>
+      <a:camera prst="orthographicFront"/>
+      <a:lightRig rig="threePt" dir="t"/>
+    </dgm:scene3d>
+    <dgm:sp3d/>
+    <dgm:txPr/>
+    <dgm:style>
+      <a:lnRef idx="2">
+        <a:scrgbClr r="0" g="0" b="0"/>
+      </a:lnRef>
+      <a:fillRef idx="1">
+        <a:scrgbClr r="0" g="0" b="0"/>
+      </a:fillRef>
+      <a:effectRef idx="0">
+        <a:scrgbClr r="0" g="0" b="0"/>
+      </a:effectRef>
+      <a:fontRef idx="minor">
+        <a:schemeClr val="lt1"/>
+      </a:fontRef>
+    </dgm:style>
+  </dgm:styleLbl>
+  <dgm:styleLbl name="asst2">
+    <dgm:scene3d>
+      <a:camera prst="orthographicFront"/>
+      <a:lightRig rig="threePt" dir="t"/>
+    </dgm:scene3d>
+    <dgm:sp3d/>
+    <dgm:txPr/>
+    <dgm:style>
+      <a:lnRef idx="2">
+        <a:scrgbClr r="0" g="0" b="0"/>
+      </a:lnRef>
+      <a:fillRef idx="1">
+        <a:scrgbClr r="0" g="0" b="0"/>
+      </a:fillRef>
+      <a:effectRef idx="0">
+        <a:scrgbClr r="0" g="0" b="0"/>
+      </a:effectRef>
+      <a:fontRef idx="minor">
+        <a:schemeClr val="lt1"/>
+      </a:fontRef>
+    </dgm:style>
+  </dgm:styleLbl>
+  <dgm:styleLbl name="asst3">
+    <dgm:scene3d>
+      <a:camera prst="orthographicFront"/>
+      <a:lightRig rig="threePt" dir="t"/>
+    </dgm:scene3d>
+    <dgm:sp3d/>
+    <dgm:txPr/>
+    <dgm:style>
+      <a:lnRef idx="2">
+        <a:scrgbClr r="0" g="0" b="0"/>
+      </a:lnRef>
+      <a:fillRef idx="1">
+        <a:scrgbClr r="0" g="0" b="0"/>
+      </a:fillRef>
+      <a:effectRef idx="0">
+        <a:scrgbClr r="0" g="0" b="0"/>
+      </a:effectRef>
+      <a:fontRef idx="minor">
+        <a:schemeClr val="lt1"/>
+      </a:fontRef>
+    </dgm:style>
+  </dgm:styleLbl>
+  <dgm:styleLbl name="asst4">
+    <dgm:scene3d>
+      <a:camera prst="orthographicFront"/>
+      <a:lightRig rig="threePt" dir="t"/>
+    </dgm:scene3d>
+    <dgm:sp3d/>
+    <dgm:txPr/>
+    <dgm:style>
+      <a:lnRef idx="2">
+        <a:scrgbClr r="0" g="0" b="0"/>
+      </a:lnRef>
+      <a:fillRef idx="1">
+        <a:scrgbClr r="0" g="0" b="0"/>
+      </a:fillRef>
+      <a:effectRef idx="0">
+        <a:scrgbClr r="0" g="0" b="0"/>
+      </a:effectRef>
+      <a:fontRef idx="minor">
+        <a:schemeClr val="lt1"/>
+      </a:fontRef>
+    </dgm:style>
+  </dgm:styleLbl>
+  <dgm:styleLbl name="parChTrans2D1">
+    <dgm:scene3d>
+      <a:camera prst="orthographicFront"/>
+      <a:lightRig rig="threePt" dir="t"/>
+    </dgm:scene3d>
+    <dgm:sp3d/>
+    <dgm:txPr/>
+    <dgm:style>
+      <a:lnRef idx="2">
+        <a:scrgbClr r="0" g="0" b="0"/>
+      </a:lnRef>
+      <a:fillRef idx="1">
+        <a:scrgbClr r="0" g="0" b="0"/>
+      </a:fillRef>
+      <a:effectRef idx="0">
+        <a:scrgbClr r="0" g="0" b="0"/>
+      </a:effectRef>
+      <a:fontRef idx="minor">
+        <a:schemeClr val="lt1"/>
+      </a:fontRef>
+    </dgm:style>
+  </dgm:styleLbl>
+  <dgm:styleLbl name="parChTrans2D2">
+    <dgm:scene3d>
+      <a:camera prst="orthographicFront"/>
+      <a:lightRig rig="threePt" dir="t"/>
+    </dgm:scene3d>
+    <dgm:sp3d/>
+    <dgm:txPr/>
+    <dgm:style>
+      <a:lnRef idx="2">
+        <a:scrgbClr r="0" g="0" b="0"/>
+      </a:lnRef>
+      <a:fillRef idx="1">
+        <a:scrgbClr r="0" g="0" b="0"/>
+      </a:fillRef>
+      <a:effectRef idx="0">
+        <a:scrgbClr r="0" g="0" b="0"/>
+      </a:effectRef>
+      <a:fontRef idx="minor">
+        <a:schemeClr val="lt1"/>
+      </a:fontRef>
+    </dgm:style>
+  </dgm:styleLbl>
+  <dgm:styleLbl name="parChTrans2D3">
+    <dgm:scene3d>
+      <a:camera prst="orthographicFront"/>
+      <a:lightRig rig="threePt" dir="t"/>
+    </dgm:scene3d>
+    <dgm:sp3d/>
+    <dgm:txPr/>
+    <dgm:style>
+      <a:lnRef idx="2">
+        <a:scrgbClr r="0" g="0" b="0"/>
+      </a:lnRef>
+      <a:fillRef idx="1">
+        <a:scrgbClr r="0" g="0" b="0"/>
+      </a:fillRef>
+      <a:effectRef idx="0">
+        <a:scrgbClr r="0" g="0" b="0"/>
+      </a:effectRef>
+      <a:fontRef idx="minor">
+        <a:schemeClr val="lt1"/>
+      </a:fontRef>
+    </dgm:style>
+  </dgm:styleLbl>
+  <dgm:styleLbl name="parChTrans2D4">
+    <dgm:scene3d>
+      <a:camera prst="orthographicFront"/>
+      <a:lightRig rig="threePt" dir="t"/>
+    </dgm:scene3d>
+    <dgm:sp3d/>
+    <dgm:txPr/>
+    <dgm:style>
+      <a:lnRef idx="2">
+        <a:scrgbClr r="0" g="0" b="0"/>
+      </a:lnRef>
+      <a:fillRef idx="1">
+        <a:scrgbClr r="0" g="0" b="0"/>
+      </a:fillRef>
+      <a:effectRef idx="0">
+        <a:scrgbClr r="0" g="0" b="0"/>
+      </a:effectRef>
+      <a:fontRef idx="minor">
+        <a:schemeClr val="lt1"/>
+      </a:fontRef>
+    </dgm:style>
+  </dgm:styleLbl>
+  <dgm:styleLbl name="parChTrans1D1">
+    <dgm:scene3d>
+      <a:camera prst="orthographicFront"/>
+      <a:lightRig rig="threePt" dir="t"/>
+    </dgm:scene3d>
+    <dgm:sp3d/>
+    <dgm:txPr/>
+    <dgm:style>
+      <a:lnRef idx="2">
+        <a:scrgbClr r="0" g="0" b="0"/>
+      </a:lnRef>
+      <a:fillRef idx="0">
+        <a:scrgbClr r="0" g="0" b="0"/>
+      </a:fillRef>
+      <a:effectRef idx="0">
+        <a:scrgbClr r="0" g="0" b="0"/>
+      </a:effectRef>
+      <a:fontRef idx="minor"/>
+    </dgm:style>
+  </dgm:styleLbl>
+  <dgm:styleLbl name="parChTrans1D2">
+    <dgm:scene3d>
+      <a:camera prst="orthographicFront"/>
+      <a:lightRig rig="threePt" dir="t"/>
+    </dgm:scene3d>
+    <dgm:sp3d/>
+    <dgm:txPr/>
+    <dgm:style>
+      <a:lnRef idx="2">
+        <a:scrgbClr r="0" g="0" b="0"/>
+      </a:lnRef>
+      <a:fillRef idx="0">
+        <a:scrgbClr r="0" g="0" b="0"/>
+      </a:fillRef>
+      <a:effectRef idx="0">
+        <a:scrgbClr r="0" g="0" b="0"/>
+      </a:effectRef>
+      <a:fontRef idx="minor"/>
+    </dgm:style>
+  </dgm:styleLbl>
+  <dgm:styleLbl name="parChTrans1D3">
+    <dgm:scene3d>
+      <a:camera prst="orthographicFront"/>
+      <a:lightRig rig="threePt" dir="t"/>
+    </dgm:scene3d>
+    <dgm:sp3d/>
+    <dgm:txPr/>
+    <dgm:style>
+      <a:lnRef idx="2">
+        <a:scrgbClr r="0" g="0" b="0"/>
+      </a:lnRef>
+      <a:fillRef idx="0">
+        <a:scrgbClr r="0" g="0" b="0"/>
+      </a:fillRef>
+      <a:effectRef idx="0">
+        <a:scrgbClr r="0" g="0" b="0"/>
+      </a:effectRef>
+      <a:fontRef idx="minor"/>
+    </dgm:style>
+  </dgm:styleLbl>
+  <dgm:styleLbl name="parChTrans1D4">
+    <dgm:scene3d>
+      <a:camera prst="orthographicFront"/>
+      <a:lightRig rig="threePt" dir="t"/>
+    </dgm:scene3d>
+    <dgm:sp3d/>
+    <dgm:txPr/>
+    <dgm:style>
+      <a:lnRef idx="2">
+        <a:scrgbClr r="0" g="0" b="0"/>
+      </a:lnRef>
+      <a:fillRef idx="0">
+        <a:scrgbClr r="0" g="0" b="0"/>
+      </a:fillRef>
+      <a:effectRef idx="0">
+        <a:scrgbClr r="0" g="0" b="0"/>
+      </a:effectRef>
+      <a:fontRef idx="minor"/>
+    </dgm:style>
+  </dgm:styleLbl>
+  <dgm:styleLbl name="fgAcc1">
+    <dgm:scene3d>
+      <a:camera prst="orthographicFront"/>
+      <a:lightRig rig="threePt" dir="t"/>
+    </dgm:scene3d>
+    <dgm:sp3d/>
+    <dgm:txPr/>
+    <dgm:style>
+      <a:lnRef idx="2">
+        <a:scrgbClr r="0" g="0" b="0"/>
+      </a:lnRef>
+      <a:fillRef idx="1">
+        <a:scrgbClr r="0" g="0" b="0"/>
+      </a:fillRef>
+      <a:effectRef idx="0">
+        <a:scrgbClr r="0" g="0" b="0"/>
+      </a:effectRef>
+      <a:fontRef idx="minor"/>
+    </dgm:style>
+  </dgm:styleLbl>
+  <dgm:styleLbl name="conFgAcc1">
+    <dgm:scene3d>
+      <a:camera prst="orthographicFront"/>
+      <a:lightRig rig="threePt" dir="t"/>
+    </dgm:scene3d>
+    <dgm:sp3d/>
+    <dgm:txPr/>
+    <dgm:style>
+      <a:lnRef idx="2">
+        <a:scrgbClr r="0" g="0" b="0"/>
+      </a:lnRef>
+      <a:fillRef idx="1">
+        <a:scrgbClr r="0" g="0" b="0"/>
+      </a:fillRef>
+      <a:effectRef idx="0">
+        <a:scrgbClr r="0" g="0" b="0"/>
+      </a:effectRef>
+      <a:fontRef idx="minor"/>
+    </dgm:style>
+  </dgm:styleLbl>
+  <dgm:styleLbl name="alignAcc1">
+    <dgm:scene3d>
+      <a:camera prst="orthographicFront"/>
+      <a:lightRig rig="threePt" dir="t"/>
+    </dgm:scene3d>
+    <dgm:sp3d/>
+    <dgm:txPr/>
+    <dgm:style>
+      <a:lnRef idx="2">
+        <a:scrgbClr r="0" g="0" b="0"/>
+      </a:lnRef>
+      <a:fillRef idx="1">
+        <a:scrgbClr r="0" g="0" b="0"/>
+      </a:fillRef>
+      <a:effectRef idx="0">
+        <a:scrgbClr r="0" g="0" b="0"/>
+      </a:effectRef>
+      <a:fontRef idx="minor"/>
+    </dgm:style>
+  </dgm:styleLbl>
+  <dgm:styleLbl name="trAlignAcc1">
+    <dgm:scene3d>
+      <a:camera prst="orthographicFront"/>
+      <a:lightRig rig="threePt" dir="t"/>
+    </dgm:scene3d>
+    <dgm:sp3d/>
+    <dgm:txPr/>
+    <dgm:style>
+      <a:lnRef idx="1">
+        <a:scrgbClr r="0" g="0" b="0"/>
+      </a:lnRef>
+      <a:fillRef idx="1">
+        <a:scrgbClr r="0" g="0" b="0"/>
+      </a:fillRef>
+      <a:effectRef idx="0">
+        <a:scrgbClr r="0" g="0" b="0"/>
+      </a:effectRef>
+      <a:fontRef idx="minor"/>
+    </dgm:style>
+  </dgm:styleLbl>
+  <dgm:styleLbl name="bgAcc1">
+    <dgm:scene3d>
+      <a:camera prst="orthographicFront"/>
+      <a:lightRig rig="threePt" dir="t"/>
+    </dgm:scene3d>
+    <dgm:sp3d/>
+    <dgm:txPr/>
+    <dgm:style>
+      <a:lnRef idx="2">
+        <a:scrgbClr r="0" g="0" b="0"/>
+      </a:lnRef>
+      <a:fillRef idx="1">
+        <a:scrgbClr r="0" g="0" b="0"/>
+      </a:fillRef>
+      <a:effectRef idx="0">
+        <a:scrgbClr r="0" g="0" b="0"/>
+      </a:effectRef>
+      <a:fontRef idx="minor"/>
+    </dgm:style>
+  </dgm:styleLbl>
+  <dgm:styleLbl name="solidFgAcc1">
+    <dgm:scene3d>
+      <a:camera prst="orthographicFront"/>
+      <a:lightRig rig="threePt" dir="t"/>
+    </dgm:scene3d>
+    <dgm:sp3d/>
+    <dgm:txPr/>
+    <dgm:style>
+      <a:lnRef idx="2">
+        <a:scrgbClr r="0" g="0" b="0"/>
+      </a:lnRef>
+      <a:fillRef idx="1">
+        <a:scrgbClr r="0" g="0" b="0"/>
+      </a:fillRef>
+      <a:effectRef idx="0">
+        <a:scrgbClr r="0" g="0" b="0"/>
+      </a:effectRef>
+      <a:fontRef idx="minor"/>
+    </dgm:style>
+  </dgm:styleLbl>
+  <dgm:styleLbl name="solidAlignAcc1">
+    <dgm:scene3d>
+      <a:camera prst="orthographicFront"/>
+      <a:lightRig rig="threePt" dir="t"/>
+    </dgm:scene3d>
+    <dgm:sp3d/>
+    <dgm:txPr/>
+    <dgm:style>
+      <a:lnRef idx="2">
+        <a:scrgbClr r="0" g="0" b="0"/>
+      </a:lnRef>
+      <a:fillRef idx="1">
+        <a:scrgbClr r="0" g="0" b="0"/>
+      </a:fillRef>
+      <a:effectRef idx="0">
+        <a:scrgbClr r="0" g="0" b="0"/>
+      </a:effectRef>
+      <a:fontRef idx="minor"/>
+    </dgm:style>
+  </dgm:styleLbl>
+  <dgm:styleLbl name="solidBgAcc1">
+    <dgm:scene3d>
+      <a:camera prst="orthographicFront"/>
+      <a:lightRig rig="threePt" dir="t"/>
+    </dgm:scene3d>
+    <dgm:sp3d/>
+    <dgm:txPr/>
+    <dgm:style>
+      <a:lnRef idx="2">
+        <a:scrgbClr r="0" g="0" b="0"/>
+      </a:lnRef>
+      <a:fillRef idx="1">
+        <a:scrgbClr r="0" g="0" b="0"/>
+      </a:fillRef>
+      <a:effectRef idx="0">
+        <a:scrgbClr r="0" g="0" b="0"/>
+      </a:effectRef>
+      <a:fontRef idx="minor"/>
+    </dgm:style>
+  </dgm:styleLbl>
+  <dgm:styleLbl name="fgAccFollowNode1">
+    <dgm:scene3d>
+      <a:camera prst="orthographicFront"/>
+      <a:lightRig rig="threePt" dir="t"/>
+    </dgm:scene3d>
+    <dgm:sp3d/>
+    <dgm:txPr/>
+    <dgm:style>
+      <a:lnRef idx="2">
+        <a:scrgbClr r="0" g="0" b="0"/>
+      </a:lnRef>
+      <a:fillRef idx="1">
+        <a:scrgbClr r="0" g="0" b="0"/>
+      </a:fillRef>
+      <a:effectRef idx="0">
+        <a:scrgbClr r="0" g="0" b="0"/>
+      </a:effectRef>
+      <a:fontRef idx="minor"/>
+    </dgm:style>
+  </dgm:styleLbl>
+  <dgm:styleLbl name="alignAccFollowNode1">
+    <dgm:scene3d>
+      <a:camera prst="orthographicFront"/>
+      <a:lightRig rig="threePt" dir="t"/>
+    </dgm:scene3d>
+    <dgm:sp3d/>
+    <dgm:txPr/>
+    <dgm:style>
+      <a:lnRef idx="2">
+        <a:scrgbClr r="0" g="0" b="0"/>
+      </a:lnRef>
+      <a:fillRef idx="1">
+        <a:scrgbClr r="0" g="0" b="0"/>
+      </a:fillRef>
+      <a:effectRef idx="0">
+        <a:scrgbClr r="0" g="0" b="0"/>
+      </a:effectRef>
+      <a:fontRef idx="minor"/>
+    </dgm:style>
+  </dgm:styleLbl>
+  <dgm:styleLbl name="bgAccFollowNode1">
+    <dgm:scene3d>
+      <a:camera prst="orthographicFront"/>
+      <a:lightRig rig="threePt" dir="t"/>
+    </dgm:scene3d>
+    <dgm:sp3d/>
+    <dgm:txPr/>
+    <dgm:style>
+      <a:lnRef idx="2">
+        <a:scrgbClr r="0" g="0" b="0"/>
+      </a:lnRef>
+      <a:fillRef idx="1">
+        <a:scrgbClr r="0" g="0" b="0"/>
+      </a:fillRef>
+      <a:effectRef idx="0">
+        <a:scrgbClr r="0" g="0" b="0"/>
+      </a:effectRef>
+      <a:fontRef idx="minor"/>
+    </dgm:style>
+  </dgm:styleLbl>
+  <dgm:styleLbl name="fgAcc0">
+    <dgm:scene3d>
+      <a:camera prst="orthographicFront"/>
+      <a:lightRig rig="threePt" dir="t"/>
+    </dgm:scene3d>
+    <dgm:sp3d/>
+    <dgm:txPr/>
+    <dgm:style>
+      <a:lnRef idx="2">
+        <a:scrgbClr r="0" g="0" b="0"/>
+      </a:lnRef>
+      <a:fillRef idx="1">
+        <a:scrgbClr r="0" g="0" b="0"/>
+      </a:fillRef>
+      <a:effectRef idx="0">
+        <a:scrgbClr r="0" g="0" b="0"/>
+      </a:effectRef>
+      <a:fontRef idx="minor"/>
+    </dgm:style>
+  </dgm:styleLbl>
+  <dgm:styleLbl name="fgAcc2">
+    <dgm:scene3d>
+      <a:camera prst="orthographicFront"/>
+      <a:lightRig rig="threePt" dir="t"/>
+    </dgm:scene3d>
+    <dgm:sp3d/>
+    <dgm:txPr/>
+    <dgm:style>
+      <a:lnRef idx="2">
+        <a:scrgbClr r="0" g="0" b="0"/>
+      </a:lnRef>
+      <a:fillRef idx="1">
+        <a:scrgbClr r="0" g="0" b="0"/>
+      </a:fillRef>
+      <a:effectRef idx="0">
+        <a:scrgbClr r="0" g="0" b="0"/>
+      </a:effectRef>
+      <a:fontRef idx="minor"/>
+    </dgm:style>
+  </dgm:styleLbl>
+  <dgm:styleLbl name="fgAcc3">
+    <dgm:scene3d>
+      <a:camera prst="orthographicFront"/>
+      <a:lightRig rig="threePt" dir="t"/>
+    </dgm:scene3d>
+    <dgm:sp3d/>
+    <dgm:txPr/>
+    <dgm:style>
+      <a:lnRef idx="2">
+        <a:scrgbClr r="0" g="0" b="0"/>
+      </a:lnRef>
+      <a:fillRef idx="1">
+        <a:scrgbClr r="0" g="0" b="0"/>
+      </a:fillRef>
+      <a:effectRef idx="0">
+        <a:scrgbClr r="0" g="0" b="0"/>
+      </a:effectRef>
+      <a:fontRef idx="minor"/>
+    </dgm:style>
+  </dgm:styleLbl>
+  <dgm:styleLbl name="fgAcc4">
+    <dgm:scene3d>
+      <a:camera prst="orthographicFront"/>
+      <a:lightRig rig="threePt" dir="t"/>
+    </dgm:scene3d>
+    <dgm:sp3d/>
+    <dgm:txPr/>
+    <dgm:style>
+      <a:lnRef idx="2">
+        <a:scrgbClr r="0" g="0" b="0"/>
+      </a:lnRef>
+      <a:fillRef idx="1">
+        <a:scrgbClr r="0" g="0" b="0"/>
+      </a:fillRef>
+      <a:effectRef idx="0">
+        <a:scrgbClr r="0" g="0" b="0"/>
+      </a:effectRef>
+      <a:fontRef idx="minor"/>
+    </dgm:style>
+  </dgm:styleLbl>
+  <dgm:styleLbl name="bgShp">
+    <dgm:scene3d>
+      <a:camera prst="orthographicFront"/>
+      <a:lightRig rig="threePt" dir="t"/>
+    </dgm:scene3d>
+    <dgm:sp3d/>
+    <dgm:txPr/>
+    <dgm:style>
+      <a:lnRef idx="0">
+        <a:scrgbClr r="0" g="0" b="0"/>
+      </a:lnRef>
+      <a:fillRef idx="1">
+        <a:scrgbClr r="0" g="0" b="0"/>
+      </a:fillRef>
+      <a:effectRef idx="0">
+        <a:scrgbClr r="0" g="0" b="0"/>
+      </a:effectRef>
+      <a:fontRef idx="minor"/>
+    </dgm:style>
+  </dgm:styleLbl>
+  <dgm:styleLbl name="dkBgShp">
+    <dgm:scene3d>
+      <a:camera prst="orthographicFront"/>
+      <a:lightRig rig="threePt" dir="t"/>
+    </dgm:scene3d>
+    <dgm:sp3d/>
+    <dgm:txPr/>
+    <dgm:style>
+      <a:lnRef idx="0">
+        <a:scrgbClr r="0" g="0" b="0"/>
+      </a:lnRef>
+      <a:fillRef idx="1">
+        <a:scrgbClr r="0" g="0" b="0"/>
+      </a:fillRef>
+      <a:effectRef idx="0">
+        <a:scrgbClr r="0" g="0" b="0"/>
+      </a:effectRef>
+      <a:fontRef idx="minor"/>
+    </dgm:style>
+  </dgm:styleLbl>
+  <dgm:styleLbl name="trBgShp">
+    <dgm:scene3d>
+      <a:camera prst="orthographicFront"/>
+      <a:lightRig rig="threePt" dir="t"/>
+    </dgm:scene3d>
+    <dgm:sp3d/>
+    <dgm:txPr/>
+    <dgm:style>
+      <a:lnRef idx="0">
+        <a:scrgbClr r="0" g="0" b="0"/>
+      </a:lnRef>
+      <a:fillRef idx="1">
+        <a:scrgbClr r="0" g="0" b="0"/>
+      </a:fillRef>
+      <a:effectRef idx="0">
+        <a:scrgbClr r="0" g="0" b="0"/>
+      </a:effectRef>
+      <a:fontRef idx="minor"/>
+    </dgm:style>
+  </dgm:styleLbl>
+  <dgm:styleLbl name="fgShp">
+    <dgm:scene3d>
+      <a:camera prst="orthographicFront"/>
+      <a:lightRig rig="threePt" dir="t"/>
+    </dgm:scene3d>
+    <dgm:sp3d/>
+    <dgm:txPr/>
+    <dgm:style>
+      <a:lnRef idx="2">
+        <a:scrgbClr r="0" g="0" b="0"/>
+      </a:lnRef>
+      <a:fillRef idx="1">
+        <a:scrgbClr r="0" g="0" b="0"/>
+      </a:fillRef>
+      <a:effectRef idx="0">
+        <a:scrgbClr r="0" g="0" b="0"/>
+      </a:effectRef>
+      <a:fontRef idx="minor"/>
+    </dgm:style>
+  </dgm:styleLbl>
+  <dgm:styleLbl name="revTx">
+    <dgm:scene3d>
+      <a:camera prst="orthographicFront"/>
+      <a:lightRig rig="threePt" dir="t"/>
+    </dgm:scene3d>
+    <dgm:sp3d/>
+    <dgm:txPr/>
+    <dgm:style>
+      <a:lnRef idx="0">
+        <a:scrgbClr r="0" g="0" b="0"/>
+      </a:lnRef>
+      <a:fillRef idx="0">
+        <a:scrgbClr r="0" g="0" b="0"/>
+      </a:fillRef>
+      <a:effectRef idx="0">
+        <a:scrgbClr r="0" g="0" b="0"/>
+      </a:effectRef>
+      <a:fontRef idx="minor"/>
+    </dgm:style>
+  </dgm:styleLbl>
+</dgm:styleDef>
+</file>
+
+<file path=ppt/diagrams/quickStyle5.xml><?xml version="1.0" encoding="utf-8"?>
 <dgm:styleDef xmlns:dgm="http://schemas.openxmlformats.org/drawingml/2006/diagram" xmlns:a="http://schemas.openxmlformats.org/drawingml/2006/main" uniqueId="urn:microsoft.com/office/officeart/2005/8/quickstyle/simple1">
   <dgm:title val=""/>
   <dgm:desc val=""/>
@@ -17214,7 +19861,7 @@
             <a:pPr rtl="0"/>
             <a:fld id="{6DF8F48A-6110-47DA-8521-A1D1FFD22FEF}" type="slidenum">
               <a:rPr lang="de-DE" noProof="0" smtClean="0"/>
-              <a:t>6</a:t>
+              <a:t>7</a:t>
             </a:fld>
             <a:endParaRPr lang="de-DE" noProof="0" dirty="0"/>
           </a:p>
@@ -17378,7 +20025,7 @@
             <a:pPr rtl="0"/>
             <a:fld id="{6DF8F48A-6110-47DA-8521-A1D1FFD22FEF}" type="slidenum">
               <a:rPr lang="de-DE" smtClean="0"/>
-              <a:t>7</a:t>
+              <a:t>8</a:t>
             </a:fld>
             <a:endParaRPr lang="de-DE" dirty="0"/>
           </a:p>
@@ -17542,7 +20189,7 @@
             <a:pPr rtl="0"/>
             <a:fld id="{6DF8F48A-6110-47DA-8521-A1D1FFD22FEF}" type="slidenum">
               <a:rPr lang="de-DE" smtClean="0"/>
-              <a:t>8</a:t>
+              <a:t>9</a:t>
             </a:fld>
             <a:endParaRPr lang="de-DE" dirty="0"/>
           </a:p>
@@ -17628,7 +20275,7 @@
             <a:pPr rtl="0"/>
             <a:fld id="{6DF8F48A-6110-47DA-8521-A1D1FFD22FEF}" type="slidenum">
               <a:rPr lang="de-DE" smtClean="0"/>
-              <a:t>10</a:t>
+              <a:t>11</a:t>
             </a:fld>
             <a:endParaRPr lang="de-DE" dirty="0"/>
           </a:p>
@@ -21749,7 +24396,7 @@
             </a:fld>
             <a:r>
               <a:rPr lang="de-DE" noProof="0" dirty="0"/>
-              <a:t>/10</a:t>
+              <a:t>/11</a:t>
             </a:r>
           </a:p>
         </p:txBody>
@@ -21768,6 +24415,690 @@
 </file>
 
 <file path=ppt/slides/slide10.xml><?xml version="1.0" encoding="utf-8"?>
+<p:sld xmlns:a="http://schemas.openxmlformats.org/drawingml/2006/main" xmlns:r="http://schemas.openxmlformats.org/officeDocument/2006/relationships" xmlns:p="http://schemas.openxmlformats.org/presentationml/2006/main">
+  <p:cSld>
+    <p:spTree>
+      <p:nvGrpSpPr>
+        <p:cNvPr id="1" name=""/>
+        <p:cNvGrpSpPr/>
+        <p:nvPr/>
+      </p:nvGrpSpPr>
+      <p:grpSpPr>
+        <a:xfrm>
+          <a:off x="0" y="0"/>
+          <a:ext cx="0" cy="0"/>
+          <a:chOff x="0" y="0"/>
+          <a:chExt cx="0" cy="0"/>
+        </a:xfrm>
+      </p:grpSpPr>
+      <p:grpSp>
+        <p:nvGrpSpPr>
+          <p:cNvPr id="6" name="Gruppieren 5" descr="Dieses Bild ist eine abstrakte dekorative Form. ">
+            <a:extLst>
+              <a:ext uri="{FF2B5EF4-FFF2-40B4-BE49-F238E27FC236}">
+                <a16:creationId xmlns:a16="http://schemas.microsoft.com/office/drawing/2014/main" id="{9DEC23D1-06A0-429D-AC4E-A6406774741D}"/>
+              </a:ext>
+            </a:extLst>
+          </p:cNvPr>
+          <p:cNvGrpSpPr/>
+          <p:nvPr/>
+        </p:nvGrpSpPr>
+        <p:grpSpPr>
+          <a:xfrm rot="14841267">
+            <a:off x="8708118" y="-4736913"/>
+            <a:ext cx="8948964" cy="12105059"/>
+            <a:chOff x="4855953" y="-2833465"/>
+            <a:chExt cx="8948964" cy="12105059"/>
+          </a:xfrm>
+        </p:grpSpPr>
+        <p:sp>
+          <p:nvSpPr>
+            <p:cNvPr id="7" name="Freihandform 10">
+              <a:extLst>
+                <a:ext uri="{FF2B5EF4-FFF2-40B4-BE49-F238E27FC236}">
+                  <a16:creationId xmlns:a16="http://schemas.microsoft.com/office/drawing/2014/main" id="{1F848870-B74A-421D-89F0-067E1C1955A8}"/>
+                </a:ext>
+              </a:extLst>
+            </p:cNvPr>
+            <p:cNvSpPr>
+              <a:spLocks/>
+            </p:cNvSpPr>
+            <p:nvPr/>
+          </p:nvSpPr>
+          <p:spPr bwMode="auto">
+            <a:xfrm rot="9420272">
+              <a:off x="4855953" y="-2246936"/>
+              <a:ext cx="8673602" cy="11518530"/>
+            </a:xfrm>
+            <a:custGeom>
+              <a:avLst/>
+              <a:gdLst>
+                <a:gd name="T0" fmla="*/ 1166 w 2492"/>
+                <a:gd name="T1" fmla="*/ 2419 h 3315"/>
+                <a:gd name="T2" fmla="*/ 243 w 2492"/>
+                <a:gd name="T3" fmla="*/ 912 h 3315"/>
+                <a:gd name="T4" fmla="*/ 449 w 2492"/>
+                <a:gd name="T5" fmla="*/ 15 h 3315"/>
+                <a:gd name="T6" fmla="*/ 766 w 2492"/>
+                <a:gd name="T7" fmla="*/ 302 h 3315"/>
+                <a:gd name="T8" fmla="*/ 1651 w 2492"/>
+                <a:gd name="T9" fmla="*/ 481 h 3315"/>
+                <a:gd name="T10" fmla="*/ 2239 w 2492"/>
+                <a:gd name="T11" fmla="*/ 1238 h 3315"/>
+                <a:gd name="T12" fmla="*/ 2186 w 2492"/>
+                <a:gd name="T13" fmla="*/ 2201 h 3315"/>
+                <a:gd name="T14" fmla="*/ 2165 w 2492"/>
+                <a:gd name="T15" fmla="*/ 2928 h 3315"/>
+                <a:gd name="T16" fmla="*/ 1400 w 2492"/>
+                <a:gd name="T17" fmla="*/ 3100 h 3315"/>
+                <a:gd name="T18" fmla="*/ 1166 w 2492"/>
+                <a:gd name="T19" fmla="*/ 2419 h 3315"/>
+              </a:gdLst>
+              <a:ahLst/>
+              <a:cxnLst>
+                <a:cxn ang="0">
+                  <a:pos x="T0" y="T1"/>
+                </a:cxn>
+                <a:cxn ang="0">
+                  <a:pos x="T2" y="T3"/>
+                </a:cxn>
+                <a:cxn ang="0">
+                  <a:pos x="T4" y="T5"/>
+                </a:cxn>
+                <a:cxn ang="0">
+                  <a:pos x="T6" y="T7"/>
+                </a:cxn>
+                <a:cxn ang="0">
+                  <a:pos x="T8" y="T9"/>
+                </a:cxn>
+                <a:cxn ang="0">
+                  <a:pos x="T10" y="T11"/>
+                </a:cxn>
+                <a:cxn ang="0">
+                  <a:pos x="T12" y="T13"/>
+                </a:cxn>
+                <a:cxn ang="0">
+                  <a:pos x="T14" y="T15"/>
+                </a:cxn>
+                <a:cxn ang="0">
+                  <a:pos x="T16" y="T17"/>
+                </a:cxn>
+                <a:cxn ang="0">
+                  <a:pos x="T18" y="T19"/>
+                </a:cxn>
+              </a:cxnLst>
+              <a:rect l="0" t="0" r="r" b="b"/>
+              <a:pathLst>
+                <a:path w="2492" h="3315">
+                  <a:moveTo>
+                    <a:pt x="1166" y="2419"/>
+                  </a:moveTo>
+                  <a:cubicBezTo>
+                    <a:pt x="1505" y="1277"/>
+                    <a:pt x="486" y="1533"/>
+                    <a:pt x="243" y="912"/>
+                  </a:cubicBezTo>
+                  <a:cubicBezTo>
+                    <a:pt x="0" y="292"/>
+                    <a:pt x="291" y="31"/>
+                    <a:pt x="449" y="15"/>
+                  </a:cubicBezTo>
+                  <a:cubicBezTo>
+                    <a:pt x="607" y="0"/>
+                    <a:pt x="716" y="54"/>
+                    <a:pt x="766" y="302"/>
+                  </a:cubicBezTo>
+                  <a:cubicBezTo>
+                    <a:pt x="817" y="551"/>
+                    <a:pt x="1312" y="508"/>
+                    <a:pt x="1651" y="481"/>
+                  </a:cubicBezTo>
+                  <a:cubicBezTo>
+                    <a:pt x="1989" y="454"/>
+                    <a:pt x="2492" y="733"/>
+                    <a:pt x="2239" y="1238"/>
+                  </a:cubicBezTo>
+                  <a:cubicBezTo>
+                    <a:pt x="1986" y="1743"/>
+                    <a:pt x="2000" y="1716"/>
+                    <a:pt x="2186" y="2201"/>
+                  </a:cubicBezTo>
+                  <a:cubicBezTo>
+                    <a:pt x="2372" y="2685"/>
+                    <a:pt x="2165" y="2928"/>
+                    <a:pt x="2165" y="2928"/>
+                  </a:cubicBezTo>
+                  <a:cubicBezTo>
+                    <a:pt x="2165" y="2928"/>
+                    <a:pt x="1791" y="3315"/>
+                    <a:pt x="1400" y="3100"/>
+                  </a:cubicBezTo>
+                  <a:cubicBezTo>
+                    <a:pt x="1008" y="2885"/>
+                    <a:pt x="1166" y="2419"/>
+                    <a:pt x="1166" y="2419"/>
+                  </a:cubicBezTo>
+                  <a:close/>
+                </a:path>
+              </a:pathLst>
+            </a:custGeom>
+            <a:gradFill>
+              <a:gsLst>
+                <a:gs pos="0">
+                  <a:srgbClr val="80DEDE"/>
+                </a:gs>
+                <a:gs pos="53500">
+                  <a:srgbClr val="85C1E7"/>
+                </a:gs>
+                <a:gs pos="100000">
+                  <a:srgbClr val="878CFF"/>
+                </a:gs>
+              </a:gsLst>
+              <a:lin ang="5400000" scaled="1"/>
+            </a:gradFill>
+            <a:ln w="12700" cap="flat">
+              <a:noFill/>
+              <a:prstDash val="solid"/>
+              <a:miter lim="800000"/>
+              <a:headEnd/>
+              <a:tailEnd/>
+            </a:ln>
+          </p:spPr>
+          <p:txBody>
+            <a:bodyPr vert="horz" wrap="square" lIns="91440" tIns="45720" rIns="91440" bIns="45720" numCol="1" rtlCol="0" anchor="t" anchorCtr="0" compatLnSpc="1">
+              <a:prstTxWarp prst="textNoShape">
+                <a:avLst/>
+              </a:prstTxWarp>
+            </a:bodyPr>
+            <a:lstStyle/>
+            <a:p>
+              <a:pPr rtl="0"/>
+              <a:endParaRPr lang="de-DE" dirty="0"/>
+            </a:p>
+          </p:txBody>
+        </p:sp>
+        <p:sp>
+          <p:nvSpPr>
+            <p:cNvPr id="8" name="Freihandform 11">
+              <a:extLst>
+                <a:ext uri="{FF2B5EF4-FFF2-40B4-BE49-F238E27FC236}">
+                  <a16:creationId xmlns:a16="http://schemas.microsoft.com/office/drawing/2014/main" id="{2AE309DB-76E8-4519-928D-4F289DFEF4F7}"/>
+                </a:ext>
+              </a:extLst>
+            </p:cNvPr>
+            <p:cNvSpPr>
+              <a:spLocks/>
+            </p:cNvSpPr>
+            <p:nvPr/>
+          </p:nvSpPr>
+          <p:spPr bwMode="auto">
+            <a:xfrm rot="9420272">
+              <a:off x="5048022" y="-2833465"/>
+              <a:ext cx="8756895" cy="10755934"/>
+            </a:xfrm>
+            <a:custGeom>
+              <a:avLst/>
+              <a:gdLst>
+                <a:gd name="T0" fmla="*/ 1504 w 2516"/>
+                <a:gd name="T1" fmla="*/ 2980 h 3095"/>
+                <a:gd name="T2" fmla="*/ 2237 w 2516"/>
+                <a:gd name="T3" fmla="*/ 2283 h 3095"/>
+                <a:gd name="T4" fmla="*/ 1468 w 2516"/>
+                <a:gd name="T5" fmla="*/ 1052 h 3095"/>
+                <a:gd name="T6" fmla="*/ 979 w 2516"/>
+                <a:gd name="T7" fmla="*/ 648 h 3095"/>
+                <a:gd name="T8" fmla="*/ 411 w 2516"/>
+                <a:gd name="T9" fmla="*/ 195 h 3095"/>
+                <a:gd name="T10" fmla="*/ 397 w 2516"/>
+                <a:gd name="T11" fmla="*/ 1117 h 3095"/>
+                <a:gd name="T12" fmla="*/ 194 w 2516"/>
+                <a:gd name="T13" fmla="*/ 1767 h 3095"/>
+                <a:gd name="T14" fmla="*/ 866 w 2516"/>
+                <a:gd name="T15" fmla="*/ 2349 h 3095"/>
+                <a:gd name="T16" fmla="*/ 1275 w 2516"/>
+                <a:gd name="T17" fmla="*/ 2766 h 3095"/>
+                <a:gd name="T18" fmla="*/ 1504 w 2516"/>
+                <a:gd name="T19" fmla="*/ 2980 h 3095"/>
+              </a:gdLst>
+              <a:ahLst/>
+              <a:cxnLst>
+                <a:cxn ang="0">
+                  <a:pos x="T0" y="T1"/>
+                </a:cxn>
+                <a:cxn ang="0">
+                  <a:pos x="T2" y="T3"/>
+                </a:cxn>
+                <a:cxn ang="0">
+                  <a:pos x="T4" y="T5"/>
+                </a:cxn>
+                <a:cxn ang="0">
+                  <a:pos x="T6" y="T7"/>
+                </a:cxn>
+                <a:cxn ang="0">
+                  <a:pos x="T8" y="T9"/>
+                </a:cxn>
+                <a:cxn ang="0">
+                  <a:pos x="T10" y="T11"/>
+                </a:cxn>
+                <a:cxn ang="0">
+                  <a:pos x="T12" y="T13"/>
+                </a:cxn>
+                <a:cxn ang="0">
+                  <a:pos x="T14" y="T15"/>
+                </a:cxn>
+                <a:cxn ang="0">
+                  <a:pos x="T16" y="T17"/>
+                </a:cxn>
+                <a:cxn ang="0">
+                  <a:pos x="T18" y="T19"/>
+                </a:cxn>
+              </a:cxnLst>
+              <a:rect l="0" t="0" r="r" b="b"/>
+              <a:pathLst>
+                <a:path w="2516" h="3095">
+                  <a:moveTo>
+                    <a:pt x="1504" y="2980"/>
+                  </a:moveTo>
+                  <a:cubicBezTo>
+                    <a:pt x="1504" y="2980"/>
+                    <a:pt x="1958" y="3095"/>
+                    <a:pt x="2237" y="2283"/>
+                  </a:cubicBezTo>
+                  <a:cubicBezTo>
+                    <a:pt x="2516" y="1472"/>
+                    <a:pt x="1745" y="1159"/>
+                    <a:pt x="1468" y="1052"/>
+                  </a:cubicBezTo>
+                  <a:cubicBezTo>
+                    <a:pt x="1191" y="945"/>
+                    <a:pt x="1126" y="907"/>
+                    <a:pt x="979" y="648"/>
+                  </a:cubicBezTo>
+                  <a:cubicBezTo>
+                    <a:pt x="832" y="389"/>
+                    <a:pt x="822" y="0"/>
+                    <a:pt x="411" y="195"/>
+                  </a:cubicBezTo>
+                  <a:cubicBezTo>
+                    <a:pt x="0" y="391"/>
+                    <a:pt x="384" y="948"/>
+                    <a:pt x="397" y="1117"/>
+                  </a:cubicBezTo>
+                  <a:cubicBezTo>
+                    <a:pt x="411" y="1286"/>
+                    <a:pt x="128" y="1580"/>
+                    <a:pt x="194" y="1767"/>
+                  </a:cubicBezTo>
+                  <a:cubicBezTo>
+                    <a:pt x="259" y="1954"/>
+                    <a:pt x="273" y="2154"/>
+                    <a:pt x="866" y="2349"/>
+                  </a:cubicBezTo>
+                  <a:cubicBezTo>
+                    <a:pt x="866" y="2349"/>
+                    <a:pt x="1186" y="2374"/>
+                    <a:pt x="1275" y="2766"/>
+                  </a:cubicBezTo>
+                  <a:cubicBezTo>
+                    <a:pt x="1275" y="2766"/>
+                    <a:pt x="1340" y="2988"/>
+                    <a:pt x="1504" y="2980"/>
+                  </a:cubicBezTo>
+                  <a:close/>
+                </a:path>
+              </a:pathLst>
+            </a:custGeom>
+            <a:gradFill>
+              <a:gsLst>
+                <a:gs pos="0">
+                  <a:srgbClr val="7CEFD8"/>
+                </a:gs>
+                <a:gs pos="51000">
+                  <a:srgbClr val="6672E4"/>
+                </a:gs>
+                <a:gs pos="100000">
+                  <a:srgbClr val="882BE5"/>
+                </a:gs>
+              </a:gsLst>
+              <a:lin ang="5400000" scaled="1"/>
+            </a:gradFill>
+            <a:ln w="12700" cap="flat">
+              <a:noFill/>
+              <a:prstDash val="solid"/>
+              <a:miter lim="800000"/>
+              <a:headEnd/>
+              <a:tailEnd/>
+            </a:ln>
+          </p:spPr>
+          <p:txBody>
+            <a:bodyPr vert="horz" wrap="square" lIns="91440" tIns="45720" rIns="91440" bIns="45720" numCol="1" rtlCol="0" anchor="t" anchorCtr="0" compatLnSpc="1">
+              <a:prstTxWarp prst="textNoShape">
+                <a:avLst/>
+              </a:prstTxWarp>
+            </a:bodyPr>
+            <a:lstStyle/>
+            <a:p>
+              <a:pPr rtl="0"/>
+              <a:endParaRPr lang="de-DE" dirty="0"/>
+            </a:p>
+          </p:txBody>
+        </p:sp>
+        <p:sp>
+          <p:nvSpPr>
+            <p:cNvPr id="9" name="Freihandform 12">
+              <a:extLst>
+                <a:ext uri="{FF2B5EF4-FFF2-40B4-BE49-F238E27FC236}">
+                  <a16:creationId xmlns:a16="http://schemas.microsoft.com/office/drawing/2014/main" id="{0D6E36F0-32C1-400D-A9AF-4E1049310E47}"/>
+                </a:ext>
+              </a:extLst>
+            </p:cNvPr>
+            <p:cNvSpPr>
+              <a:spLocks/>
+            </p:cNvSpPr>
+            <p:nvPr/>
+          </p:nvSpPr>
+          <p:spPr bwMode="auto">
+            <a:xfrm rot="9420272">
+              <a:off x="5218811" y="-1993836"/>
+              <a:ext cx="7570428" cy="10122905"/>
+            </a:xfrm>
+            <a:custGeom>
+              <a:avLst/>
+              <a:gdLst>
+                <a:gd name="T0" fmla="*/ 1896 w 2175"/>
+                <a:gd name="T1" fmla="*/ 2283 h 2913"/>
+                <a:gd name="T2" fmla="*/ 1467 w 2175"/>
+                <a:gd name="T3" fmla="*/ 2913 h 2913"/>
+                <a:gd name="T4" fmla="*/ 1250 w 2175"/>
+                <a:gd name="T5" fmla="*/ 2849 h 2913"/>
+                <a:gd name="T6" fmla="*/ 1016 w 2175"/>
+                <a:gd name="T7" fmla="*/ 2168 h 2913"/>
+                <a:gd name="T8" fmla="*/ 93 w 2175"/>
+                <a:gd name="T9" fmla="*/ 661 h 2913"/>
+                <a:gd name="T10" fmla="*/ 0 w 2175"/>
+                <a:gd name="T11" fmla="*/ 238 h 2913"/>
+                <a:gd name="T12" fmla="*/ 70 w 2175"/>
+                <a:gd name="T13" fmla="*/ 195 h 2913"/>
+                <a:gd name="T14" fmla="*/ 638 w 2175"/>
+                <a:gd name="T15" fmla="*/ 648 h 2913"/>
+                <a:gd name="T16" fmla="*/ 1127 w 2175"/>
+                <a:gd name="T17" fmla="*/ 1052 h 2913"/>
+                <a:gd name="T18" fmla="*/ 1896 w 2175"/>
+                <a:gd name="T19" fmla="*/ 2283 h 2913"/>
+              </a:gdLst>
+              <a:ahLst/>
+              <a:cxnLst>
+                <a:cxn ang="0">
+                  <a:pos x="T0" y="T1"/>
+                </a:cxn>
+                <a:cxn ang="0">
+                  <a:pos x="T2" y="T3"/>
+                </a:cxn>
+                <a:cxn ang="0">
+                  <a:pos x="T4" y="T5"/>
+                </a:cxn>
+                <a:cxn ang="0">
+                  <a:pos x="T6" y="T7"/>
+                </a:cxn>
+                <a:cxn ang="0">
+                  <a:pos x="T8" y="T9"/>
+                </a:cxn>
+                <a:cxn ang="0">
+                  <a:pos x="T10" y="T11"/>
+                </a:cxn>
+                <a:cxn ang="0">
+                  <a:pos x="T12" y="T13"/>
+                </a:cxn>
+                <a:cxn ang="0">
+                  <a:pos x="T14" y="T15"/>
+                </a:cxn>
+                <a:cxn ang="0">
+                  <a:pos x="T16" y="T17"/>
+                </a:cxn>
+                <a:cxn ang="0">
+                  <a:pos x="T18" y="T19"/>
+                </a:cxn>
+              </a:cxnLst>
+              <a:rect l="0" t="0" r="r" b="b"/>
+              <a:pathLst>
+                <a:path w="2175" h="2913">
+                  <a:moveTo>
+                    <a:pt x="1896" y="2283"/>
+                  </a:moveTo>
+                  <a:cubicBezTo>
+                    <a:pt x="1770" y="2651"/>
+                    <a:pt x="1607" y="2829"/>
+                    <a:pt x="1467" y="2913"/>
+                  </a:cubicBezTo>
+                  <a:cubicBezTo>
+                    <a:pt x="1397" y="2909"/>
+                    <a:pt x="1324" y="2889"/>
+                    <a:pt x="1250" y="2849"/>
+                  </a:cubicBezTo>
+                  <a:cubicBezTo>
+                    <a:pt x="858" y="2634"/>
+                    <a:pt x="1016" y="2168"/>
+                    <a:pt x="1016" y="2168"/>
+                  </a:cubicBezTo>
+                  <a:cubicBezTo>
+                    <a:pt x="1354" y="1026"/>
+                    <a:pt x="336" y="1282"/>
+                    <a:pt x="93" y="661"/>
+                  </a:cubicBezTo>
+                  <a:cubicBezTo>
+                    <a:pt x="28" y="495"/>
+                    <a:pt x="1" y="354"/>
+                    <a:pt x="0" y="238"/>
+                  </a:cubicBezTo>
+                  <a:cubicBezTo>
+                    <a:pt x="20" y="222"/>
+                    <a:pt x="44" y="208"/>
+                    <a:pt x="70" y="195"/>
+                  </a:cubicBezTo>
+                  <a:cubicBezTo>
+                    <a:pt x="481" y="0"/>
+                    <a:pt x="491" y="389"/>
+                    <a:pt x="638" y="648"/>
+                  </a:cubicBezTo>
+                  <a:cubicBezTo>
+                    <a:pt x="785" y="907"/>
+                    <a:pt x="850" y="945"/>
+                    <a:pt x="1127" y="1052"/>
+                  </a:cubicBezTo>
+                  <a:cubicBezTo>
+                    <a:pt x="1404" y="1159"/>
+                    <a:pt x="2175" y="1472"/>
+                    <a:pt x="1896" y="2283"/>
+                  </a:cubicBezTo>
+                  <a:close/>
+                </a:path>
+              </a:pathLst>
+            </a:custGeom>
+            <a:gradFill>
+              <a:gsLst>
+                <a:gs pos="100000">
+                  <a:srgbClr val="7CEFD8"/>
+                </a:gs>
+                <a:gs pos="19000">
+                  <a:srgbClr val="6672E4"/>
+                </a:gs>
+                <a:gs pos="0">
+                  <a:srgbClr val="882BE5"/>
+                </a:gs>
+              </a:gsLst>
+              <a:lin ang="10200000" scaled="0"/>
+            </a:gradFill>
+            <a:ln w="12700" cap="flat">
+              <a:noFill/>
+              <a:prstDash val="solid"/>
+              <a:miter lim="800000"/>
+              <a:headEnd/>
+              <a:tailEnd/>
+            </a:ln>
+          </p:spPr>
+          <p:txBody>
+            <a:bodyPr vert="horz" wrap="square" lIns="91440" tIns="45720" rIns="91440" bIns="45720" numCol="1" rtlCol="0" anchor="t" anchorCtr="0" compatLnSpc="1">
+              <a:prstTxWarp prst="textNoShape">
+                <a:avLst/>
+              </a:prstTxWarp>
+            </a:bodyPr>
+            <a:lstStyle/>
+            <a:p>
+              <a:pPr rtl="0"/>
+              <a:endParaRPr lang="de-DE" dirty="0"/>
+            </a:p>
+          </p:txBody>
+        </p:sp>
+      </p:grpSp>
+      <p:sp>
+        <p:nvSpPr>
+          <p:cNvPr id="2" name="Titel 1">
+            <a:extLst>
+              <a:ext uri="{FF2B5EF4-FFF2-40B4-BE49-F238E27FC236}">
+                <a16:creationId xmlns:a16="http://schemas.microsoft.com/office/drawing/2014/main" id="{3F3C7E07-7AE0-455F-A48E-D3DD784F5120}"/>
+              </a:ext>
+            </a:extLst>
+          </p:cNvPr>
+          <p:cNvSpPr>
+            <a:spLocks noGrp="1"/>
+          </p:cNvSpPr>
+          <p:nvPr>
+            <p:ph type="title"/>
+          </p:nvPr>
+        </p:nvSpPr>
+        <p:spPr/>
+        <p:txBody>
+          <a:bodyPr/>
+          <a:lstStyle/>
+          <a:p>
+            <a:pPr rtl="0"/>
+            <a:r>
+              <a:rPr lang="de-DE" b="1" dirty="0">
+                <a:solidFill>
+                  <a:srgbClr val="002060"/>
+                </a:solidFill>
+                <a:latin typeface="Segoe UI" panose="020B0502040204020203" pitchFamily="34" charset="0"/>
+                <a:cs typeface="Segoe UI" panose="020B0502040204020203" pitchFamily="34" charset="0"/>
+              </a:rPr>
+              <a:t>Wesentliche Tätigkeiten</a:t>
+            </a:r>
+            <a:endParaRPr lang="de-DE" sz="4400" b="1" dirty="0">
+              <a:solidFill>
+                <a:srgbClr val="002060"/>
+              </a:solidFill>
+              <a:latin typeface="Segoe UI" panose="020B0502040204020203" pitchFamily="34" charset="0"/>
+              <a:cs typeface="Segoe UI" panose="020B0502040204020203" pitchFamily="34" charset="0"/>
+            </a:endParaRPr>
+          </a:p>
+        </p:txBody>
+      </p:sp>
+      <p:sp>
+        <p:nvSpPr>
+          <p:cNvPr id="4" name="Fußzeilenplatzhalter 3">
+            <a:extLst>
+              <a:ext uri="{FF2B5EF4-FFF2-40B4-BE49-F238E27FC236}">
+                <a16:creationId xmlns:a16="http://schemas.microsoft.com/office/drawing/2014/main" id="{A6CAB407-B68E-418C-97D2-D8C6D8C89808}"/>
+              </a:ext>
+            </a:extLst>
+          </p:cNvPr>
+          <p:cNvSpPr>
+            <a:spLocks noGrp="1"/>
+          </p:cNvSpPr>
+          <p:nvPr>
+            <p:ph type="ftr" sz="quarter" idx="11"/>
+          </p:nvPr>
+        </p:nvSpPr>
+        <p:spPr/>
+        <p:txBody>
+          <a:bodyPr/>
+          <a:lstStyle/>
+          <a:p>
+            <a:pPr rtl="0"/>
+            <a:r>
+              <a:rPr lang="de-DE" noProof="0" dirty="0"/>
+              <a:t>Luka Grgic</a:t>
+            </a:r>
+          </a:p>
+        </p:txBody>
+      </p:sp>
+      <p:sp>
+        <p:nvSpPr>
+          <p:cNvPr id="5" name="Foliennummernplatzhalter 4">
+            <a:extLst>
+              <a:ext uri="{FF2B5EF4-FFF2-40B4-BE49-F238E27FC236}">
+                <a16:creationId xmlns:a16="http://schemas.microsoft.com/office/drawing/2014/main" id="{922B81BF-7F18-4ABF-AAAB-99D55F9A109A}"/>
+              </a:ext>
+            </a:extLst>
+          </p:cNvPr>
+          <p:cNvSpPr>
+            <a:spLocks noGrp="1"/>
+          </p:cNvSpPr>
+          <p:nvPr>
+            <p:ph type="sldNum" sz="quarter" idx="12"/>
+          </p:nvPr>
+        </p:nvSpPr>
+        <p:spPr/>
+        <p:txBody>
+          <a:bodyPr/>
+          <a:lstStyle/>
+          <a:p>
+            <a:pPr rtl="0"/>
+            <a:fld id="{ED6580AB-5C3C-4B4F-8E2A-8B7A0A8CE695}" type="slidenum">
+              <a:rPr lang="de-DE" noProof="0" smtClean="0"/>
+              <a:t>10</a:t>
+            </a:fld>
+            <a:r>
+              <a:rPr lang="de-DE" noProof="0" dirty="0"/>
+              <a:t>/11</a:t>
+            </a:r>
+          </a:p>
+        </p:txBody>
+      </p:sp>
+      <p:graphicFrame>
+        <p:nvGraphicFramePr>
+          <p:cNvPr id="12" name="Inhaltsplatzhalter 11">
+            <a:extLst>
+              <a:ext uri="{FF2B5EF4-FFF2-40B4-BE49-F238E27FC236}">
+                <a16:creationId xmlns:a16="http://schemas.microsoft.com/office/drawing/2014/main" id="{D1B0F994-A049-4248-8A3F-AEF6E9DEFE54}"/>
+              </a:ext>
+            </a:extLst>
+          </p:cNvPr>
+          <p:cNvGraphicFramePr>
+            <a:graphicFrameLocks noGrp="1"/>
+          </p:cNvGraphicFramePr>
+          <p:nvPr>
+            <p:ph idx="1"/>
+            <p:extLst>
+              <p:ext uri="{D42A27DB-BD31-4B8C-83A1-F6EECF244321}">
+                <p14:modId xmlns:p14="http://schemas.microsoft.com/office/powerpoint/2010/main" val="3386211845"/>
+              </p:ext>
+            </p:extLst>
+          </p:nvPr>
+        </p:nvGraphicFramePr>
+        <p:xfrm>
+          <a:off x="771062" y="1315617"/>
+          <a:ext cx="6863452" cy="4861248"/>
+        </p:xfrm>
+        <a:graphic>
+          <a:graphicData uri="http://schemas.openxmlformats.org/drawingml/2006/diagram">
+            <dgm:relIds xmlns:dgm="http://schemas.openxmlformats.org/drawingml/2006/diagram" xmlns:r="http://schemas.openxmlformats.org/officeDocument/2006/relationships" r:dm="rId2" r:lo="rId3" r:qs="rId4" r:cs="rId5"/>
+          </a:graphicData>
+        </a:graphic>
+      </p:graphicFrame>
+    </p:spTree>
+    <p:extLst>
+      <p:ext uri="{BB962C8B-B14F-4D97-AF65-F5344CB8AC3E}">
+        <p14:creationId xmlns:p14="http://schemas.microsoft.com/office/powerpoint/2010/main" val="158454422"/>
+      </p:ext>
+    </p:extLst>
+  </p:cSld>
+  <p:clrMapOvr>
+    <a:masterClrMapping/>
+  </p:clrMapOvr>
+</p:sld>
+</file>
+
+<file path=ppt/slides/slide11.xml><?xml version="1.0" encoding="utf-8"?>
 <p:sld xmlns:a="http://schemas.openxmlformats.org/drawingml/2006/main" xmlns:r="http://schemas.openxmlformats.org/officeDocument/2006/relationships" xmlns:p="http://schemas.openxmlformats.org/presentationml/2006/main">
   <p:cSld>
     <p:spTree>
@@ -22431,11 +25762,11 @@
             <a:pPr rtl="0"/>
             <a:fld id="{ED6580AB-5C3C-4B4F-8E2A-8B7A0A8CE695}" type="slidenum">
               <a:rPr lang="de-DE" noProof="0" smtClean="0"/>
-              <a:t>10</a:t>
+              <a:t>11</a:t>
             </a:fld>
             <a:r>
               <a:rPr lang="de-DE" noProof="0" dirty="0"/>
-              <a:t>/10</a:t>
+              <a:t>/11</a:t>
             </a:r>
           </a:p>
         </p:txBody>
@@ -23214,7 +26545,7 @@
             </a:fld>
             <a:r>
               <a:rPr lang="de-DE" noProof="0" dirty="0"/>
-              <a:t>/10</a:t>
+              <a:t>/11</a:t>
             </a:r>
           </a:p>
         </p:txBody>
@@ -27397,7 +30728,7 @@
                 <a:latin typeface="Segoe UI" panose="020B0502040204020203" pitchFamily="34" charset="0"/>
                 <a:cs typeface="Segoe UI" panose="020B0502040204020203" pitchFamily="34" charset="0"/>
               </a:rPr>
-              <a:t>/10</a:t>
+              <a:t>/11</a:t>
             </a:r>
           </a:p>
         </p:txBody>
@@ -28153,7 +31484,7 @@
             </a:fld>
             <a:r>
               <a:rPr lang="de-DE" noProof="0" dirty="0"/>
-              <a:t>/10</a:t>
+              <a:t>/11</a:t>
             </a:r>
           </a:p>
         </p:txBody>
@@ -28779,7 +32110,7 @@
             <p:ph idx="1"/>
             <p:extLst>
               <p:ext uri="{D42A27DB-BD31-4B8C-83A1-F6EECF244321}">
-                <p14:modId xmlns:p14="http://schemas.microsoft.com/office/powerpoint/2010/main" val="188243865"/>
+                <p14:modId xmlns:p14="http://schemas.microsoft.com/office/powerpoint/2010/main" val="3983581062"/>
               </p:ext>
             </p:extLst>
           </p:nvPr>
@@ -28856,7 +32187,7 @@
             </a:fld>
             <a:r>
               <a:rPr lang="de-DE" noProof="0" dirty="0"/>
-              <a:t>/10</a:t>
+              <a:t>/11</a:t>
             </a:r>
           </a:p>
         </p:txBody>
@@ -28875,6 +32206,324 @@
 </file>
 
 <file path=ppt/slides/slide6.xml><?xml version="1.0" encoding="utf-8"?>
+<p:sld xmlns:a="http://schemas.openxmlformats.org/drawingml/2006/main" xmlns:r="http://schemas.openxmlformats.org/officeDocument/2006/relationships" xmlns:p="http://schemas.openxmlformats.org/presentationml/2006/main">
+  <p:cSld>
+    <p:spTree>
+      <p:nvGrpSpPr>
+        <p:cNvPr id="1" name=""/>
+        <p:cNvGrpSpPr/>
+        <p:nvPr/>
+      </p:nvGrpSpPr>
+      <p:grpSpPr>
+        <a:xfrm>
+          <a:off x="0" y="0"/>
+          <a:ext cx="0" cy="0"/>
+          <a:chOff x="0" y="0"/>
+          <a:chExt cx="0" cy="0"/>
+        </a:xfrm>
+      </p:grpSpPr>
+      <p:sp>
+        <p:nvSpPr>
+          <p:cNvPr id="3" name="object 3"/>
+          <p:cNvSpPr/>
+          <p:nvPr/>
+        </p:nvSpPr>
+        <p:spPr>
+          <a:xfrm>
+            <a:off x="7258684" y="0"/>
+            <a:ext cx="4933315" cy="6857998"/>
+          </a:xfrm>
+          <a:prstGeom prst="rect">
+            <a:avLst/>
+          </a:prstGeom>
+          <a:blipFill>
+            <a:blip r:embed="rId2" cstate="print"/>
+            <a:stretch>
+              <a:fillRect/>
+            </a:stretch>
+          </a:blipFill>
+        </p:spPr>
+        <p:txBody>
+          <a:bodyPr wrap="square" lIns="0" tIns="0" rIns="0" bIns="0" rtlCol="0"/>
+          <a:lstStyle/>
+          <a:p>
+            <a:endParaRPr/>
+          </a:p>
+        </p:txBody>
+      </p:sp>
+      <p:sp>
+        <p:nvSpPr>
+          <p:cNvPr id="5" name="object 5"/>
+          <p:cNvSpPr txBox="1">
+            <a:spLocks noGrp="1"/>
+          </p:cNvSpPr>
+          <p:nvPr>
+            <p:ph type="title"/>
+          </p:nvPr>
+        </p:nvSpPr>
+        <p:spPr>
+          <a:xfrm>
+            <a:off x="825500" y="609676"/>
+            <a:ext cx="2944495" cy="697230"/>
+          </a:xfrm>
+          <a:prstGeom prst="rect">
+            <a:avLst/>
+          </a:prstGeom>
+        </p:spPr>
+        <p:txBody>
+          <a:bodyPr vert="horz" wrap="square" lIns="0" tIns="13335" rIns="0" bIns="0" rtlCol="0">
+            <a:spAutoFit/>
+          </a:bodyPr>
+          <a:lstStyle/>
+          <a:p>
+            <a:pPr marL="12700">
+              <a:lnSpc>
+                <a:spcPct val="100000"/>
+              </a:lnSpc>
+              <a:spcBef>
+                <a:spcPts val="105"/>
+              </a:spcBef>
+            </a:pPr>
+            <a:r>
+              <a:rPr spc="-150" dirty="0"/>
+              <a:t>Meilensteine</a:t>
+            </a:r>
+          </a:p>
+        </p:txBody>
+      </p:sp>
+      <p:sp>
+        <p:nvSpPr>
+          <p:cNvPr id="7" name="object 7"/>
+          <p:cNvSpPr txBox="1"/>
+          <p:nvPr/>
+        </p:nvSpPr>
+        <p:spPr>
+          <a:xfrm>
+            <a:off x="916939" y="6444259"/>
+            <a:ext cx="1148080" cy="208006"/>
+          </a:xfrm>
+          <a:prstGeom prst="rect">
+            <a:avLst/>
+          </a:prstGeom>
+        </p:spPr>
+        <p:txBody>
+          <a:bodyPr vert="horz" wrap="square" lIns="0" tIns="0" rIns="0" bIns="0" rtlCol="0">
+            <a:spAutoFit/>
+          </a:bodyPr>
+          <a:lstStyle/>
+          <a:p>
+            <a:pPr marL="12700">
+              <a:lnSpc>
+                <a:spcPts val="1614"/>
+              </a:lnSpc>
+            </a:pPr>
+            <a:r>
+              <a:rPr lang="de-AT" sz="1600" b="1" spc="-10" dirty="0">
+                <a:latin typeface="Carlito"/>
+                <a:cs typeface="Carlito"/>
+              </a:rPr>
+              <a:t>Fabian </a:t>
+            </a:r>
+            <a:r>
+              <a:rPr lang="de-AT" sz="1600" b="1" spc="-10" dirty="0" err="1">
+                <a:latin typeface="Carlito"/>
+                <a:cs typeface="Carlito"/>
+              </a:rPr>
+              <a:t>Lasser</a:t>
+            </a:r>
+            <a:endParaRPr sz="1600" dirty="0">
+              <a:latin typeface="Carlito"/>
+              <a:cs typeface="Carlito"/>
+            </a:endParaRPr>
+          </a:p>
+        </p:txBody>
+      </p:sp>
+      <p:sp>
+        <p:nvSpPr>
+          <p:cNvPr id="8" name="object 8"/>
+          <p:cNvSpPr txBox="1">
+            <a:spLocks noGrp="1"/>
+          </p:cNvSpPr>
+          <p:nvPr>
+            <p:ph type="sldNum" sz="quarter" idx="7"/>
+          </p:nvPr>
+        </p:nvSpPr>
+        <p:spPr>
+          <a:xfrm>
+            <a:off x="10830814" y="6444259"/>
+            <a:ext cx="445134" cy="208006"/>
+          </a:xfrm>
+          <a:prstGeom prst="rect">
+            <a:avLst/>
+          </a:prstGeom>
+        </p:spPr>
+        <p:txBody>
+          <a:bodyPr vert="horz" wrap="square" lIns="0" tIns="0" rIns="0" bIns="0" rtlCol="0">
+            <a:spAutoFit/>
+          </a:bodyPr>
+          <a:lstStyle>
+            <a:defPPr>
+              <a:defRPr lang="de-DE"/>
+            </a:defPPr>
+            <a:lvl1pPr marL="0" algn="l" defTabSz="914400" rtl="0" eaLnBrk="1" latinLnBrk="0" hangingPunct="1">
+              <a:defRPr sz="1600" b="1" i="0" kern="1200">
+                <a:solidFill>
+                  <a:schemeClr val="tx1"/>
+                </a:solidFill>
+                <a:latin typeface="Carlito"/>
+                <a:ea typeface="+mn-ea"/>
+                <a:cs typeface="Carlito"/>
+              </a:defRPr>
+            </a:lvl1pPr>
+            <a:lvl2pPr marL="457200" algn="l" defTabSz="914400" rtl="0" eaLnBrk="1" latinLnBrk="0" hangingPunct="1">
+              <a:defRPr sz="1800" kern="1200">
+                <a:solidFill>
+                  <a:schemeClr val="tx1"/>
+                </a:solidFill>
+                <a:latin typeface="+mn-lt"/>
+                <a:ea typeface="+mn-ea"/>
+                <a:cs typeface="+mn-cs"/>
+              </a:defRPr>
+            </a:lvl2pPr>
+            <a:lvl3pPr marL="914400" algn="l" defTabSz="914400" rtl="0" eaLnBrk="1" latinLnBrk="0" hangingPunct="1">
+              <a:defRPr sz="1800" kern="1200">
+                <a:solidFill>
+                  <a:schemeClr val="tx1"/>
+                </a:solidFill>
+                <a:latin typeface="+mn-lt"/>
+                <a:ea typeface="+mn-ea"/>
+                <a:cs typeface="+mn-cs"/>
+              </a:defRPr>
+            </a:lvl3pPr>
+            <a:lvl4pPr marL="1371600" algn="l" defTabSz="914400" rtl="0" eaLnBrk="1" latinLnBrk="0" hangingPunct="1">
+              <a:defRPr sz="1800" kern="1200">
+                <a:solidFill>
+                  <a:schemeClr val="tx1"/>
+                </a:solidFill>
+                <a:latin typeface="+mn-lt"/>
+                <a:ea typeface="+mn-ea"/>
+                <a:cs typeface="+mn-cs"/>
+              </a:defRPr>
+            </a:lvl4pPr>
+            <a:lvl5pPr marL="1828800" algn="l" defTabSz="914400" rtl="0" eaLnBrk="1" latinLnBrk="0" hangingPunct="1">
+              <a:defRPr sz="1800" kern="1200">
+                <a:solidFill>
+                  <a:schemeClr val="tx1"/>
+                </a:solidFill>
+                <a:latin typeface="+mn-lt"/>
+                <a:ea typeface="+mn-ea"/>
+                <a:cs typeface="+mn-cs"/>
+              </a:defRPr>
+            </a:lvl5pPr>
+            <a:lvl6pPr marL="2286000" algn="l" defTabSz="914400" rtl="0" eaLnBrk="1" latinLnBrk="0" hangingPunct="1">
+              <a:defRPr sz="1800" kern="1200">
+                <a:solidFill>
+                  <a:schemeClr val="tx1"/>
+                </a:solidFill>
+                <a:latin typeface="+mn-lt"/>
+                <a:ea typeface="+mn-ea"/>
+                <a:cs typeface="+mn-cs"/>
+              </a:defRPr>
+            </a:lvl6pPr>
+            <a:lvl7pPr marL="2743200" algn="l" defTabSz="914400" rtl="0" eaLnBrk="1" latinLnBrk="0" hangingPunct="1">
+              <a:defRPr sz="1800" kern="1200">
+                <a:solidFill>
+                  <a:schemeClr val="tx1"/>
+                </a:solidFill>
+                <a:latin typeface="+mn-lt"/>
+                <a:ea typeface="+mn-ea"/>
+                <a:cs typeface="+mn-cs"/>
+              </a:defRPr>
+            </a:lvl7pPr>
+            <a:lvl8pPr marL="3200400" algn="l" defTabSz="914400" rtl="0" eaLnBrk="1" latinLnBrk="0" hangingPunct="1">
+              <a:defRPr sz="1800" kern="1200">
+                <a:solidFill>
+                  <a:schemeClr val="tx1"/>
+                </a:solidFill>
+                <a:latin typeface="+mn-lt"/>
+                <a:ea typeface="+mn-ea"/>
+                <a:cs typeface="+mn-cs"/>
+              </a:defRPr>
+            </a:lvl8pPr>
+            <a:lvl9pPr marL="3657600" algn="l" defTabSz="914400" rtl="0" eaLnBrk="1" latinLnBrk="0" hangingPunct="1">
+              <a:defRPr sz="1800" kern="1200">
+                <a:solidFill>
+                  <a:schemeClr val="tx1"/>
+                </a:solidFill>
+                <a:latin typeface="+mn-lt"/>
+                <a:ea typeface="+mn-ea"/>
+                <a:cs typeface="+mn-cs"/>
+              </a:defRPr>
+            </a:lvl9pPr>
+          </a:lstStyle>
+          <a:p>
+            <a:pPr marL="38100">
+              <a:lnSpc>
+                <a:spcPts val="1614"/>
+              </a:lnSpc>
+            </a:pPr>
+            <a:fld id="{81D60167-4931-47E6-BA6A-407CBD079E47}" type="slidenum">
+              <a:rPr lang="de-AT" spc="-5" smtClean="0"/>
+              <a:pPr marL="38100">
+                <a:lnSpc>
+                  <a:spcPts val="1614"/>
+                </a:lnSpc>
+              </a:pPr>
+              <a:t>6</a:t>
+            </a:fld>
+            <a:r>
+              <a:rPr lang="de-AT" spc="-5" dirty="0"/>
+              <a:t>/</a:t>
+            </a:r>
+            <a:r>
+              <a:rPr lang="de-AT" spc="-15" dirty="0"/>
+              <a:t>1</a:t>
+            </a:r>
+            <a:r>
+              <a:rPr lang="de-AT" spc="-5" dirty="0"/>
+              <a:t>1</a:t>
+            </a:r>
+            <a:endParaRPr spc="-5" dirty="0"/>
+          </a:p>
+        </p:txBody>
+      </p:sp>
+      <p:graphicFrame>
+        <p:nvGraphicFramePr>
+          <p:cNvPr id="10" name="Diagramm 9">
+            <a:extLst>
+              <a:ext uri="{FF2B5EF4-FFF2-40B4-BE49-F238E27FC236}">
+                <a16:creationId xmlns:a16="http://schemas.microsoft.com/office/drawing/2014/main" id="{33487945-182A-F3E1-6B5E-70F452B4B4F8}"/>
+              </a:ext>
+            </a:extLst>
+          </p:cNvPr>
+          <p:cNvGraphicFramePr/>
+          <p:nvPr>
+            <p:extLst>
+              <p:ext uri="{D42A27DB-BD31-4B8C-83A1-F6EECF244321}">
+                <p14:modId xmlns:p14="http://schemas.microsoft.com/office/powerpoint/2010/main" val="3518827992"/>
+              </p:ext>
+            </p:extLst>
+          </p:nvPr>
+        </p:nvGraphicFramePr>
+        <p:xfrm>
+          <a:off x="877925" y="1624519"/>
+          <a:ext cx="6485913" cy="3861881"/>
+        </p:xfrm>
+        <a:graphic>
+          <a:graphicData uri="http://schemas.openxmlformats.org/drawingml/2006/diagram">
+            <dgm:relIds xmlns:dgm="http://schemas.openxmlformats.org/drawingml/2006/diagram" xmlns:r="http://schemas.openxmlformats.org/officeDocument/2006/relationships" r:dm="rId3" r:lo="rId4" r:qs="rId5" r:cs="rId6"/>
+          </a:graphicData>
+        </a:graphic>
+      </p:graphicFrame>
+    </p:spTree>
+  </p:cSld>
+  <p:clrMapOvr>
+    <a:masterClrMapping/>
+  </p:clrMapOvr>
+</p:sld>
+</file>
+
+<file path=ppt/slides/slide7.xml><?xml version="1.0" encoding="utf-8"?>
 <p:sld xmlns:a="http://schemas.openxmlformats.org/drawingml/2006/main" xmlns:r="http://schemas.openxmlformats.org/officeDocument/2006/relationships" xmlns:p="http://schemas.openxmlformats.org/presentationml/2006/main">
   <p:cSld>
     <p:spTree>
@@ -29505,11 +33154,11 @@
             <a:pPr rtl="0"/>
             <a:fld id="{ED6580AB-5C3C-4B4F-8E2A-8B7A0A8CE695}" type="slidenum">
               <a:rPr lang="de-DE" noProof="0" smtClean="0"/>
-              <a:t>6</a:t>
+              <a:t>7</a:t>
             </a:fld>
             <a:r>
               <a:rPr lang="de-DE" noProof="0" dirty="0"/>
-              <a:t>/10</a:t>
+              <a:t>/11</a:t>
             </a:r>
           </a:p>
         </p:txBody>
@@ -29588,7 +33237,7 @@
 </p:sld>
 </file>
 
-<file path=ppt/slides/slide7.xml><?xml version="1.0" encoding="utf-8"?>
+<file path=ppt/slides/slide8.xml><?xml version="1.0" encoding="utf-8"?>
 <p:sld xmlns:a="http://schemas.openxmlformats.org/drawingml/2006/main" xmlns:r="http://schemas.openxmlformats.org/officeDocument/2006/relationships" xmlns:p="http://schemas.openxmlformats.org/presentationml/2006/main">
   <p:cSld>
     <p:spTree>
@@ -33746,14 +37395,14 @@
                 <a:latin typeface="Segoe UI" panose="020B0502040204020203" pitchFamily="34" charset="0"/>
                 <a:cs typeface="Segoe UI" panose="020B0502040204020203" pitchFamily="34" charset="0"/>
               </a:rPr>
-              <a:t>7</a:t>
+              <a:t>8</a:t>
             </a:fld>
             <a:r>
               <a:rPr lang="de-DE" noProof="0" dirty="0">
                 <a:latin typeface="Segoe UI" panose="020B0502040204020203" pitchFamily="34" charset="0"/>
                 <a:cs typeface="Segoe UI" panose="020B0502040204020203" pitchFamily="34" charset="0"/>
               </a:rPr>
-              <a:t>/10</a:t>
+              <a:t>/11</a:t>
             </a:r>
           </a:p>
         </p:txBody>
@@ -33881,7 +37530,7 @@
 </p:sld>
 </file>
 
-<file path=ppt/slides/slide8.xml><?xml version="1.0" encoding="utf-8"?>
+<file path=ppt/slides/slide9.xml><?xml version="1.0" encoding="utf-8"?>
 <p:sld xmlns:a="http://schemas.openxmlformats.org/drawingml/2006/main" xmlns:r="http://schemas.openxmlformats.org/officeDocument/2006/relationships" xmlns:p="http://schemas.openxmlformats.org/presentationml/2006/main">
   <p:cSld>
     <p:spTree>
@@ -38039,14 +41688,14 @@
                 <a:latin typeface="Segoe UI" panose="020B0502040204020203" pitchFamily="34" charset="0"/>
                 <a:cs typeface="Segoe UI" panose="020B0502040204020203" pitchFamily="34" charset="0"/>
               </a:rPr>
-              <a:t>8</a:t>
+              <a:t>9</a:t>
             </a:fld>
             <a:r>
               <a:rPr lang="de-DE" noProof="0" dirty="0">
                 <a:latin typeface="Segoe UI" panose="020B0502040204020203" pitchFamily="34" charset="0"/>
                 <a:cs typeface="Segoe UI" panose="020B0502040204020203" pitchFamily="34" charset="0"/>
               </a:rPr>
-              <a:t>/10</a:t>
+              <a:t>/11</a:t>
             </a:r>
           </a:p>
         </p:txBody>
@@ -38149,690 +41798,6 @@
     <p:extLst>
       <p:ext uri="{BB962C8B-B14F-4D97-AF65-F5344CB8AC3E}">
         <p14:creationId xmlns:p14="http://schemas.microsoft.com/office/powerpoint/2010/main" val="2710414788"/>
-      </p:ext>
-    </p:extLst>
-  </p:cSld>
-  <p:clrMapOvr>
-    <a:masterClrMapping/>
-  </p:clrMapOvr>
-</p:sld>
-</file>
-
-<file path=ppt/slides/slide9.xml><?xml version="1.0" encoding="utf-8"?>
-<p:sld xmlns:a="http://schemas.openxmlformats.org/drawingml/2006/main" xmlns:r="http://schemas.openxmlformats.org/officeDocument/2006/relationships" xmlns:p="http://schemas.openxmlformats.org/presentationml/2006/main">
-  <p:cSld>
-    <p:spTree>
-      <p:nvGrpSpPr>
-        <p:cNvPr id="1" name=""/>
-        <p:cNvGrpSpPr/>
-        <p:nvPr/>
-      </p:nvGrpSpPr>
-      <p:grpSpPr>
-        <a:xfrm>
-          <a:off x="0" y="0"/>
-          <a:ext cx="0" cy="0"/>
-          <a:chOff x="0" y="0"/>
-          <a:chExt cx="0" cy="0"/>
-        </a:xfrm>
-      </p:grpSpPr>
-      <p:grpSp>
-        <p:nvGrpSpPr>
-          <p:cNvPr id="6" name="Gruppieren 5" descr="Dieses Bild ist eine abstrakte dekorative Form. ">
-            <a:extLst>
-              <a:ext uri="{FF2B5EF4-FFF2-40B4-BE49-F238E27FC236}">
-                <a16:creationId xmlns:a16="http://schemas.microsoft.com/office/drawing/2014/main" id="{9DEC23D1-06A0-429D-AC4E-A6406774741D}"/>
-              </a:ext>
-            </a:extLst>
-          </p:cNvPr>
-          <p:cNvGrpSpPr/>
-          <p:nvPr/>
-        </p:nvGrpSpPr>
-        <p:grpSpPr>
-          <a:xfrm rot="14841267">
-            <a:off x="8708118" y="-4736913"/>
-            <a:ext cx="8948964" cy="12105059"/>
-            <a:chOff x="4855953" y="-2833465"/>
-            <a:chExt cx="8948964" cy="12105059"/>
-          </a:xfrm>
-        </p:grpSpPr>
-        <p:sp>
-          <p:nvSpPr>
-            <p:cNvPr id="7" name="Freihandform 10">
-              <a:extLst>
-                <a:ext uri="{FF2B5EF4-FFF2-40B4-BE49-F238E27FC236}">
-                  <a16:creationId xmlns:a16="http://schemas.microsoft.com/office/drawing/2014/main" id="{1F848870-B74A-421D-89F0-067E1C1955A8}"/>
-                </a:ext>
-              </a:extLst>
-            </p:cNvPr>
-            <p:cNvSpPr>
-              <a:spLocks/>
-            </p:cNvSpPr>
-            <p:nvPr/>
-          </p:nvSpPr>
-          <p:spPr bwMode="auto">
-            <a:xfrm rot="9420272">
-              <a:off x="4855953" y="-2246936"/>
-              <a:ext cx="8673602" cy="11518530"/>
-            </a:xfrm>
-            <a:custGeom>
-              <a:avLst/>
-              <a:gdLst>
-                <a:gd name="T0" fmla="*/ 1166 w 2492"/>
-                <a:gd name="T1" fmla="*/ 2419 h 3315"/>
-                <a:gd name="T2" fmla="*/ 243 w 2492"/>
-                <a:gd name="T3" fmla="*/ 912 h 3315"/>
-                <a:gd name="T4" fmla="*/ 449 w 2492"/>
-                <a:gd name="T5" fmla="*/ 15 h 3315"/>
-                <a:gd name="T6" fmla="*/ 766 w 2492"/>
-                <a:gd name="T7" fmla="*/ 302 h 3315"/>
-                <a:gd name="T8" fmla="*/ 1651 w 2492"/>
-                <a:gd name="T9" fmla="*/ 481 h 3315"/>
-                <a:gd name="T10" fmla="*/ 2239 w 2492"/>
-                <a:gd name="T11" fmla="*/ 1238 h 3315"/>
-                <a:gd name="T12" fmla="*/ 2186 w 2492"/>
-                <a:gd name="T13" fmla="*/ 2201 h 3315"/>
-                <a:gd name="T14" fmla="*/ 2165 w 2492"/>
-                <a:gd name="T15" fmla="*/ 2928 h 3315"/>
-                <a:gd name="T16" fmla="*/ 1400 w 2492"/>
-                <a:gd name="T17" fmla="*/ 3100 h 3315"/>
-                <a:gd name="T18" fmla="*/ 1166 w 2492"/>
-                <a:gd name="T19" fmla="*/ 2419 h 3315"/>
-              </a:gdLst>
-              <a:ahLst/>
-              <a:cxnLst>
-                <a:cxn ang="0">
-                  <a:pos x="T0" y="T1"/>
-                </a:cxn>
-                <a:cxn ang="0">
-                  <a:pos x="T2" y="T3"/>
-                </a:cxn>
-                <a:cxn ang="0">
-                  <a:pos x="T4" y="T5"/>
-                </a:cxn>
-                <a:cxn ang="0">
-                  <a:pos x="T6" y="T7"/>
-                </a:cxn>
-                <a:cxn ang="0">
-                  <a:pos x="T8" y="T9"/>
-                </a:cxn>
-                <a:cxn ang="0">
-                  <a:pos x="T10" y="T11"/>
-                </a:cxn>
-                <a:cxn ang="0">
-                  <a:pos x="T12" y="T13"/>
-                </a:cxn>
-                <a:cxn ang="0">
-                  <a:pos x="T14" y="T15"/>
-                </a:cxn>
-                <a:cxn ang="0">
-                  <a:pos x="T16" y="T17"/>
-                </a:cxn>
-                <a:cxn ang="0">
-                  <a:pos x="T18" y="T19"/>
-                </a:cxn>
-              </a:cxnLst>
-              <a:rect l="0" t="0" r="r" b="b"/>
-              <a:pathLst>
-                <a:path w="2492" h="3315">
-                  <a:moveTo>
-                    <a:pt x="1166" y="2419"/>
-                  </a:moveTo>
-                  <a:cubicBezTo>
-                    <a:pt x="1505" y="1277"/>
-                    <a:pt x="486" y="1533"/>
-                    <a:pt x="243" y="912"/>
-                  </a:cubicBezTo>
-                  <a:cubicBezTo>
-                    <a:pt x="0" y="292"/>
-                    <a:pt x="291" y="31"/>
-                    <a:pt x="449" y="15"/>
-                  </a:cubicBezTo>
-                  <a:cubicBezTo>
-                    <a:pt x="607" y="0"/>
-                    <a:pt x="716" y="54"/>
-                    <a:pt x="766" y="302"/>
-                  </a:cubicBezTo>
-                  <a:cubicBezTo>
-                    <a:pt x="817" y="551"/>
-                    <a:pt x="1312" y="508"/>
-                    <a:pt x="1651" y="481"/>
-                  </a:cubicBezTo>
-                  <a:cubicBezTo>
-                    <a:pt x="1989" y="454"/>
-                    <a:pt x="2492" y="733"/>
-                    <a:pt x="2239" y="1238"/>
-                  </a:cubicBezTo>
-                  <a:cubicBezTo>
-                    <a:pt x="1986" y="1743"/>
-                    <a:pt x="2000" y="1716"/>
-                    <a:pt x="2186" y="2201"/>
-                  </a:cubicBezTo>
-                  <a:cubicBezTo>
-                    <a:pt x="2372" y="2685"/>
-                    <a:pt x="2165" y="2928"/>
-                    <a:pt x="2165" y="2928"/>
-                  </a:cubicBezTo>
-                  <a:cubicBezTo>
-                    <a:pt x="2165" y="2928"/>
-                    <a:pt x="1791" y="3315"/>
-                    <a:pt x="1400" y="3100"/>
-                  </a:cubicBezTo>
-                  <a:cubicBezTo>
-                    <a:pt x="1008" y="2885"/>
-                    <a:pt x="1166" y="2419"/>
-                    <a:pt x="1166" y="2419"/>
-                  </a:cubicBezTo>
-                  <a:close/>
-                </a:path>
-              </a:pathLst>
-            </a:custGeom>
-            <a:gradFill>
-              <a:gsLst>
-                <a:gs pos="0">
-                  <a:srgbClr val="80DEDE"/>
-                </a:gs>
-                <a:gs pos="53500">
-                  <a:srgbClr val="85C1E7"/>
-                </a:gs>
-                <a:gs pos="100000">
-                  <a:srgbClr val="878CFF"/>
-                </a:gs>
-              </a:gsLst>
-              <a:lin ang="5400000" scaled="1"/>
-            </a:gradFill>
-            <a:ln w="12700" cap="flat">
-              <a:noFill/>
-              <a:prstDash val="solid"/>
-              <a:miter lim="800000"/>
-              <a:headEnd/>
-              <a:tailEnd/>
-            </a:ln>
-          </p:spPr>
-          <p:txBody>
-            <a:bodyPr vert="horz" wrap="square" lIns="91440" tIns="45720" rIns="91440" bIns="45720" numCol="1" rtlCol="0" anchor="t" anchorCtr="0" compatLnSpc="1">
-              <a:prstTxWarp prst="textNoShape">
-                <a:avLst/>
-              </a:prstTxWarp>
-            </a:bodyPr>
-            <a:lstStyle/>
-            <a:p>
-              <a:pPr rtl="0"/>
-              <a:endParaRPr lang="de-DE" dirty="0"/>
-            </a:p>
-          </p:txBody>
-        </p:sp>
-        <p:sp>
-          <p:nvSpPr>
-            <p:cNvPr id="8" name="Freihandform 11">
-              <a:extLst>
-                <a:ext uri="{FF2B5EF4-FFF2-40B4-BE49-F238E27FC236}">
-                  <a16:creationId xmlns:a16="http://schemas.microsoft.com/office/drawing/2014/main" id="{2AE309DB-76E8-4519-928D-4F289DFEF4F7}"/>
-                </a:ext>
-              </a:extLst>
-            </p:cNvPr>
-            <p:cNvSpPr>
-              <a:spLocks/>
-            </p:cNvSpPr>
-            <p:nvPr/>
-          </p:nvSpPr>
-          <p:spPr bwMode="auto">
-            <a:xfrm rot="9420272">
-              <a:off x="5048022" y="-2833465"/>
-              <a:ext cx="8756895" cy="10755934"/>
-            </a:xfrm>
-            <a:custGeom>
-              <a:avLst/>
-              <a:gdLst>
-                <a:gd name="T0" fmla="*/ 1504 w 2516"/>
-                <a:gd name="T1" fmla="*/ 2980 h 3095"/>
-                <a:gd name="T2" fmla="*/ 2237 w 2516"/>
-                <a:gd name="T3" fmla="*/ 2283 h 3095"/>
-                <a:gd name="T4" fmla="*/ 1468 w 2516"/>
-                <a:gd name="T5" fmla="*/ 1052 h 3095"/>
-                <a:gd name="T6" fmla="*/ 979 w 2516"/>
-                <a:gd name="T7" fmla="*/ 648 h 3095"/>
-                <a:gd name="T8" fmla="*/ 411 w 2516"/>
-                <a:gd name="T9" fmla="*/ 195 h 3095"/>
-                <a:gd name="T10" fmla="*/ 397 w 2516"/>
-                <a:gd name="T11" fmla="*/ 1117 h 3095"/>
-                <a:gd name="T12" fmla="*/ 194 w 2516"/>
-                <a:gd name="T13" fmla="*/ 1767 h 3095"/>
-                <a:gd name="T14" fmla="*/ 866 w 2516"/>
-                <a:gd name="T15" fmla="*/ 2349 h 3095"/>
-                <a:gd name="T16" fmla="*/ 1275 w 2516"/>
-                <a:gd name="T17" fmla="*/ 2766 h 3095"/>
-                <a:gd name="T18" fmla="*/ 1504 w 2516"/>
-                <a:gd name="T19" fmla="*/ 2980 h 3095"/>
-              </a:gdLst>
-              <a:ahLst/>
-              <a:cxnLst>
-                <a:cxn ang="0">
-                  <a:pos x="T0" y="T1"/>
-                </a:cxn>
-                <a:cxn ang="0">
-                  <a:pos x="T2" y="T3"/>
-                </a:cxn>
-                <a:cxn ang="0">
-                  <a:pos x="T4" y="T5"/>
-                </a:cxn>
-                <a:cxn ang="0">
-                  <a:pos x="T6" y="T7"/>
-                </a:cxn>
-                <a:cxn ang="0">
-                  <a:pos x="T8" y="T9"/>
-                </a:cxn>
-                <a:cxn ang="0">
-                  <a:pos x="T10" y="T11"/>
-                </a:cxn>
-                <a:cxn ang="0">
-                  <a:pos x="T12" y="T13"/>
-                </a:cxn>
-                <a:cxn ang="0">
-                  <a:pos x="T14" y="T15"/>
-                </a:cxn>
-                <a:cxn ang="0">
-                  <a:pos x="T16" y="T17"/>
-                </a:cxn>
-                <a:cxn ang="0">
-                  <a:pos x="T18" y="T19"/>
-                </a:cxn>
-              </a:cxnLst>
-              <a:rect l="0" t="0" r="r" b="b"/>
-              <a:pathLst>
-                <a:path w="2516" h="3095">
-                  <a:moveTo>
-                    <a:pt x="1504" y="2980"/>
-                  </a:moveTo>
-                  <a:cubicBezTo>
-                    <a:pt x="1504" y="2980"/>
-                    <a:pt x="1958" y="3095"/>
-                    <a:pt x="2237" y="2283"/>
-                  </a:cubicBezTo>
-                  <a:cubicBezTo>
-                    <a:pt x="2516" y="1472"/>
-                    <a:pt x="1745" y="1159"/>
-                    <a:pt x="1468" y="1052"/>
-                  </a:cubicBezTo>
-                  <a:cubicBezTo>
-                    <a:pt x="1191" y="945"/>
-                    <a:pt x="1126" y="907"/>
-                    <a:pt x="979" y="648"/>
-                  </a:cubicBezTo>
-                  <a:cubicBezTo>
-                    <a:pt x="832" y="389"/>
-                    <a:pt x="822" y="0"/>
-                    <a:pt x="411" y="195"/>
-                  </a:cubicBezTo>
-                  <a:cubicBezTo>
-                    <a:pt x="0" y="391"/>
-                    <a:pt x="384" y="948"/>
-                    <a:pt x="397" y="1117"/>
-                  </a:cubicBezTo>
-                  <a:cubicBezTo>
-                    <a:pt x="411" y="1286"/>
-                    <a:pt x="128" y="1580"/>
-                    <a:pt x="194" y="1767"/>
-                  </a:cubicBezTo>
-                  <a:cubicBezTo>
-                    <a:pt x="259" y="1954"/>
-                    <a:pt x="273" y="2154"/>
-                    <a:pt x="866" y="2349"/>
-                  </a:cubicBezTo>
-                  <a:cubicBezTo>
-                    <a:pt x="866" y="2349"/>
-                    <a:pt x="1186" y="2374"/>
-                    <a:pt x="1275" y="2766"/>
-                  </a:cubicBezTo>
-                  <a:cubicBezTo>
-                    <a:pt x="1275" y="2766"/>
-                    <a:pt x="1340" y="2988"/>
-                    <a:pt x="1504" y="2980"/>
-                  </a:cubicBezTo>
-                  <a:close/>
-                </a:path>
-              </a:pathLst>
-            </a:custGeom>
-            <a:gradFill>
-              <a:gsLst>
-                <a:gs pos="0">
-                  <a:srgbClr val="7CEFD8"/>
-                </a:gs>
-                <a:gs pos="51000">
-                  <a:srgbClr val="6672E4"/>
-                </a:gs>
-                <a:gs pos="100000">
-                  <a:srgbClr val="882BE5"/>
-                </a:gs>
-              </a:gsLst>
-              <a:lin ang="5400000" scaled="1"/>
-            </a:gradFill>
-            <a:ln w="12700" cap="flat">
-              <a:noFill/>
-              <a:prstDash val="solid"/>
-              <a:miter lim="800000"/>
-              <a:headEnd/>
-              <a:tailEnd/>
-            </a:ln>
-          </p:spPr>
-          <p:txBody>
-            <a:bodyPr vert="horz" wrap="square" lIns="91440" tIns="45720" rIns="91440" bIns="45720" numCol="1" rtlCol="0" anchor="t" anchorCtr="0" compatLnSpc="1">
-              <a:prstTxWarp prst="textNoShape">
-                <a:avLst/>
-              </a:prstTxWarp>
-            </a:bodyPr>
-            <a:lstStyle/>
-            <a:p>
-              <a:pPr rtl="0"/>
-              <a:endParaRPr lang="de-DE" dirty="0"/>
-            </a:p>
-          </p:txBody>
-        </p:sp>
-        <p:sp>
-          <p:nvSpPr>
-            <p:cNvPr id="9" name="Freihandform 12">
-              <a:extLst>
-                <a:ext uri="{FF2B5EF4-FFF2-40B4-BE49-F238E27FC236}">
-                  <a16:creationId xmlns:a16="http://schemas.microsoft.com/office/drawing/2014/main" id="{0D6E36F0-32C1-400D-A9AF-4E1049310E47}"/>
-                </a:ext>
-              </a:extLst>
-            </p:cNvPr>
-            <p:cNvSpPr>
-              <a:spLocks/>
-            </p:cNvSpPr>
-            <p:nvPr/>
-          </p:nvSpPr>
-          <p:spPr bwMode="auto">
-            <a:xfrm rot="9420272">
-              <a:off x="5218811" y="-1993836"/>
-              <a:ext cx="7570428" cy="10122905"/>
-            </a:xfrm>
-            <a:custGeom>
-              <a:avLst/>
-              <a:gdLst>
-                <a:gd name="T0" fmla="*/ 1896 w 2175"/>
-                <a:gd name="T1" fmla="*/ 2283 h 2913"/>
-                <a:gd name="T2" fmla="*/ 1467 w 2175"/>
-                <a:gd name="T3" fmla="*/ 2913 h 2913"/>
-                <a:gd name="T4" fmla="*/ 1250 w 2175"/>
-                <a:gd name="T5" fmla="*/ 2849 h 2913"/>
-                <a:gd name="T6" fmla="*/ 1016 w 2175"/>
-                <a:gd name="T7" fmla="*/ 2168 h 2913"/>
-                <a:gd name="T8" fmla="*/ 93 w 2175"/>
-                <a:gd name="T9" fmla="*/ 661 h 2913"/>
-                <a:gd name="T10" fmla="*/ 0 w 2175"/>
-                <a:gd name="T11" fmla="*/ 238 h 2913"/>
-                <a:gd name="T12" fmla="*/ 70 w 2175"/>
-                <a:gd name="T13" fmla="*/ 195 h 2913"/>
-                <a:gd name="T14" fmla="*/ 638 w 2175"/>
-                <a:gd name="T15" fmla="*/ 648 h 2913"/>
-                <a:gd name="T16" fmla="*/ 1127 w 2175"/>
-                <a:gd name="T17" fmla="*/ 1052 h 2913"/>
-                <a:gd name="T18" fmla="*/ 1896 w 2175"/>
-                <a:gd name="T19" fmla="*/ 2283 h 2913"/>
-              </a:gdLst>
-              <a:ahLst/>
-              <a:cxnLst>
-                <a:cxn ang="0">
-                  <a:pos x="T0" y="T1"/>
-                </a:cxn>
-                <a:cxn ang="0">
-                  <a:pos x="T2" y="T3"/>
-                </a:cxn>
-                <a:cxn ang="0">
-                  <a:pos x="T4" y="T5"/>
-                </a:cxn>
-                <a:cxn ang="0">
-                  <a:pos x="T6" y="T7"/>
-                </a:cxn>
-                <a:cxn ang="0">
-                  <a:pos x="T8" y="T9"/>
-                </a:cxn>
-                <a:cxn ang="0">
-                  <a:pos x="T10" y="T11"/>
-                </a:cxn>
-                <a:cxn ang="0">
-                  <a:pos x="T12" y="T13"/>
-                </a:cxn>
-                <a:cxn ang="0">
-                  <a:pos x="T14" y="T15"/>
-                </a:cxn>
-                <a:cxn ang="0">
-                  <a:pos x="T16" y="T17"/>
-                </a:cxn>
-                <a:cxn ang="0">
-                  <a:pos x="T18" y="T19"/>
-                </a:cxn>
-              </a:cxnLst>
-              <a:rect l="0" t="0" r="r" b="b"/>
-              <a:pathLst>
-                <a:path w="2175" h="2913">
-                  <a:moveTo>
-                    <a:pt x="1896" y="2283"/>
-                  </a:moveTo>
-                  <a:cubicBezTo>
-                    <a:pt x="1770" y="2651"/>
-                    <a:pt x="1607" y="2829"/>
-                    <a:pt x="1467" y="2913"/>
-                  </a:cubicBezTo>
-                  <a:cubicBezTo>
-                    <a:pt x="1397" y="2909"/>
-                    <a:pt x="1324" y="2889"/>
-                    <a:pt x="1250" y="2849"/>
-                  </a:cubicBezTo>
-                  <a:cubicBezTo>
-                    <a:pt x="858" y="2634"/>
-                    <a:pt x="1016" y="2168"/>
-                    <a:pt x="1016" y="2168"/>
-                  </a:cubicBezTo>
-                  <a:cubicBezTo>
-                    <a:pt x="1354" y="1026"/>
-                    <a:pt x="336" y="1282"/>
-                    <a:pt x="93" y="661"/>
-                  </a:cubicBezTo>
-                  <a:cubicBezTo>
-                    <a:pt x="28" y="495"/>
-                    <a:pt x="1" y="354"/>
-                    <a:pt x="0" y="238"/>
-                  </a:cubicBezTo>
-                  <a:cubicBezTo>
-                    <a:pt x="20" y="222"/>
-                    <a:pt x="44" y="208"/>
-                    <a:pt x="70" y="195"/>
-                  </a:cubicBezTo>
-                  <a:cubicBezTo>
-                    <a:pt x="481" y="0"/>
-                    <a:pt x="491" y="389"/>
-                    <a:pt x="638" y="648"/>
-                  </a:cubicBezTo>
-                  <a:cubicBezTo>
-                    <a:pt x="785" y="907"/>
-                    <a:pt x="850" y="945"/>
-                    <a:pt x="1127" y="1052"/>
-                  </a:cubicBezTo>
-                  <a:cubicBezTo>
-                    <a:pt x="1404" y="1159"/>
-                    <a:pt x="2175" y="1472"/>
-                    <a:pt x="1896" y="2283"/>
-                  </a:cubicBezTo>
-                  <a:close/>
-                </a:path>
-              </a:pathLst>
-            </a:custGeom>
-            <a:gradFill>
-              <a:gsLst>
-                <a:gs pos="100000">
-                  <a:srgbClr val="7CEFD8"/>
-                </a:gs>
-                <a:gs pos="19000">
-                  <a:srgbClr val="6672E4"/>
-                </a:gs>
-                <a:gs pos="0">
-                  <a:srgbClr val="882BE5"/>
-                </a:gs>
-              </a:gsLst>
-              <a:lin ang="10200000" scaled="0"/>
-            </a:gradFill>
-            <a:ln w="12700" cap="flat">
-              <a:noFill/>
-              <a:prstDash val="solid"/>
-              <a:miter lim="800000"/>
-              <a:headEnd/>
-              <a:tailEnd/>
-            </a:ln>
-          </p:spPr>
-          <p:txBody>
-            <a:bodyPr vert="horz" wrap="square" lIns="91440" tIns="45720" rIns="91440" bIns="45720" numCol="1" rtlCol="0" anchor="t" anchorCtr="0" compatLnSpc="1">
-              <a:prstTxWarp prst="textNoShape">
-                <a:avLst/>
-              </a:prstTxWarp>
-            </a:bodyPr>
-            <a:lstStyle/>
-            <a:p>
-              <a:pPr rtl="0"/>
-              <a:endParaRPr lang="de-DE" dirty="0"/>
-            </a:p>
-          </p:txBody>
-        </p:sp>
-      </p:grpSp>
-      <p:sp>
-        <p:nvSpPr>
-          <p:cNvPr id="2" name="Titel 1">
-            <a:extLst>
-              <a:ext uri="{FF2B5EF4-FFF2-40B4-BE49-F238E27FC236}">
-                <a16:creationId xmlns:a16="http://schemas.microsoft.com/office/drawing/2014/main" id="{3F3C7E07-7AE0-455F-A48E-D3DD784F5120}"/>
-              </a:ext>
-            </a:extLst>
-          </p:cNvPr>
-          <p:cNvSpPr>
-            <a:spLocks noGrp="1"/>
-          </p:cNvSpPr>
-          <p:nvPr>
-            <p:ph type="title"/>
-          </p:nvPr>
-        </p:nvSpPr>
-        <p:spPr/>
-        <p:txBody>
-          <a:bodyPr/>
-          <a:lstStyle/>
-          <a:p>
-            <a:pPr rtl="0"/>
-            <a:r>
-              <a:rPr lang="de-DE" b="1" dirty="0">
-                <a:solidFill>
-                  <a:srgbClr val="002060"/>
-                </a:solidFill>
-                <a:latin typeface="Segoe UI" panose="020B0502040204020203" pitchFamily="34" charset="0"/>
-                <a:cs typeface="Segoe UI" panose="020B0502040204020203" pitchFamily="34" charset="0"/>
-              </a:rPr>
-              <a:t>Wesentliche Tätigkeiten</a:t>
-            </a:r>
-            <a:endParaRPr lang="de-DE" sz="4400" b="1" dirty="0">
-              <a:solidFill>
-                <a:srgbClr val="002060"/>
-              </a:solidFill>
-              <a:latin typeface="Segoe UI" panose="020B0502040204020203" pitchFamily="34" charset="0"/>
-              <a:cs typeface="Segoe UI" panose="020B0502040204020203" pitchFamily="34" charset="0"/>
-            </a:endParaRPr>
-          </a:p>
-        </p:txBody>
-      </p:sp>
-      <p:sp>
-        <p:nvSpPr>
-          <p:cNvPr id="4" name="Fußzeilenplatzhalter 3">
-            <a:extLst>
-              <a:ext uri="{FF2B5EF4-FFF2-40B4-BE49-F238E27FC236}">
-                <a16:creationId xmlns:a16="http://schemas.microsoft.com/office/drawing/2014/main" id="{A6CAB407-B68E-418C-97D2-D8C6D8C89808}"/>
-              </a:ext>
-            </a:extLst>
-          </p:cNvPr>
-          <p:cNvSpPr>
-            <a:spLocks noGrp="1"/>
-          </p:cNvSpPr>
-          <p:nvPr>
-            <p:ph type="ftr" sz="quarter" idx="11"/>
-          </p:nvPr>
-        </p:nvSpPr>
-        <p:spPr/>
-        <p:txBody>
-          <a:bodyPr/>
-          <a:lstStyle/>
-          <a:p>
-            <a:pPr rtl="0"/>
-            <a:r>
-              <a:rPr lang="de-DE" noProof="0" dirty="0"/>
-              <a:t>Luka Grgic</a:t>
-            </a:r>
-          </a:p>
-        </p:txBody>
-      </p:sp>
-      <p:sp>
-        <p:nvSpPr>
-          <p:cNvPr id="5" name="Foliennummernplatzhalter 4">
-            <a:extLst>
-              <a:ext uri="{FF2B5EF4-FFF2-40B4-BE49-F238E27FC236}">
-                <a16:creationId xmlns:a16="http://schemas.microsoft.com/office/drawing/2014/main" id="{922B81BF-7F18-4ABF-AAAB-99D55F9A109A}"/>
-              </a:ext>
-            </a:extLst>
-          </p:cNvPr>
-          <p:cNvSpPr>
-            <a:spLocks noGrp="1"/>
-          </p:cNvSpPr>
-          <p:nvPr>
-            <p:ph type="sldNum" sz="quarter" idx="12"/>
-          </p:nvPr>
-        </p:nvSpPr>
-        <p:spPr/>
-        <p:txBody>
-          <a:bodyPr/>
-          <a:lstStyle/>
-          <a:p>
-            <a:pPr rtl="0"/>
-            <a:fld id="{ED6580AB-5C3C-4B4F-8E2A-8B7A0A8CE695}" type="slidenum">
-              <a:rPr lang="de-DE" noProof="0" smtClean="0"/>
-              <a:t>9</a:t>
-            </a:fld>
-            <a:r>
-              <a:rPr lang="de-DE" noProof="0" dirty="0"/>
-              <a:t>/10</a:t>
-            </a:r>
-          </a:p>
-        </p:txBody>
-      </p:sp>
-      <p:graphicFrame>
-        <p:nvGraphicFramePr>
-          <p:cNvPr id="12" name="Inhaltsplatzhalter 11">
-            <a:extLst>
-              <a:ext uri="{FF2B5EF4-FFF2-40B4-BE49-F238E27FC236}">
-                <a16:creationId xmlns:a16="http://schemas.microsoft.com/office/drawing/2014/main" id="{D1B0F994-A049-4248-8A3F-AEF6E9DEFE54}"/>
-              </a:ext>
-            </a:extLst>
-          </p:cNvPr>
-          <p:cNvGraphicFramePr>
-            <a:graphicFrameLocks noGrp="1"/>
-          </p:cNvGraphicFramePr>
-          <p:nvPr>
-            <p:ph idx="1"/>
-            <p:extLst>
-              <p:ext uri="{D42A27DB-BD31-4B8C-83A1-F6EECF244321}">
-                <p14:modId xmlns:p14="http://schemas.microsoft.com/office/powerpoint/2010/main" val="3386211845"/>
-              </p:ext>
-            </p:extLst>
-          </p:nvPr>
-        </p:nvGraphicFramePr>
-        <p:xfrm>
-          <a:off x="771062" y="1315617"/>
-          <a:ext cx="6863452" cy="4861248"/>
-        </p:xfrm>
-        <a:graphic>
-          <a:graphicData uri="http://schemas.openxmlformats.org/drawingml/2006/diagram">
-            <dgm:relIds xmlns:dgm="http://schemas.openxmlformats.org/drawingml/2006/diagram" xmlns:r="http://schemas.openxmlformats.org/officeDocument/2006/relationships" r:dm="rId2" r:lo="rId3" r:qs="rId4" r:cs="rId5"/>
-          </a:graphicData>
-        </a:graphic>
-      </p:graphicFrame>
-    </p:spTree>
-    <p:extLst>
-      <p:ext uri="{BB962C8B-B14F-4D97-AF65-F5344CB8AC3E}">
-        <p14:creationId xmlns:p14="http://schemas.microsoft.com/office/powerpoint/2010/main" val="158454422"/>
       </p:ext>
     </p:extLst>
   </p:cSld>
